--- a/ADA_Cheatsheet.pptx
+++ b/ADA_Cheatsheet.pptx
@@ -272,7 +272,7 @@
           <a:p>
             <a:fld id="{9857E62C-3AB4-4D11-B6EC-FCABEFAC8F95}" type="datetimeFigureOut">
               <a:rPr lang="en-GB" smtClean="0"/>
-              <a:t>11/04/2023</a:t>
+              <a:t>26/04/2023</a:t>
             </a:fld>
             <a:endParaRPr lang="en-GB"/>
           </a:p>
@@ -839,7 +839,7 @@
           <a:p>
             <a:fld id="{B6371613-FDBE-40D6-A9CE-53B9CF992D98}" type="datetimeFigureOut">
               <a:rPr lang="en-GB" smtClean="0"/>
-              <a:t>11/04/2023</a:t>
+              <a:t>26/04/2023</a:t>
             </a:fld>
             <a:endParaRPr lang="en-GB"/>
           </a:p>
@@ -1009,7 +1009,7 @@
           <a:p>
             <a:fld id="{B6371613-FDBE-40D6-A9CE-53B9CF992D98}" type="datetimeFigureOut">
               <a:rPr lang="en-GB" smtClean="0"/>
-              <a:t>11/04/2023</a:t>
+              <a:t>26/04/2023</a:t>
             </a:fld>
             <a:endParaRPr lang="en-GB"/>
           </a:p>
@@ -1189,7 +1189,7 @@
           <a:p>
             <a:fld id="{B6371613-FDBE-40D6-A9CE-53B9CF992D98}" type="datetimeFigureOut">
               <a:rPr lang="en-GB" smtClean="0"/>
-              <a:t>11/04/2023</a:t>
+              <a:t>26/04/2023</a:t>
             </a:fld>
             <a:endParaRPr lang="en-GB"/>
           </a:p>
@@ -1359,7 +1359,7 @@
           <a:p>
             <a:fld id="{B6371613-FDBE-40D6-A9CE-53B9CF992D98}" type="datetimeFigureOut">
               <a:rPr lang="en-GB" smtClean="0"/>
-              <a:t>11/04/2023</a:t>
+              <a:t>26/04/2023</a:t>
             </a:fld>
             <a:endParaRPr lang="en-GB"/>
           </a:p>
@@ -1603,7 +1603,7 @@
           <a:p>
             <a:fld id="{B6371613-FDBE-40D6-A9CE-53B9CF992D98}" type="datetimeFigureOut">
               <a:rPr lang="en-GB" smtClean="0"/>
-              <a:t>11/04/2023</a:t>
+              <a:t>26/04/2023</a:t>
             </a:fld>
             <a:endParaRPr lang="en-GB"/>
           </a:p>
@@ -1835,7 +1835,7 @@
           <a:p>
             <a:fld id="{B6371613-FDBE-40D6-A9CE-53B9CF992D98}" type="datetimeFigureOut">
               <a:rPr lang="en-GB" smtClean="0"/>
-              <a:t>11/04/2023</a:t>
+              <a:t>26/04/2023</a:t>
             </a:fld>
             <a:endParaRPr lang="en-GB"/>
           </a:p>
@@ -2202,7 +2202,7 @@
           <a:p>
             <a:fld id="{B6371613-FDBE-40D6-A9CE-53B9CF992D98}" type="datetimeFigureOut">
               <a:rPr lang="en-GB" smtClean="0"/>
-              <a:t>11/04/2023</a:t>
+              <a:t>26/04/2023</a:t>
             </a:fld>
             <a:endParaRPr lang="en-GB"/>
           </a:p>
@@ -2320,7 +2320,7 @@
           <a:p>
             <a:fld id="{B6371613-FDBE-40D6-A9CE-53B9CF992D98}" type="datetimeFigureOut">
               <a:rPr lang="en-GB" smtClean="0"/>
-              <a:t>11/04/2023</a:t>
+              <a:t>26/04/2023</a:t>
             </a:fld>
             <a:endParaRPr lang="en-GB"/>
           </a:p>
@@ -2415,7 +2415,7 @@
           <a:p>
             <a:fld id="{B6371613-FDBE-40D6-A9CE-53B9CF992D98}" type="datetimeFigureOut">
               <a:rPr lang="en-GB" smtClean="0"/>
-              <a:t>11/04/2023</a:t>
+              <a:t>26/04/2023</a:t>
             </a:fld>
             <a:endParaRPr lang="en-GB"/>
           </a:p>
@@ -2692,7 +2692,7 @@
           <a:p>
             <a:fld id="{B6371613-FDBE-40D6-A9CE-53B9CF992D98}" type="datetimeFigureOut">
               <a:rPr lang="en-GB" smtClean="0"/>
-              <a:t>11/04/2023</a:t>
+              <a:t>26/04/2023</a:t>
             </a:fld>
             <a:endParaRPr lang="en-GB"/>
           </a:p>
@@ -2949,7 +2949,7 @@
           <a:p>
             <a:fld id="{B6371613-FDBE-40D6-A9CE-53B9CF992D98}" type="datetimeFigureOut">
               <a:rPr lang="en-GB" smtClean="0"/>
-              <a:t>11/04/2023</a:t>
+              <a:t>26/04/2023</a:t>
             </a:fld>
             <a:endParaRPr lang="en-GB"/>
           </a:p>
@@ -3162,7 +3162,7 @@
           <a:p>
             <a:fld id="{B6371613-FDBE-40D6-A9CE-53B9CF992D98}" type="datetimeFigureOut">
               <a:rPr lang="en-GB" smtClean="0"/>
-              <a:t>11/04/2023</a:t>
+              <a:t>26/04/2023</a:t>
             </a:fld>
             <a:endParaRPr lang="en-GB"/>
           </a:p>
@@ -8200,7 +8200,7 @@
                 <a:ea typeface="Verdana" panose="020B0604030504040204" pitchFamily="34" charset="0"/>
                 <a:cs typeface="Courier New" panose="02070309020205020404" pitchFamily="49" charset="0"/>
               </a:rPr>
-              <a:t> ⇒ list a → list a → list a This has a constraint that states that list must be a member of the List class, which allows it to work on different types, as annotated in the calculation. With this intuition in mind, the following definitions come out: </a:t>
+              <a:t> ⇒ list a → list a → list a This has a constraint that states that list must be a member of the List class, which allows it to work on different types, as annotated in the calculation. We get:</a:t>
             </a:r>
           </a:p>
           <a:p>
@@ -8603,14 +8603,6 @@
           </a:p>
           <a:p>
             <a:r>
-              <a:rPr lang="en-GB" sz="500" kern="100" spc="-46" dirty="0">
-                <a:latin typeface="Verdana" panose="020B0604030504040204" pitchFamily="34" charset="0"/>
-                <a:ea typeface="Verdana" panose="020B0604030504040204" pitchFamily="34" charset="0"/>
-                <a:cs typeface="Courier New" panose="02070309020205020404" pitchFamily="49" charset="0"/>
-              </a:rPr>
-              <a:t>The intention is that variables such as </a:t>
-            </a:r>
-            <a:r>
               <a:rPr lang="en-GB" sz="500" kern="100" spc="-46" dirty="0" err="1">
                 <a:latin typeface="Verdana" panose="020B0604030504040204" pitchFamily="34" charset="0"/>
                 <a:ea typeface="Verdana" panose="020B0604030504040204" pitchFamily="34" charset="0"/>
@@ -8624,7 +8616,23 @@
                 <a:ea typeface="Verdana" panose="020B0604030504040204" pitchFamily="34" charset="0"/>
                 <a:cs typeface="Courier New" panose="02070309020205020404" pitchFamily="49" charset="0"/>
               </a:rPr>
-              <a:t> represent functions on lists, so that </a:t>
+              <a:t> represents </a:t>
+            </a:r>
+            <a:r>
+              <a:rPr lang="en-GB" sz="500" kern="100" spc="-46" dirty="0" err="1">
+                <a:latin typeface="Verdana" panose="020B0604030504040204" pitchFamily="34" charset="0"/>
+                <a:ea typeface="Verdana" panose="020B0604030504040204" pitchFamily="34" charset="0"/>
+                <a:cs typeface="Courier New" panose="02070309020205020404" pitchFamily="49" charset="0"/>
+              </a:rPr>
+              <a:t>funcs</a:t>
+            </a:r>
+            <a:r>
+              <a:rPr lang="en-GB" sz="500" kern="100" spc="-46" dirty="0">
+                <a:latin typeface="Verdana" panose="020B0604030504040204" pitchFamily="34" charset="0"/>
+                <a:ea typeface="Verdana" panose="020B0604030504040204" pitchFamily="34" charset="0"/>
+                <a:cs typeface="Courier New" panose="02070309020205020404" pitchFamily="49" charset="0"/>
+              </a:rPr>
+              <a:t> on lists, </a:t>
             </a:r>
             <a:r>
               <a:rPr lang="en-GB" sz="500" kern="100" spc="-46" dirty="0" err="1">
@@ -10036,7 +10044,7 @@
           <a:lstStyle/>
           <a:p>
             <a:r>
-              <a:rPr lang="en-GB" sz="500" b="1" u="sng" kern="100" spc="-46" dirty="0">
+              <a:rPr lang="en-GB" sz="500" b="1" u="sng" kern="100" spc="-46">
                 <a:latin typeface="Verdana" panose="020B0604030504040204" pitchFamily="34" charset="0"/>
                 <a:ea typeface="Verdana" panose="020B0604030504040204" pitchFamily="34" charset="0"/>
                 <a:cs typeface="Courier New" panose="02070309020205020404" pitchFamily="49" charset="0"/>
@@ -10044,14 +10052,14 @@
               <a:t>7.1) Edit Distance Problem</a:t>
             </a:r>
             <a:r>
-              <a:rPr lang="en-GB" sz="500" kern="100" spc="-46" dirty="0">
+              <a:rPr lang="en-GB" sz="500" kern="100" spc="-46">
                 <a:latin typeface="Verdana" panose="020B0604030504040204" pitchFamily="34" charset="0"/>
                 <a:ea typeface="Verdana" panose="020B0604030504040204" pitchFamily="34" charset="0"/>
                 <a:cs typeface="Courier New" panose="02070309020205020404" pitchFamily="49" charset="0"/>
               </a:rPr>
               <a:t> – this is a complex DP problem which requires a 2d array, and thus indexing. In this problem we need to find the number of insertions, deletions and updates it takes to turn one string into another. The problem is simplified by considering only deletions and updates – insertion of a char into a string is the same as deleting the char from the other. One way to visualise it is moving to the left = deletion of first char in first string, right = deletion of first from right, middle = deletion of both first chars if they match. We capture this with this recursive algorithm:</a:t>
             </a:r>
-            <a:endParaRPr lang="en-GB" sz="500" b="1" u="sng" kern="100" spc="-46" dirty="0">
+            <a:endParaRPr lang="en-GB" sz="500" b="1" u="sng" kern="100" spc="-46">
               <a:latin typeface="Verdana" panose="020B0604030504040204" pitchFamily="34" charset="0"/>
               <a:ea typeface="Verdana" panose="020B0604030504040204" pitchFamily="34" charset="0"/>
               <a:cs typeface="Courier New" panose="02070309020205020404" pitchFamily="49" charset="0"/>
@@ -10059,385 +10067,867 @@
           </a:p>
           <a:p>
             <a:r>
-              <a:rPr lang="en-GB" sz="500" kern="100" spc="-46" dirty="0" err="1">
-                <a:latin typeface="Verdana" panose="020B0604030504040204" pitchFamily="34" charset="0"/>
-                <a:ea typeface="Verdana" panose="020B0604030504040204" pitchFamily="34" charset="0"/>
-                <a:cs typeface="Courier New" panose="02070309020205020404" pitchFamily="49" charset="0"/>
-              </a:rPr>
-              <a:t>dist</a:t>
-            </a:r>
-            <a:r>
-              <a:rPr lang="en-GB" sz="500" kern="100" spc="-46" dirty="0">
-                <a:latin typeface="Verdana" panose="020B0604030504040204" pitchFamily="34" charset="0"/>
-                <a:ea typeface="Verdana" panose="020B0604030504040204" pitchFamily="34" charset="0"/>
-                <a:cs typeface="Courier New" panose="02070309020205020404" pitchFamily="49" charset="0"/>
-              </a:rPr>
-              <a:t> :: String → String → Int </a:t>
-            </a:r>
-          </a:p>
-          <a:p>
-            <a:r>
-              <a:rPr lang="en-GB" sz="500" kern="100" spc="-46" dirty="0" err="1">
-                <a:latin typeface="Verdana" panose="020B0604030504040204" pitchFamily="34" charset="0"/>
-                <a:ea typeface="Verdana" panose="020B0604030504040204" pitchFamily="34" charset="0"/>
-                <a:cs typeface="Courier New" panose="02070309020205020404" pitchFamily="49" charset="0"/>
-              </a:rPr>
-              <a:t>dist</a:t>
-            </a:r>
-            <a:r>
-              <a:rPr lang="en-GB" sz="500" kern="100" spc="-46" dirty="0">
+              <a:rPr lang="en-GB" sz="500" kern="100" spc="-46">
+                <a:latin typeface="Verdana" panose="020B0604030504040204" pitchFamily="34" charset="0"/>
+                <a:ea typeface="Verdana" panose="020B0604030504040204" pitchFamily="34" charset="0"/>
+                <a:cs typeface="Courier New" panose="02070309020205020404" pitchFamily="49" charset="0"/>
+              </a:rPr>
+              <a:t>dist :: String → String → Int </a:t>
+            </a:r>
+          </a:p>
+          <a:p>
+            <a:r>
+              <a:rPr lang="en-GB" sz="500" kern="100" spc="-46">
+                <a:latin typeface="Verdana" panose="020B0604030504040204" pitchFamily="34" charset="0"/>
+                <a:ea typeface="Verdana" panose="020B0604030504040204" pitchFamily="34" charset="0"/>
+                <a:cs typeface="Courier New" panose="02070309020205020404" pitchFamily="49" charset="0"/>
+              </a:rPr>
+              <a:t>dist xs [ ] = length xs </a:t>
+            </a:r>
+          </a:p>
+          <a:p>
+            <a:r>
+              <a:rPr lang="en-GB" sz="500" kern="100" spc="-46">
+                <a:latin typeface="Verdana" panose="020B0604030504040204" pitchFamily="34" charset="0"/>
+                <a:ea typeface="Verdana" panose="020B0604030504040204" pitchFamily="34" charset="0"/>
+                <a:cs typeface="Courier New" panose="02070309020205020404" pitchFamily="49" charset="0"/>
+              </a:rPr>
+              <a:t>dist [ ] ys = length ys </a:t>
+            </a:r>
+          </a:p>
+          <a:p>
+            <a:r>
+              <a:rPr lang="en-GB" sz="500" kern="100" spc="-46">
+                <a:latin typeface="Verdana" panose="020B0604030504040204" pitchFamily="34" charset="0"/>
+                <a:ea typeface="Verdana" panose="020B0604030504040204" pitchFamily="34" charset="0"/>
+                <a:cs typeface="Courier New" panose="02070309020205020404" pitchFamily="49" charset="0"/>
+              </a:rPr>
+              <a:t>dist xxs@(x:xs) yys@(y:ys) = minimum [dist xxs ys + 1, dist xs yys + 1, </a:t>
+            </a:r>
+          </a:p>
+          <a:p>
+            <a:r>
+              <a:rPr lang="en-GB" sz="500" kern="100" spc="-46">
+                <a:latin typeface="Verdana" panose="020B0604030504040204" pitchFamily="34" charset="0"/>
+                <a:ea typeface="Verdana" panose="020B0604030504040204" pitchFamily="34" charset="0"/>
+                <a:cs typeface="Courier New" panose="02070309020205020404" pitchFamily="49" charset="0"/>
+              </a:rPr>
+              <a:t>                                      dist xs ys + if x ≡ y then 0 else 1]</a:t>
+            </a:r>
+          </a:p>
+          <a:p>
+            <a:r>
+              <a:rPr lang="en-GB" sz="500" kern="100" spc="-46">
+                <a:latin typeface="Verdana" panose="020B0604030504040204" pitchFamily="34" charset="0"/>
+                <a:ea typeface="Verdana" panose="020B0604030504040204" pitchFamily="34" charset="0"/>
+                <a:cs typeface="Courier New" panose="02070309020205020404" pitchFamily="49" charset="0"/>
+              </a:rPr>
+              <a:t>Minimum lets us consider the cheapest cost of three choices at each node. This is very inefficient - O(3</a:t>
+            </a:r>
+            <a:r>
+              <a:rPr lang="en-GB" sz="500" kern="100" spc="-46" baseline="30000">
+                <a:latin typeface="Verdana" panose="020B0604030504040204" pitchFamily="34" charset="0"/>
+                <a:ea typeface="Verdana" panose="020B0604030504040204" pitchFamily="34" charset="0"/>
+                <a:cs typeface="Courier New" panose="02070309020205020404" pitchFamily="49" charset="0"/>
+              </a:rPr>
+              <a:t>|m+n|</a:t>
+            </a:r>
+            <a:r>
+              <a:rPr lang="en-GB" sz="500" kern="100" spc="-46">
+                <a:latin typeface="Verdana" panose="020B0604030504040204" pitchFamily="34" charset="0"/>
+                <a:ea typeface="Verdana" panose="020B0604030504040204" pitchFamily="34" charset="0"/>
+                <a:cs typeface="Courier New" panose="02070309020205020404" pitchFamily="49" charset="0"/>
+              </a:rPr>
+              <a:t>). We can fix this with DP, but we need to make our problem amenable to DP as strings can’t be used to index into an array. We do this by measuring our progress across xs and ys with indices i and j rather than cutting the head of the string away:</a:t>
+            </a:r>
+          </a:p>
+          <a:p>
+            <a:r>
+              <a:rPr lang="en-GB" sz="500" kern="100" spc="-46">
+                <a:latin typeface="Verdana" panose="020B0604030504040204" pitchFamily="34" charset="0"/>
+                <a:ea typeface="Verdana" panose="020B0604030504040204" pitchFamily="34" charset="0"/>
+                <a:cs typeface="Courier New" panose="02070309020205020404" pitchFamily="49" charset="0"/>
+              </a:rPr>
+              <a:t>dist′ :: String → String → Int → Int → Int </a:t>
+            </a:r>
+          </a:p>
+          <a:p>
+            <a:r>
+              <a:rPr lang="en-GB" sz="500" kern="100" spc="-46">
+                <a:latin typeface="Verdana" panose="020B0604030504040204" pitchFamily="34" charset="0"/>
+                <a:ea typeface="Verdana" panose="020B0604030504040204" pitchFamily="34" charset="0"/>
+                <a:cs typeface="Courier New" panose="02070309020205020404" pitchFamily="49" charset="0"/>
+              </a:rPr>
+              <a:t>dist′ xs ys i 0 = i </a:t>
+            </a:r>
+          </a:p>
+          <a:p>
+            <a:r>
+              <a:rPr lang="en-GB" sz="500" kern="100" spc="-46">
+                <a:latin typeface="Verdana" panose="020B0604030504040204" pitchFamily="34" charset="0"/>
+                <a:ea typeface="Verdana" panose="020B0604030504040204" pitchFamily="34" charset="0"/>
+                <a:cs typeface="Courier New" panose="02070309020205020404" pitchFamily="49" charset="0"/>
+              </a:rPr>
+              <a:t>dist′ xs ys 0 j = j </a:t>
+            </a:r>
+          </a:p>
+          <a:p>
+            <a:r>
+              <a:rPr lang="en-GB" sz="500" kern="100" spc="-46">
+                <a:latin typeface="Verdana" panose="020B0604030504040204" pitchFamily="34" charset="0"/>
+                <a:ea typeface="Verdana" panose="020B0604030504040204" pitchFamily="34" charset="0"/>
+                <a:cs typeface="Courier New" panose="02070309020205020404" pitchFamily="49" charset="0"/>
+              </a:rPr>
+              <a:t>dist′ xs ys i j = minimum [dist′ xs ys i (j−1) +1, dist′ xs ys (i−1) j +1, 	             dist′ xs ys (i−1) (j−1) + if x≡y then 0 else 1] </a:t>
+            </a:r>
+          </a:p>
+          <a:p>
+            <a:r>
+              <a:rPr lang="en-GB" sz="500" kern="100" spc="-46">
+                <a:latin typeface="Verdana" panose="020B0604030504040204" pitchFamily="34" charset="0"/>
+                <a:ea typeface="Verdana" panose="020B0604030504040204" pitchFamily="34" charset="0"/>
+                <a:cs typeface="Courier New" panose="02070309020205020404" pitchFamily="49" charset="0"/>
+              </a:rPr>
+              <a:t>where </a:t>
+            </a:r>
+          </a:p>
+          <a:p>
+            <a:r>
+              <a:rPr lang="en-GB" sz="500" kern="100" spc="-46">
+                <a:latin typeface="Verdana" panose="020B0604030504040204" pitchFamily="34" charset="0"/>
+                <a:ea typeface="Verdana" panose="020B0604030504040204" pitchFamily="34" charset="0"/>
+                <a:cs typeface="Courier New" panose="02070309020205020404" pitchFamily="49" charset="0"/>
+              </a:rPr>
+              <a:t>   m = length xs </a:t>
+            </a:r>
+          </a:p>
+          <a:p>
+            <a:r>
+              <a:rPr lang="en-GB" sz="500" kern="100" spc="-46">
+                <a:latin typeface="Verdana" panose="020B0604030504040204" pitchFamily="34" charset="0"/>
+                <a:ea typeface="Verdana" panose="020B0604030504040204" pitchFamily="34" charset="0"/>
+                <a:cs typeface="Courier New" panose="02070309020205020404" pitchFamily="49" charset="0"/>
+              </a:rPr>
+              <a:t>   n = length ys </a:t>
+            </a:r>
+          </a:p>
+          <a:p>
+            <a:r>
+              <a:rPr lang="en-GB" sz="500" kern="100" spc="-46">
+                <a:latin typeface="Verdana" panose="020B0604030504040204" pitchFamily="34" charset="0"/>
+                <a:ea typeface="Verdana" panose="020B0604030504040204" pitchFamily="34" charset="0"/>
+                <a:cs typeface="Courier New" panose="02070309020205020404" pitchFamily="49" charset="0"/>
+              </a:rPr>
+              <a:t>   x = xs !! (m − i) </a:t>
+            </a:r>
+          </a:p>
+          <a:p>
+            <a:r>
+              <a:rPr lang="en-GB" sz="500" kern="100" spc="-46">
+                <a:latin typeface="Verdana" panose="020B0604030504040204" pitchFamily="34" charset="0"/>
+                <a:ea typeface="Verdana" panose="020B0604030504040204" pitchFamily="34" charset="0"/>
+                <a:cs typeface="Courier New" panose="02070309020205020404" pitchFamily="49" charset="0"/>
+              </a:rPr>
+              <a:t>   y = ys !! (n − j)</a:t>
+            </a:r>
+          </a:p>
+          <a:p>
+            <a:r>
+              <a:rPr lang="en-GB" sz="500" kern="100" spc="-46">
+                <a:latin typeface="Verdana" panose="020B0604030504040204" pitchFamily="34" charset="0"/>
+                <a:ea typeface="Verdana" panose="020B0604030504040204" pitchFamily="34" charset="0"/>
+                <a:cs typeface="Courier New" panose="02070309020205020404" pitchFamily="49" charset="0"/>
+              </a:rPr>
+              <a:t>Tabularizing this is quite easy now. Just take our template, replace memo with the definition of dist’, pass in a 2d array index into  tabulate (doesn’t need to be redefined) We do have to use fromList to make arrays rather than lists – to remove the !!.</a:t>
+            </a:r>
+          </a:p>
+          <a:p>
+            <a:r>
+              <a:rPr lang="en-GB" sz="500" kern="100" spc="-46">
+                <a:latin typeface="Verdana" panose="020B0604030504040204" pitchFamily="34" charset="0"/>
+                <a:ea typeface="Verdana" panose="020B0604030504040204" pitchFamily="34" charset="0"/>
+                <a:cs typeface="Courier New" panose="02070309020205020404" pitchFamily="49" charset="0"/>
+              </a:rPr>
+              <a:t>dist′′ :: String → String → Int </a:t>
+            </a:r>
+          </a:p>
+          <a:p>
+            <a:r>
+              <a:rPr lang="en-GB" sz="500" kern="100" spc="-46">
+                <a:latin typeface="Verdana" panose="020B0604030504040204" pitchFamily="34" charset="0"/>
+                <a:ea typeface="Verdana" panose="020B0604030504040204" pitchFamily="34" charset="0"/>
+                <a:cs typeface="Courier New" panose="02070309020205020404" pitchFamily="49" charset="0"/>
+              </a:rPr>
+              <a:t>dist′′ xs ys = table ! (m, n) </a:t>
+            </a:r>
+          </a:p>
+          <a:p>
+            <a:r>
+              <a:rPr lang="en-GB" sz="500" kern="100" spc="-46">
+                <a:latin typeface="Verdana" panose="020B0604030504040204" pitchFamily="34" charset="0"/>
+                <a:ea typeface="Verdana" panose="020B0604030504040204" pitchFamily="34" charset="0"/>
+                <a:cs typeface="Courier New" panose="02070309020205020404" pitchFamily="49" charset="0"/>
+              </a:rPr>
+              <a:t> where </a:t>
+            </a:r>
+          </a:p>
+          <a:p>
+            <a:r>
+              <a:rPr lang="en-GB" sz="500" kern="100" spc="-46">
+                <a:latin typeface="Verdana" panose="020B0604030504040204" pitchFamily="34" charset="0"/>
+                <a:ea typeface="Verdana" panose="020B0604030504040204" pitchFamily="34" charset="0"/>
+                <a:cs typeface="Courier New" panose="02070309020205020404" pitchFamily="49" charset="0"/>
+              </a:rPr>
+              <a:t>      table = tabulate ((0, 0),(m, n)) (uncurry memo) </a:t>
+            </a:r>
+          </a:p>
+          <a:p>
+            <a:r>
+              <a:rPr lang="en-GB" sz="500" kern="100" spc="-46">
+                <a:latin typeface="Verdana" panose="020B0604030504040204" pitchFamily="34" charset="0"/>
+                <a:ea typeface="Verdana" panose="020B0604030504040204" pitchFamily="34" charset="0"/>
+                <a:cs typeface="Courier New" panose="02070309020205020404" pitchFamily="49" charset="0"/>
+              </a:rPr>
+              <a:t>      memo :: Int → Int → Int </a:t>
+            </a:r>
+          </a:p>
+          <a:p>
+            <a:r>
+              <a:rPr lang="en-GB" sz="500" kern="100" spc="-46">
+                <a:latin typeface="Verdana" panose="020B0604030504040204" pitchFamily="34" charset="0"/>
+                <a:ea typeface="Verdana" panose="020B0604030504040204" pitchFamily="34" charset="0"/>
+                <a:cs typeface="Courier New" panose="02070309020205020404" pitchFamily="49" charset="0"/>
+              </a:rPr>
+              <a:t>      memo i 0 = i </a:t>
+            </a:r>
+          </a:p>
+          <a:p>
+            <a:r>
+              <a:rPr lang="en-GB" sz="500" kern="100" spc="-46">
+                <a:latin typeface="Verdana" panose="020B0604030504040204" pitchFamily="34" charset="0"/>
+                <a:ea typeface="Verdana" panose="020B0604030504040204" pitchFamily="34" charset="0"/>
+                <a:cs typeface="Courier New" panose="02070309020205020404" pitchFamily="49" charset="0"/>
+              </a:rPr>
+              <a:t>      memo 0 j = j </a:t>
+            </a:r>
+          </a:p>
+          <a:p>
+            <a:r>
+              <a:rPr lang="en-GB" sz="500" kern="100" spc="-46">
+                <a:latin typeface="Verdana" panose="020B0604030504040204" pitchFamily="34" charset="0"/>
+                <a:ea typeface="Verdana" panose="020B0604030504040204" pitchFamily="34" charset="0"/>
+                <a:cs typeface="Courier New" panose="02070309020205020404" pitchFamily="49" charset="0"/>
+              </a:rPr>
+              <a:t>      memo i j = minimum [table ! (i, j − 1) + 1, table ! (i − 1, j) + 1, </a:t>
+            </a:r>
+          </a:p>
+          <a:p>
+            <a:r>
+              <a:rPr lang="en-GB" sz="500" kern="100" spc="-46">
+                <a:latin typeface="Verdana" panose="020B0604030504040204" pitchFamily="34" charset="0"/>
+                <a:ea typeface="Verdana" panose="020B0604030504040204" pitchFamily="34" charset="0"/>
+                <a:cs typeface="Courier New" panose="02070309020205020404" pitchFamily="49" charset="0"/>
+              </a:rPr>
+              <a:t>                          table ! (i − 1, j − 1) + if x ≡ y then 0 else 1] </a:t>
+            </a:r>
+          </a:p>
+          <a:p>
+            <a:r>
+              <a:rPr lang="en-GB" sz="500" kern="100" spc="-46">
+                <a:latin typeface="Verdana" panose="020B0604030504040204" pitchFamily="34" charset="0"/>
+                <a:ea typeface="Verdana" panose="020B0604030504040204" pitchFamily="34" charset="0"/>
+                <a:cs typeface="Courier New" panose="02070309020205020404" pitchFamily="49" charset="0"/>
+              </a:rPr>
+              <a:t>        where x = axs ! (m − i) </a:t>
+            </a:r>
+          </a:p>
+          <a:p>
+            <a:r>
+              <a:rPr lang="en-GB" sz="500" kern="100" spc="-46">
+                <a:latin typeface="Verdana" panose="020B0604030504040204" pitchFamily="34" charset="0"/>
+                <a:ea typeface="Verdana" panose="020B0604030504040204" pitchFamily="34" charset="0"/>
+                <a:cs typeface="Courier New" panose="02070309020205020404" pitchFamily="49" charset="0"/>
+              </a:rPr>
+              <a:t>                   y = ays ! (n − j) </a:t>
+            </a:r>
+          </a:p>
+          <a:p>
+            <a:r>
+              <a:rPr lang="en-GB" sz="500" kern="100" spc="-46">
+                <a:latin typeface="Verdana" panose="020B0604030504040204" pitchFamily="34" charset="0"/>
+                <a:ea typeface="Verdana" panose="020B0604030504040204" pitchFamily="34" charset="0"/>
+                <a:cs typeface="Courier New" panose="02070309020205020404" pitchFamily="49" charset="0"/>
+              </a:rPr>
+              <a:t>                   m = length xs </a:t>
+            </a:r>
+          </a:p>
+          <a:p>
+            <a:r>
+              <a:rPr lang="en-GB" sz="500" kern="100" spc="-46">
+                <a:latin typeface="Verdana" panose="020B0604030504040204" pitchFamily="34" charset="0"/>
+                <a:ea typeface="Verdana" panose="020B0604030504040204" pitchFamily="34" charset="0"/>
+                <a:cs typeface="Courier New" panose="02070309020205020404" pitchFamily="49" charset="0"/>
+              </a:rPr>
+              <a:t>                   n = length ys </a:t>
+            </a:r>
+          </a:p>
+          <a:p>
+            <a:r>
+              <a:rPr lang="en-GB" sz="500" kern="100" spc="-46">
+                <a:latin typeface="Verdana" panose="020B0604030504040204" pitchFamily="34" charset="0"/>
+                <a:ea typeface="Verdana" panose="020B0604030504040204" pitchFamily="34" charset="0"/>
+                <a:cs typeface="Courier New" panose="02070309020205020404" pitchFamily="49" charset="0"/>
+              </a:rPr>
+              <a:t>                   axs, ays :: Array Int Char </a:t>
+            </a:r>
+          </a:p>
+          <a:p>
+            <a:r>
+              <a:rPr lang="en-GB" sz="500" kern="100" spc="-46">
+                <a:latin typeface="Verdana" panose="020B0604030504040204" pitchFamily="34" charset="0"/>
+                <a:ea typeface="Verdana" panose="020B0604030504040204" pitchFamily="34" charset="0"/>
+                <a:cs typeface="Courier New" panose="02070309020205020404" pitchFamily="49" charset="0"/>
+              </a:rPr>
+              <a:t>                   axs = fromList xs </a:t>
+            </a:r>
+          </a:p>
+          <a:p>
+            <a:r>
+              <a:rPr lang="en-GB" sz="500" kern="100" spc="-46">
+                <a:latin typeface="Verdana" panose="020B0604030504040204" pitchFamily="34" charset="0"/>
+                <a:ea typeface="Verdana" panose="020B0604030504040204" pitchFamily="34" charset="0"/>
+                <a:cs typeface="Courier New" panose="02070309020205020404" pitchFamily="49" charset="0"/>
+              </a:rPr>
+              <a:t>                   ays = fromList ys</a:t>
+            </a:r>
+          </a:p>
+          <a:p>
+            <a:r>
+              <a:rPr lang="en-GB" sz="500" kern="100" spc="-46">
+                <a:latin typeface="Verdana" panose="020B0604030504040204" pitchFamily="34" charset="0"/>
+                <a:ea typeface="Verdana" panose="020B0604030504040204" pitchFamily="34" charset="0"/>
+                <a:cs typeface="Courier New" panose="02070309020205020404" pitchFamily="49" charset="0"/>
+              </a:rPr>
+              <a:t>We can also do axs = listArray (0, length xs-1) xs</a:t>
+            </a:r>
+          </a:p>
+          <a:p>
+            <a:r>
+              <a:rPr lang="en-GB" sz="500" b="1" u="sng" kern="100" spc="-46">
+                <a:latin typeface="Verdana" panose="020B0604030504040204" pitchFamily="34" charset="0"/>
+                <a:ea typeface="Verdana" panose="020B0604030504040204" pitchFamily="34" charset="0"/>
+                <a:cs typeface="Courier New" panose="02070309020205020404" pitchFamily="49" charset="0"/>
+              </a:rPr>
+              <a:t>8) Amortized Analysis </a:t>
+            </a:r>
+            <a:r>
+              <a:rPr lang="en-GB" sz="500" kern="100" spc="-46">
+                <a:latin typeface="Verdana" panose="020B0604030504040204" pitchFamily="34" charset="0"/>
+                <a:ea typeface="Verdana" panose="020B0604030504040204" pitchFamily="34" charset="0"/>
+                <a:cs typeface="Courier New" panose="02070309020205020404" pitchFamily="49" charset="0"/>
+              </a:rPr>
+              <a:t> - Sometimes the cost of an algorithm can’t be derived by its  singular runtime – we need the wider context. This is done with </a:t>
+            </a:r>
+            <a:r>
+              <a:rPr lang="en-GB" sz="500" b="1" kern="100" spc="-46">
+                <a:latin typeface="Verdana" panose="020B0604030504040204" pitchFamily="34" charset="0"/>
+                <a:ea typeface="Verdana" panose="020B0604030504040204" pitchFamily="34" charset="0"/>
+                <a:cs typeface="Courier New" panose="02070309020205020404" pitchFamily="49" charset="0"/>
+              </a:rPr>
+              <a:t>Amortized Analysis</a:t>
+            </a:r>
+            <a:r>
+              <a:rPr lang="en-GB" sz="500" kern="100" spc="-46">
+                <a:latin typeface="Verdana" panose="020B0604030504040204" pitchFamily="34" charset="0"/>
+                <a:ea typeface="Verdana" panose="020B0604030504040204" pitchFamily="34" charset="0"/>
+                <a:cs typeface="Courier New" panose="02070309020205020404" pitchFamily="49" charset="0"/>
+              </a:rPr>
+              <a:t>. </a:t>
+            </a:r>
+          </a:p>
+          <a:p>
+            <a:r>
+              <a:rPr lang="en-GB" sz="500" b="1" kern="100" spc="-46">
+                <a:latin typeface="Verdana" panose="020B0604030504040204" pitchFamily="34" charset="0"/>
+                <a:ea typeface="Verdana" panose="020B0604030504040204" pitchFamily="34" charset="0"/>
+                <a:cs typeface="Courier New" panose="02070309020205020404" pitchFamily="49" charset="0"/>
+              </a:rPr>
+              <a:t>8.1) Deques</a:t>
+            </a:r>
+            <a:r>
+              <a:rPr lang="en-GB" sz="500" kern="100" spc="-46">
+                <a:latin typeface="Verdana" panose="020B0604030504040204" pitchFamily="34" charset="0"/>
+                <a:ea typeface="Verdana" panose="020B0604030504040204" pitchFamily="34" charset="0"/>
+                <a:cs typeface="Courier New" panose="02070309020205020404" pitchFamily="49" charset="0"/>
+              </a:rPr>
+              <a:t> -  in normal lists, adding to the back is expensive (O(n)). This is shown with snoc – based on ++. A double ended queue is a queue where elements can be added to the front or back of the list. </a:t>
+            </a:r>
+            <a:r>
+              <a:rPr lang="pt-BR" sz="500" kern="100" spc="-46">
+                <a:latin typeface="Verdana" panose="020B0604030504040204" pitchFamily="34" charset="0"/>
+                <a:ea typeface="Verdana" panose="020B0604030504040204" pitchFamily="34" charset="0"/>
+                <a:cs typeface="Courier New" panose="02070309020205020404" pitchFamily="49" charset="0"/>
+              </a:rPr>
+              <a:t>data Deque a = Deque [a][a]</a:t>
+            </a:r>
+            <a:r>
+              <a:rPr lang="en-GB" sz="500" kern="100" spc="-46">
+                <a:latin typeface="Verdana" panose="020B0604030504040204" pitchFamily="34" charset="0"/>
+                <a:ea typeface="Verdana" panose="020B0604030504040204" pitchFamily="34" charset="0"/>
+                <a:cs typeface="Courier New" panose="02070309020205020404" pitchFamily="49" charset="0"/>
+              </a:rPr>
+              <a:t> Deques have two lists – xs and sy. This has a list of elements xs, and reversed elements sy. To add to the back we add to the second list. This is because toList is implemented by xs ++ reverse sy, so sy is always reversed when we use it (and thus these operations are more expensive but adding to back is cheap). Two invariants are maintained to keep operations efficient </a:t>
+            </a:r>
+            <a:r>
+              <a:rPr lang="en-GB" sz="500" b="1" kern="100" spc="-46">
+                <a:latin typeface="Verdana" panose="020B0604030504040204" pitchFamily="34" charset="0"/>
+                <a:ea typeface="Verdana" panose="020B0604030504040204" pitchFamily="34" charset="0"/>
+                <a:cs typeface="Courier New" panose="02070309020205020404" pitchFamily="49" charset="0"/>
+              </a:rPr>
+              <a:t>as a whole</a:t>
+            </a:r>
+            <a:r>
+              <a:rPr lang="en-GB" sz="500" kern="100" spc="-46">
+                <a:latin typeface="Verdana" panose="020B0604030504040204" pitchFamily="34" charset="0"/>
+                <a:ea typeface="Verdana" panose="020B0604030504040204" pitchFamily="34" charset="0"/>
+                <a:cs typeface="Courier New" panose="02070309020205020404" pitchFamily="49" charset="0"/>
+              </a:rPr>
+              <a:t>: 1) </a:t>
+            </a:r>
+            <a:r>
+              <a:rPr lang="en-GB" sz="500" b="1" kern="100" spc="-46">
+                <a:latin typeface="Verdana" panose="020B0604030504040204" pitchFamily="34" charset="0"/>
+                <a:ea typeface="Verdana" panose="020B0604030504040204" pitchFamily="34" charset="0"/>
+                <a:cs typeface="Courier New" panose="02070309020205020404" pitchFamily="49" charset="0"/>
+              </a:rPr>
+              <a:t>isEmpty xs ⇒ isEmpty sy ∨ isSingle sy</a:t>
+            </a:r>
+          </a:p>
+          <a:p>
+            <a:r>
+              <a:rPr lang="en-GB" sz="500" b="1" kern="100" spc="-46">
+                <a:latin typeface="Verdana" panose="020B0604030504040204" pitchFamily="34" charset="0"/>
+                <a:ea typeface="Verdana" panose="020B0604030504040204" pitchFamily="34" charset="0"/>
+                <a:cs typeface="Courier New" panose="02070309020205020404" pitchFamily="49" charset="0"/>
+              </a:rPr>
+              <a:t>2) isEmpty sy ⇒ isEmpty xs ∨ isSingle xs</a:t>
+            </a:r>
+          </a:p>
+          <a:p>
+            <a:r>
+              <a:rPr lang="en-GB" sz="500" b="1" kern="100" spc="-46">
+                <a:latin typeface="Verdana" panose="020B0604030504040204" pitchFamily="34" charset="0"/>
+                <a:ea typeface="Verdana" panose="020B0604030504040204" pitchFamily="34" charset="0"/>
+                <a:cs typeface="Courier New" panose="02070309020205020404" pitchFamily="49" charset="0"/>
+              </a:rPr>
+              <a:t>If one of the lists is empty the other one has at most one element.</a:t>
+            </a:r>
+            <a:r>
+              <a:rPr lang="en-GB" sz="500" kern="100" spc="-46">
+                <a:latin typeface="Verdana" panose="020B0604030504040204" pitchFamily="34" charset="0"/>
+                <a:ea typeface="Verdana" panose="020B0604030504040204" pitchFamily="34" charset="0"/>
+                <a:cs typeface="Courier New" panose="02070309020205020404" pitchFamily="49" charset="0"/>
+              </a:rPr>
+              <a:t> fromList is then: </a:t>
+            </a:r>
+          </a:p>
+          <a:p>
+            <a:r>
+              <a:rPr lang="en-GB" sz="500" kern="100" spc="-46">
+                <a:latin typeface="Verdana" panose="020B0604030504040204" pitchFamily="34" charset="0"/>
+                <a:ea typeface="Verdana" panose="020B0604030504040204" pitchFamily="34" charset="0"/>
+                <a:cs typeface="Courier New" panose="02070309020205020404" pitchFamily="49" charset="0"/>
+              </a:rPr>
+              <a:t>fromList xs = Deque ys (reverse zs) </a:t>
+            </a:r>
+          </a:p>
+          <a:p>
+            <a:r>
+              <a:rPr lang="en-GB" sz="500" kern="100" spc="-46">
+                <a:latin typeface="Verdana" panose="020B0604030504040204" pitchFamily="34" charset="0"/>
+                <a:ea typeface="Verdana" panose="020B0604030504040204" pitchFamily="34" charset="0"/>
+                <a:cs typeface="Courier New" panose="02070309020205020404" pitchFamily="49" charset="0"/>
+              </a:rPr>
+              <a:t>      where (ys, zs) = splitAt (length xs‘div‘ 2) xs</a:t>
+            </a:r>
+          </a:p>
+          <a:p>
+            <a:r>
+              <a:rPr lang="en-GB" sz="500" kern="100" spc="-46">
+                <a:latin typeface="Verdana" panose="020B0604030504040204" pitchFamily="34" charset="0"/>
+                <a:ea typeface="Verdana" panose="020B0604030504040204" pitchFamily="34" charset="0"/>
+                <a:cs typeface="Courier New" panose="02070309020205020404" pitchFamily="49" charset="0"/>
+              </a:rPr>
+              <a:t>empty :: Deque a </a:t>
+            </a:r>
+          </a:p>
+          <a:p>
+            <a:r>
+              <a:rPr lang="en-GB" sz="500" kern="100" spc="-46">
+                <a:latin typeface="Verdana" panose="020B0604030504040204" pitchFamily="34" charset="0"/>
+                <a:ea typeface="Verdana" panose="020B0604030504040204" pitchFamily="34" charset="0"/>
+                <a:cs typeface="Courier New" panose="02070309020205020404" pitchFamily="49" charset="0"/>
+              </a:rPr>
+              <a:t>empty = Deque [ ] [ ]</a:t>
+            </a:r>
+          </a:p>
+          <a:p>
+            <a:r>
+              <a:rPr lang="en-GB" sz="500" kern="100" spc="-46">
+                <a:latin typeface="Verdana" panose="020B0604030504040204" pitchFamily="34" charset="0"/>
+                <a:ea typeface="Verdana" panose="020B0604030504040204" pitchFamily="34" charset="0"/>
+                <a:cs typeface="Courier New" panose="02070309020205020404" pitchFamily="49" charset="0"/>
+              </a:rPr>
+              <a:t>snoc must be implemented like so to maintain the invariant:</a:t>
+            </a:r>
+          </a:p>
+          <a:p>
+            <a:r>
+              <a:rPr lang="en-GB" sz="500" kern="100" spc="-46">
+                <a:latin typeface="Verdana" panose="020B0604030504040204" pitchFamily="34" charset="0"/>
+                <a:ea typeface="Verdana" panose="020B0604030504040204" pitchFamily="34" charset="0"/>
+                <a:cs typeface="Courier New" panose="02070309020205020404" pitchFamily="49" charset="0"/>
+              </a:rPr>
+              <a:t>snoc :: Deque a → a → Deque a </a:t>
+            </a:r>
+          </a:p>
+          <a:p>
+            <a:r>
+              <a:rPr lang="en-GB" sz="500" kern="100" spc="-46">
+                <a:latin typeface="Verdana" panose="020B0604030504040204" pitchFamily="34" charset="0"/>
+                <a:ea typeface="Verdana" panose="020B0604030504040204" pitchFamily="34" charset="0"/>
+                <a:cs typeface="Courier New" panose="02070309020205020404" pitchFamily="49" charset="0"/>
+              </a:rPr>
+              <a:t>snoc (Deque [ ] sy) x = Deque sy [x] </a:t>
+            </a:r>
+          </a:p>
+          <a:p>
+            <a:r>
+              <a:rPr lang="en-GB" sz="500" kern="100" spc="-46">
+                <a:latin typeface="Verdana" panose="020B0604030504040204" pitchFamily="34" charset="0"/>
+                <a:ea typeface="Verdana" panose="020B0604030504040204" pitchFamily="34" charset="0"/>
+                <a:cs typeface="Courier New" panose="02070309020205020404" pitchFamily="49" charset="0"/>
+              </a:rPr>
+              <a:t>snoc (Deque xs sy) x = Deque xs (x : sy)</a:t>
+            </a:r>
+          </a:p>
+          <a:p>
+            <a:r>
+              <a:rPr lang="en-GB" sz="500" kern="100" spc="-46">
+                <a:latin typeface="Verdana" panose="020B0604030504040204" pitchFamily="34" charset="0"/>
+                <a:ea typeface="Verdana" panose="020B0604030504040204" pitchFamily="34" charset="0"/>
+                <a:cs typeface="Courier New" panose="02070309020205020404" pitchFamily="49" charset="0"/>
+              </a:rPr>
+              <a:t>Following this implementation: checking if a deque is empty / single:</a:t>
+            </a:r>
+          </a:p>
+          <a:p>
+            <a:r>
+              <a:rPr lang="en-GB" sz="500" kern="100" spc="-46">
+                <a:latin typeface="Verdana" panose="020B0604030504040204" pitchFamily="34" charset="0"/>
+                <a:ea typeface="Verdana" panose="020B0604030504040204" pitchFamily="34" charset="0"/>
+                <a:cs typeface="Courier New" panose="02070309020205020404" pitchFamily="49" charset="0"/>
+              </a:rPr>
+              <a:t>isEmpty :: Deque a → Bool </a:t>
+            </a:r>
+          </a:p>
+          <a:p>
+            <a:r>
+              <a:rPr lang="en-GB" sz="500" kern="100" spc="-46">
+                <a:latin typeface="Verdana" panose="020B0604030504040204" pitchFamily="34" charset="0"/>
+                <a:ea typeface="Verdana" panose="020B0604030504040204" pitchFamily="34" charset="0"/>
+                <a:cs typeface="Courier New" panose="02070309020205020404" pitchFamily="49" charset="0"/>
+              </a:rPr>
+              <a:t>isEmpty (Deque xs sy) = isEmpty xs ∧ isEmpty sy</a:t>
+            </a:r>
+          </a:p>
+          <a:p>
+            <a:r>
+              <a:rPr lang="en-GB" sz="500" kern="100" spc="-46">
+                <a:latin typeface="Verdana" panose="020B0604030504040204" pitchFamily="34" charset="0"/>
+                <a:ea typeface="Verdana" panose="020B0604030504040204" pitchFamily="34" charset="0"/>
+                <a:cs typeface="Courier New" panose="02070309020205020404" pitchFamily="49" charset="0"/>
+              </a:rPr>
+              <a:t>isSingle :: Deque a → Bool </a:t>
+            </a:r>
+          </a:p>
+          <a:p>
+            <a:r>
+              <a:rPr lang="en-GB" sz="500" kern="100" spc="-46">
+                <a:latin typeface="Verdana" panose="020B0604030504040204" pitchFamily="34" charset="0"/>
+                <a:ea typeface="Verdana" panose="020B0604030504040204" pitchFamily="34" charset="0"/>
+                <a:cs typeface="Courier New" panose="02070309020205020404" pitchFamily="49" charset="0"/>
+              </a:rPr>
+              <a:t>isSingle (Deque xs sy) = (isEmpty xs∧isSingle sy)∨(isSingle xs∧isEmpty sy)</a:t>
+            </a:r>
+          </a:p>
+          <a:p>
+            <a:r>
+              <a:rPr lang="en-GB" sz="500" kern="100" spc="-46">
+                <a:latin typeface="Verdana" panose="020B0604030504040204" pitchFamily="34" charset="0"/>
+                <a:ea typeface="Verdana" panose="020B0604030504040204" pitchFamily="34" charset="0"/>
+                <a:cs typeface="Courier New" panose="02070309020205020404" pitchFamily="49" charset="0"/>
+              </a:rPr>
+              <a:t>The important thing is tail:</a:t>
+            </a:r>
+          </a:p>
+          <a:p>
+            <a:r>
+              <a:rPr lang="en-GB" sz="500" kern="100" spc="-46">
+                <a:latin typeface="Verdana" panose="020B0604030504040204" pitchFamily="34" charset="0"/>
+                <a:ea typeface="Verdana" panose="020B0604030504040204" pitchFamily="34" charset="0"/>
+                <a:cs typeface="Courier New" panose="02070309020205020404" pitchFamily="49" charset="0"/>
+              </a:rPr>
+              <a:t>tail :: Deque a → Deque a </a:t>
+            </a:r>
+          </a:p>
+          <a:p>
+            <a:r>
+              <a:rPr lang="en-GB" sz="500" kern="100" spc="-46">
+                <a:latin typeface="Verdana" panose="020B0604030504040204" pitchFamily="34" charset="0"/>
+                <a:ea typeface="Verdana" panose="020B0604030504040204" pitchFamily="34" charset="0"/>
+                <a:cs typeface="Courier New" panose="02070309020205020404" pitchFamily="49" charset="0"/>
+              </a:rPr>
+              <a:t>tail (Deque [ ] [ ]) = error "tail: empty list" </a:t>
+            </a:r>
+          </a:p>
+          <a:p>
+            <a:r>
+              <a:rPr lang="en-GB" sz="500" kern="100" spc="-46">
+                <a:latin typeface="Verdana" panose="020B0604030504040204" pitchFamily="34" charset="0"/>
+                <a:ea typeface="Verdana" panose="020B0604030504040204" pitchFamily="34" charset="0"/>
+                <a:cs typeface="Courier New" panose="02070309020205020404" pitchFamily="49" charset="0"/>
+              </a:rPr>
+              <a:t>tail (Deque [ ] sy) = empty </a:t>
+            </a:r>
+          </a:p>
+          <a:p>
+            <a:r>
+              <a:rPr lang="en-GB" sz="500" kern="100" spc="-46">
+                <a:latin typeface="Verdana" panose="020B0604030504040204" pitchFamily="34" charset="0"/>
+                <a:ea typeface="Verdana" panose="020B0604030504040204" pitchFamily="34" charset="0"/>
+                <a:cs typeface="Courier New" panose="02070309020205020404" pitchFamily="49" charset="0"/>
+              </a:rPr>
+              <a:t>tail (Deque [x] sy) = fromList (reverse sy) </a:t>
+            </a:r>
+          </a:p>
+          <a:p>
+            <a:r>
+              <a:rPr lang="en-GB" sz="500" kern="100" spc="-46">
+                <a:latin typeface="Verdana" panose="020B0604030504040204" pitchFamily="34" charset="0"/>
+                <a:ea typeface="Verdana" panose="020B0604030504040204" pitchFamily="34" charset="0"/>
+                <a:cs typeface="Courier New" panose="02070309020205020404" pitchFamily="49" charset="0"/>
+              </a:rPr>
+              <a:t>tail (Deque (x : xs) sy) = Deque xs sy</a:t>
+            </a:r>
+          </a:p>
+          <a:p>
+            <a:r>
+              <a:rPr lang="en-GB" sz="500" kern="100" spc="-46">
+                <a:latin typeface="Verdana" panose="020B0604030504040204" pitchFamily="34" charset="0"/>
+                <a:ea typeface="Verdana" panose="020B0604030504040204" pitchFamily="34" charset="0"/>
+                <a:cs typeface="Courier New" panose="02070309020205020404" pitchFamily="49" charset="0"/>
+              </a:rPr>
+              <a:t>The deque [x] sy case is expensive – O(n) (uses fromList and reverse). Consider carrying out tail xs for a deque xs of length n. Based off this worst case we’d assume the cost of tail is O(n). However consider repeated calls of tail in a chain until the list is exhausted. We’d only ever encounter the 3</a:t>
+            </a:r>
+            <a:r>
+              <a:rPr lang="en-GB" sz="500" kern="100" spc="-46" baseline="30000">
+                <a:latin typeface="Verdana" panose="020B0604030504040204" pitchFamily="34" charset="0"/>
+                <a:ea typeface="Verdana" panose="020B0604030504040204" pitchFamily="34" charset="0"/>
+                <a:cs typeface="Courier New" panose="02070309020205020404" pitchFamily="49" charset="0"/>
+              </a:rPr>
+              <a:t>rd</a:t>
+            </a:r>
+            <a:r>
+              <a:rPr lang="en-GB" sz="500" kern="100" spc="-46">
+                <a:latin typeface="Verdana" panose="020B0604030504040204" pitchFamily="34" charset="0"/>
+                <a:ea typeface="Verdana" panose="020B0604030504040204" pitchFamily="34" charset="0"/>
+                <a:cs typeface="Courier New" panose="02070309020205020404" pitchFamily="49" charset="0"/>
+              </a:rPr>
+              <a:t> case ONCE – our cost being O(n</a:t>
+            </a:r>
+            <a:r>
+              <a:rPr lang="en-GB" sz="500" kern="100" spc="-46" baseline="30000">
+                <a:latin typeface="Verdana" panose="020B0604030504040204" pitchFamily="34" charset="0"/>
+                <a:ea typeface="Verdana" panose="020B0604030504040204" pitchFamily="34" charset="0"/>
+                <a:cs typeface="Courier New" panose="02070309020205020404" pitchFamily="49" charset="0"/>
+              </a:rPr>
+              <a:t>2</a:t>
+            </a:r>
+            <a:r>
+              <a:rPr lang="en-GB" sz="500" kern="100" spc="-46">
+                <a:latin typeface="Verdana" panose="020B0604030504040204" pitchFamily="34" charset="0"/>
+                <a:ea typeface="Verdana" panose="020B0604030504040204" pitchFamily="34" charset="0"/>
+                <a:cs typeface="Courier New" panose="02070309020205020404" pitchFamily="49" charset="0"/>
+              </a:rPr>
+              <a:t>) for having n calls of an algorithm of worst case cost O(n) is misleading. We should do </a:t>
+            </a:r>
+            <a:r>
+              <a:rPr lang="en-GB" sz="500" b="1" kern="100" spc="-46">
+                <a:latin typeface="Verdana" panose="020B0604030504040204" pitchFamily="34" charset="0"/>
+                <a:ea typeface="Verdana" panose="020B0604030504040204" pitchFamily="34" charset="0"/>
+                <a:cs typeface="Courier New" panose="02070309020205020404" pitchFamily="49" charset="0"/>
+              </a:rPr>
+              <a:t>Amortized Analysis:</a:t>
+            </a:r>
+            <a:r>
+              <a:rPr lang="en-GB" sz="500" kern="100" spc="-46">
                 <a:latin typeface="Verdana" panose="020B0604030504040204" pitchFamily="34" charset="0"/>
                 <a:ea typeface="Verdana" panose="020B0604030504040204" pitchFamily="34" charset="0"/>
                 <a:cs typeface="Courier New" panose="02070309020205020404" pitchFamily="49" charset="0"/>
               </a:rPr>
               <a:t> </a:t>
             </a:r>
-            <a:r>
-              <a:rPr lang="en-GB" sz="500" kern="100" spc="-46" dirty="0" err="1">
-                <a:latin typeface="Verdana" panose="020B0604030504040204" pitchFamily="34" charset="0"/>
-                <a:ea typeface="Verdana" panose="020B0604030504040204" pitchFamily="34" charset="0"/>
-                <a:cs typeface="Courier New" panose="02070309020205020404" pitchFamily="49" charset="0"/>
-              </a:rPr>
-              <a:t>xs</a:t>
-            </a:r>
-            <a:r>
-              <a:rPr lang="en-GB" sz="500" kern="100" spc="-46" dirty="0">
-                <a:latin typeface="Verdana" panose="020B0604030504040204" pitchFamily="34" charset="0"/>
-                <a:ea typeface="Verdana" panose="020B0604030504040204" pitchFamily="34" charset="0"/>
-                <a:cs typeface="Courier New" panose="02070309020205020404" pitchFamily="49" charset="0"/>
-              </a:rPr>
-              <a:t> [ ] = length </a:t>
-            </a:r>
-            <a:r>
-              <a:rPr lang="en-GB" sz="500" kern="100" spc="-46" dirty="0" err="1">
-                <a:latin typeface="Verdana" panose="020B0604030504040204" pitchFamily="34" charset="0"/>
-                <a:ea typeface="Verdana" panose="020B0604030504040204" pitchFamily="34" charset="0"/>
-                <a:cs typeface="Courier New" panose="02070309020205020404" pitchFamily="49" charset="0"/>
-              </a:rPr>
-              <a:t>xs</a:t>
-            </a:r>
-            <a:r>
-              <a:rPr lang="en-GB" sz="500" kern="100" spc="-46" dirty="0">
+          </a:p>
+          <a:p>
+            <a:r>
+              <a:rPr lang="en-GB" sz="500" b="1" u="sng" kern="100" spc="-46">
+                <a:latin typeface="Verdana" panose="020B0604030504040204" pitchFamily="34" charset="0"/>
+                <a:ea typeface="Verdana" panose="020B0604030504040204" pitchFamily="34" charset="0"/>
+                <a:cs typeface="Courier New" panose="02070309020205020404" pitchFamily="49" charset="0"/>
+              </a:rPr>
+              <a:t>8.2) Amortization</a:t>
+            </a:r>
+            <a:r>
+              <a:rPr lang="en-GB" sz="500" kern="100" spc="-46">
+                <a:latin typeface="Verdana" panose="020B0604030504040204" pitchFamily="34" charset="0"/>
+                <a:ea typeface="Verdana" panose="020B0604030504040204" pitchFamily="34" charset="0"/>
+                <a:cs typeface="Courier New" panose="02070309020205020404" pitchFamily="49" charset="0"/>
+              </a:rPr>
+              <a:t> – The general setting is a sequence of operations op</a:t>
+            </a:r>
+            <a:r>
+              <a:rPr lang="en-GB" sz="500" kern="100" spc="-46" baseline="-25000">
+                <a:latin typeface="Verdana" panose="020B0604030504040204" pitchFamily="34" charset="0"/>
+                <a:ea typeface="Verdana" panose="020B0604030504040204" pitchFamily="34" charset="0"/>
+                <a:cs typeface="Courier New" panose="02070309020205020404" pitchFamily="49" charset="0"/>
+              </a:rPr>
+              <a:t>0</a:t>
+            </a:r>
+            <a:r>
+              <a:rPr lang="en-GB" sz="500" kern="100" spc="-46">
+                <a:latin typeface="Verdana" panose="020B0604030504040204" pitchFamily="34" charset="0"/>
+                <a:ea typeface="Verdana" panose="020B0604030504040204" pitchFamily="34" charset="0"/>
+                <a:cs typeface="Courier New" panose="02070309020205020404" pitchFamily="49" charset="0"/>
+              </a:rPr>
+              <a:t> … op</a:t>
+            </a:r>
+            <a:r>
+              <a:rPr lang="en-GB" sz="500" kern="100" spc="-46" baseline="-25000">
+                <a:latin typeface="Verdana" panose="020B0604030504040204" pitchFamily="34" charset="0"/>
+                <a:ea typeface="Verdana" panose="020B0604030504040204" pitchFamily="34" charset="0"/>
+                <a:cs typeface="Courier New" panose="02070309020205020404" pitchFamily="49" charset="0"/>
+              </a:rPr>
+              <a:t>n</a:t>
+            </a:r>
+            <a:r>
+              <a:rPr lang="en-GB" sz="500" kern="100" spc="-46">
+                <a:latin typeface="Verdana" panose="020B0604030504040204" pitchFamily="34" charset="0"/>
+                <a:ea typeface="Verdana" panose="020B0604030504040204" pitchFamily="34" charset="0"/>
+                <a:cs typeface="Courier New" panose="02070309020205020404" pitchFamily="49" charset="0"/>
+              </a:rPr>
+              <a:t> acting on an initial datastructure xs</a:t>
+            </a:r>
+            <a:r>
+              <a:rPr lang="en-GB" sz="500" kern="100" spc="-46" baseline="-25000">
+                <a:latin typeface="Verdana" panose="020B0604030504040204" pitchFamily="34" charset="0"/>
+                <a:ea typeface="Verdana" panose="020B0604030504040204" pitchFamily="34" charset="0"/>
+                <a:cs typeface="Courier New" panose="02070309020205020404" pitchFamily="49" charset="0"/>
+              </a:rPr>
+              <a:t>0</a:t>
+            </a:r>
+            <a:r>
+              <a:rPr lang="en-GB" sz="500" kern="100" spc="-46">
+                <a:latin typeface="Verdana" panose="020B0604030504040204" pitchFamily="34" charset="0"/>
+                <a:ea typeface="Verdana" panose="020B0604030504040204" pitchFamily="34" charset="0"/>
+                <a:cs typeface="Courier New" panose="02070309020205020404" pitchFamily="49" charset="0"/>
+              </a:rPr>
+              <a:t>. </a:t>
+            </a:r>
+            <a:r>
+              <a:rPr lang="nl-NL" sz="500" kern="100" spc="-46">
+                <a:latin typeface="Verdana" panose="020B0604030504040204" pitchFamily="34" charset="0"/>
+                <a:ea typeface="Verdana" panose="020B0604030504040204" pitchFamily="34" charset="0"/>
+                <a:cs typeface="Courier New" panose="02070309020205020404" pitchFamily="49" charset="0"/>
+              </a:rPr>
+              <a:t>To perform amortized analysis we must:</a:t>
+            </a:r>
+          </a:p>
+          <a:p>
+            <a:r>
+              <a:rPr lang="nl-NL" sz="500" kern="100" spc="-46">
+                <a:latin typeface="Verdana" panose="020B0604030504040204" pitchFamily="34" charset="0"/>
+                <a:ea typeface="Verdana" panose="020B0604030504040204" pitchFamily="34" charset="0"/>
+                <a:cs typeface="Courier New" panose="02070309020205020404" pitchFamily="49" charset="0"/>
+              </a:rPr>
+              <a:t>1. Define a </a:t>
+            </a:r>
+            <a:r>
+              <a:rPr lang="nl-NL" sz="500" b="1" kern="100" spc="-46">
+                <a:latin typeface="Verdana" panose="020B0604030504040204" pitchFamily="34" charset="0"/>
+                <a:ea typeface="Verdana" panose="020B0604030504040204" pitchFamily="34" charset="0"/>
+                <a:cs typeface="Courier New" panose="02070309020205020404" pitchFamily="49" charset="0"/>
+              </a:rPr>
+              <a:t>cost function </a:t>
+            </a:r>
+            <a:r>
+              <a:rPr lang="nl-NL" sz="500" kern="100" spc="-46">
+                <a:latin typeface="Verdana" panose="020B0604030504040204" pitchFamily="34" charset="0"/>
+                <a:ea typeface="Verdana" panose="020B0604030504040204" pitchFamily="34" charset="0"/>
+                <a:cs typeface="Courier New" panose="02070309020205020404" pitchFamily="49" charset="0"/>
+              </a:rPr>
+              <a:t>C</a:t>
+            </a:r>
+            <a:r>
+              <a:rPr lang="nl-NL" sz="600" kern="100" spc="-46" baseline="-25000">
+                <a:latin typeface="Verdana" panose="020B0604030504040204" pitchFamily="34" charset="0"/>
+                <a:ea typeface="Verdana" panose="020B0604030504040204" pitchFamily="34" charset="0"/>
+                <a:cs typeface="Courier New" panose="02070309020205020404" pitchFamily="49" charset="0"/>
+              </a:rPr>
+              <a:t>opi </a:t>
+            </a:r>
+            <a:r>
+              <a:rPr lang="nl-NL" sz="500" kern="100" spc="-46">
+                <a:latin typeface="Verdana" panose="020B0604030504040204" pitchFamily="34" charset="0"/>
+                <a:ea typeface="Verdana" panose="020B0604030504040204" pitchFamily="34" charset="0"/>
+                <a:cs typeface="Courier New" panose="02070309020205020404" pitchFamily="49" charset="0"/>
+              </a:rPr>
+              <a:t>(xs</a:t>
+            </a:r>
+            <a:r>
+              <a:rPr lang="nl-NL" sz="500" kern="100" spc="-46" baseline="-25000">
+                <a:latin typeface="Verdana" panose="020B0604030504040204" pitchFamily="34" charset="0"/>
+                <a:ea typeface="Verdana" panose="020B0604030504040204" pitchFamily="34" charset="0"/>
+                <a:cs typeface="Courier New" panose="02070309020205020404" pitchFamily="49" charset="0"/>
+              </a:rPr>
+              <a:t>i</a:t>
+            </a:r>
+            <a:r>
+              <a:rPr lang="nl-NL" sz="500" kern="100" spc="-46">
+                <a:latin typeface="Verdana" panose="020B0604030504040204" pitchFamily="34" charset="0"/>
+                <a:ea typeface="Verdana" panose="020B0604030504040204" pitchFamily="34" charset="0"/>
+                <a:cs typeface="Courier New" panose="02070309020205020404" pitchFamily="49" charset="0"/>
+              </a:rPr>
+              <a:t>)</a:t>
+            </a:r>
+            <a:r>
+              <a:rPr lang="en-GB" sz="500" kern="100" spc="-46">
                 <a:latin typeface="Verdana" panose="020B0604030504040204" pitchFamily="34" charset="0"/>
                 <a:ea typeface="Verdana" panose="020B0604030504040204" pitchFamily="34" charset="0"/>
                 <a:cs typeface="Courier New" panose="02070309020205020404" pitchFamily="49" charset="0"/>
               </a:rPr>
               <a:t> </a:t>
             </a:r>
-          </a:p>
-          <a:p>
-            <a:r>
-              <a:rPr lang="en-GB" sz="500" kern="100" spc="-46" dirty="0" err="1">
-                <a:latin typeface="Verdana" panose="020B0604030504040204" pitchFamily="34" charset="0"/>
-                <a:ea typeface="Verdana" panose="020B0604030504040204" pitchFamily="34" charset="0"/>
-                <a:cs typeface="Courier New" panose="02070309020205020404" pitchFamily="49" charset="0"/>
-              </a:rPr>
-              <a:t>dist</a:t>
-            </a:r>
-            <a:r>
-              <a:rPr lang="en-GB" sz="500" kern="100" spc="-46" dirty="0">
-                <a:latin typeface="Verdana" panose="020B0604030504040204" pitchFamily="34" charset="0"/>
-                <a:ea typeface="Verdana" panose="020B0604030504040204" pitchFamily="34" charset="0"/>
-                <a:cs typeface="Courier New" panose="02070309020205020404" pitchFamily="49" charset="0"/>
-              </a:rPr>
-              <a:t> [ ] </a:t>
-            </a:r>
-            <a:r>
-              <a:rPr lang="en-GB" sz="500" kern="100" spc="-46" dirty="0" err="1">
-                <a:latin typeface="Verdana" panose="020B0604030504040204" pitchFamily="34" charset="0"/>
-                <a:ea typeface="Verdana" panose="020B0604030504040204" pitchFamily="34" charset="0"/>
-                <a:cs typeface="Courier New" panose="02070309020205020404" pitchFamily="49" charset="0"/>
-              </a:rPr>
-              <a:t>ys</a:t>
-            </a:r>
-            <a:r>
-              <a:rPr lang="en-GB" sz="500" kern="100" spc="-46" dirty="0">
-                <a:latin typeface="Verdana" panose="020B0604030504040204" pitchFamily="34" charset="0"/>
-                <a:ea typeface="Verdana" panose="020B0604030504040204" pitchFamily="34" charset="0"/>
-                <a:cs typeface="Courier New" panose="02070309020205020404" pitchFamily="49" charset="0"/>
-              </a:rPr>
-              <a:t> = length </a:t>
-            </a:r>
-            <a:r>
-              <a:rPr lang="en-GB" sz="500" kern="100" spc="-46" dirty="0" err="1">
-                <a:latin typeface="Verdana" panose="020B0604030504040204" pitchFamily="34" charset="0"/>
-                <a:ea typeface="Verdana" panose="020B0604030504040204" pitchFamily="34" charset="0"/>
-                <a:cs typeface="Courier New" panose="02070309020205020404" pitchFamily="49" charset="0"/>
-              </a:rPr>
-              <a:t>ys</a:t>
-            </a:r>
-            <a:r>
-              <a:rPr lang="en-GB" sz="500" kern="100" spc="-46" dirty="0">
-                <a:latin typeface="Verdana" panose="020B0604030504040204" pitchFamily="34" charset="0"/>
-                <a:ea typeface="Verdana" panose="020B0604030504040204" pitchFamily="34" charset="0"/>
-                <a:cs typeface="Courier New" panose="02070309020205020404" pitchFamily="49" charset="0"/>
-              </a:rPr>
-              <a:t> </a:t>
-            </a:r>
-          </a:p>
-          <a:p>
-            <a:r>
-              <a:rPr lang="en-GB" sz="500" kern="100" spc="-46" dirty="0" err="1">
-                <a:latin typeface="Verdana" panose="020B0604030504040204" pitchFamily="34" charset="0"/>
-                <a:ea typeface="Verdana" panose="020B0604030504040204" pitchFamily="34" charset="0"/>
-                <a:cs typeface="Courier New" panose="02070309020205020404" pitchFamily="49" charset="0"/>
-              </a:rPr>
-              <a:t>dist</a:t>
-            </a:r>
-            <a:r>
-              <a:rPr lang="en-GB" sz="500" kern="100" spc="-46" dirty="0">
-                <a:latin typeface="Verdana" panose="020B0604030504040204" pitchFamily="34" charset="0"/>
-                <a:ea typeface="Verdana" panose="020B0604030504040204" pitchFamily="34" charset="0"/>
-                <a:cs typeface="Courier New" panose="02070309020205020404" pitchFamily="49" charset="0"/>
-              </a:rPr>
-              <a:t> </a:t>
-            </a:r>
-            <a:r>
-              <a:rPr lang="en-GB" sz="500" kern="100" spc="-46" dirty="0" err="1">
-                <a:latin typeface="Verdana" panose="020B0604030504040204" pitchFamily="34" charset="0"/>
-                <a:ea typeface="Verdana" panose="020B0604030504040204" pitchFamily="34" charset="0"/>
-                <a:cs typeface="Courier New" panose="02070309020205020404" pitchFamily="49" charset="0"/>
-              </a:rPr>
-              <a:t>xxs</a:t>
-            </a:r>
-            <a:r>
-              <a:rPr lang="en-GB" sz="500" kern="100" spc="-46" dirty="0">
-                <a:latin typeface="Verdana" panose="020B0604030504040204" pitchFamily="34" charset="0"/>
-                <a:ea typeface="Verdana" panose="020B0604030504040204" pitchFamily="34" charset="0"/>
-                <a:cs typeface="Courier New" panose="02070309020205020404" pitchFamily="49" charset="0"/>
-              </a:rPr>
-              <a:t>@(x:xs) </a:t>
-            </a:r>
-            <a:r>
-              <a:rPr lang="en-GB" sz="500" kern="100" spc="-46" dirty="0" err="1">
-                <a:latin typeface="Verdana" panose="020B0604030504040204" pitchFamily="34" charset="0"/>
-                <a:ea typeface="Verdana" panose="020B0604030504040204" pitchFamily="34" charset="0"/>
-                <a:cs typeface="Courier New" panose="02070309020205020404" pitchFamily="49" charset="0"/>
-              </a:rPr>
-              <a:t>yys</a:t>
-            </a:r>
-            <a:r>
-              <a:rPr lang="en-GB" sz="500" kern="100" spc="-46" dirty="0">
-                <a:latin typeface="Verdana" panose="020B0604030504040204" pitchFamily="34" charset="0"/>
-                <a:ea typeface="Verdana" panose="020B0604030504040204" pitchFamily="34" charset="0"/>
-                <a:cs typeface="Courier New" panose="02070309020205020404" pitchFamily="49" charset="0"/>
-              </a:rPr>
-              <a:t>@(y:ys) = minimum [</a:t>
-            </a:r>
-            <a:r>
-              <a:rPr lang="en-GB" sz="500" kern="100" spc="-46" dirty="0" err="1">
-                <a:latin typeface="Verdana" panose="020B0604030504040204" pitchFamily="34" charset="0"/>
-                <a:ea typeface="Verdana" panose="020B0604030504040204" pitchFamily="34" charset="0"/>
-                <a:cs typeface="Courier New" panose="02070309020205020404" pitchFamily="49" charset="0"/>
-              </a:rPr>
-              <a:t>dist</a:t>
-            </a:r>
-            <a:r>
-              <a:rPr lang="en-GB" sz="500" kern="100" spc="-46" dirty="0">
-                <a:latin typeface="Verdana" panose="020B0604030504040204" pitchFamily="34" charset="0"/>
-                <a:ea typeface="Verdana" panose="020B0604030504040204" pitchFamily="34" charset="0"/>
-                <a:cs typeface="Courier New" panose="02070309020205020404" pitchFamily="49" charset="0"/>
-              </a:rPr>
-              <a:t> </a:t>
-            </a:r>
-            <a:r>
-              <a:rPr lang="en-GB" sz="500" kern="100" spc="-46" dirty="0" err="1">
-                <a:latin typeface="Verdana" panose="020B0604030504040204" pitchFamily="34" charset="0"/>
-                <a:ea typeface="Verdana" panose="020B0604030504040204" pitchFamily="34" charset="0"/>
-                <a:cs typeface="Courier New" panose="02070309020205020404" pitchFamily="49" charset="0"/>
-              </a:rPr>
-              <a:t>xxs</a:t>
-            </a:r>
-            <a:r>
-              <a:rPr lang="en-GB" sz="500" kern="100" spc="-46" dirty="0">
-                <a:latin typeface="Verdana" panose="020B0604030504040204" pitchFamily="34" charset="0"/>
-                <a:ea typeface="Verdana" panose="020B0604030504040204" pitchFamily="34" charset="0"/>
-                <a:cs typeface="Courier New" panose="02070309020205020404" pitchFamily="49" charset="0"/>
-              </a:rPr>
-              <a:t> </a:t>
-            </a:r>
-            <a:r>
-              <a:rPr lang="en-GB" sz="500" kern="100" spc="-46" dirty="0" err="1">
-                <a:latin typeface="Verdana" panose="020B0604030504040204" pitchFamily="34" charset="0"/>
-                <a:ea typeface="Verdana" panose="020B0604030504040204" pitchFamily="34" charset="0"/>
-                <a:cs typeface="Courier New" panose="02070309020205020404" pitchFamily="49" charset="0"/>
-              </a:rPr>
-              <a:t>ys</a:t>
-            </a:r>
-            <a:r>
-              <a:rPr lang="en-GB" sz="500" kern="100" spc="-46" dirty="0">
-                <a:latin typeface="Verdana" panose="020B0604030504040204" pitchFamily="34" charset="0"/>
-                <a:ea typeface="Verdana" panose="020B0604030504040204" pitchFamily="34" charset="0"/>
-                <a:cs typeface="Courier New" panose="02070309020205020404" pitchFamily="49" charset="0"/>
-              </a:rPr>
-              <a:t> + 1, </a:t>
-            </a:r>
-            <a:r>
-              <a:rPr lang="en-GB" sz="500" kern="100" spc="-46" dirty="0" err="1">
-                <a:latin typeface="Verdana" panose="020B0604030504040204" pitchFamily="34" charset="0"/>
-                <a:ea typeface="Verdana" panose="020B0604030504040204" pitchFamily="34" charset="0"/>
-                <a:cs typeface="Courier New" panose="02070309020205020404" pitchFamily="49" charset="0"/>
-              </a:rPr>
-              <a:t>dist</a:t>
-            </a:r>
-            <a:r>
-              <a:rPr lang="en-GB" sz="500" kern="100" spc="-46" dirty="0">
-                <a:latin typeface="Verdana" panose="020B0604030504040204" pitchFamily="34" charset="0"/>
-                <a:ea typeface="Verdana" panose="020B0604030504040204" pitchFamily="34" charset="0"/>
-                <a:cs typeface="Courier New" panose="02070309020205020404" pitchFamily="49" charset="0"/>
-              </a:rPr>
-              <a:t> </a:t>
-            </a:r>
-            <a:r>
-              <a:rPr lang="en-GB" sz="500" kern="100" spc="-46" dirty="0" err="1">
-                <a:latin typeface="Verdana" panose="020B0604030504040204" pitchFamily="34" charset="0"/>
-                <a:ea typeface="Verdana" panose="020B0604030504040204" pitchFamily="34" charset="0"/>
-                <a:cs typeface="Courier New" panose="02070309020205020404" pitchFamily="49" charset="0"/>
-              </a:rPr>
-              <a:t>xs</a:t>
-            </a:r>
-            <a:r>
-              <a:rPr lang="en-GB" sz="500" kern="100" spc="-46" dirty="0">
-                <a:latin typeface="Verdana" panose="020B0604030504040204" pitchFamily="34" charset="0"/>
-                <a:ea typeface="Verdana" panose="020B0604030504040204" pitchFamily="34" charset="0"/>
-                <a:cs typeface="Courier New" panose="02070309020205020404" pitchFamily="49" charset="0"/>
-              </a:rPr>
-              <a:t> </a:t>
-            </a:r>
-            <a:r>
-              <a:rPr lang="en-GB" sz="500" kern="100" spc="-46" dirty="0" err="1">
-                <a:latin typeface="Verdana" panose="020B0604030504040204" pitchFamily="34" charset="0"/>
-                <a:ea typeface="Verdana" panose="020B0604030504040204" pitchFamily="34" charset="0"/>
-                <a:cs typeface="Courier New" panose="02070309020205020404" pitchFamily="49" charset="0"/>
-              </a:rPr>
-              <a:t>yys</a:t>
-            </a:r>
-            <a:r>
-              <a:rPr lang="en-GB" sz="500" kern="100" spc="-46" dirty="0">
-                <a:latin typeface="Verdana" panose="020B0604030504040204" pitchFamily="34" charset="0"/>
-                <a:ea typeface="Verdana" panose="020B0604030504040204" pitchFamily="34" charset="0"/>
-                <a:cs typeface="Courier New" panose="02070309020205020404" pitchFamily="49" charset="0"/>
-              </a:rPr>
-              <a:t> + 1, </a:t>
-            </a:r>
-          </a:p>
-          <a:p>
-            <a:r>
-              <a:rPr lang="en-GB" sz="500" kern="100" spc="-46" dirty="0">
-                <a:latin typeface="Verdana" panose="020B0604030504040204" pitchFamily="34" charset="0"/>
-                <a:ea typeface="Verdana" panose="020B0604030504040204" pitchFamily="34" charset="0"/>
-                <a:cs typeface="Courier New" panose="02070309020205020404" pitchFamily="49" charset="0"/>
-              </a:rPr>
-              <a:t>                                      </a:t>
-            </a:r>
-            <a:r>
-              <a:rPr lang="en-GB" sz="500" kern="100" spc="-46" dirty="0" err="1">
-                <a:latin typeface="Verdana" panose="020B0604030504040204" pitchFamily="34" charset="0"/>
-                <a:ea typeface="Verdana" panose="020B0604030504040204" pitchFamily="34" charset="0"/>
-                <a:cs typeface="Courier New" panose="02070309020205020404" pitchFamily="49" charset="0"/>
-              </a:rPr>
-              <a:t>dist</a:t>
-            </a:r>
-            <a:r>
-              <a:rPr lang="en-GB" sz="500" kern="100" spc="-46" dirty="0">
-                <a:latin typeface="Verdana" panose="020B0604030504040204" pitchFamily="34" charset="0"/>
-                <a:ea typeface="Verdana" panose="020B0604030504040204" pitchFamily="34" charset="0"/>
-                <a:cs typeface="Courier New" panose="02070309020205020404" pitchFamily="49" charset="0"/>
-              </a:rPr>
-              <a:t> </a:t>
-            </a:r>
-            <a:r>
-              <a:rPr lang="en-GB" sz="500" kern="100" spc="-46" dirty="0" err="1">
-                <a:latin typeface="Verdana" panose="020B0604030504040204" pitchFamily="34" charset="0"/>
-                <a:ea typeface="Verdana" panose="020B0604030504040204" pitchFamily="34" charset="0"/>
-                <a:cs typeface="Courier New" panose="02070309020205020404" pitchFamily="49" charset="0"/>
-              </a:rPr>
-              <a:t>xs</a:t>
-            </a:r>
-            <a:r>
-              <a:rPr lang="en-GB" sz="500" kern="100" spc="-46" dirty="0">
-                <a:latin typeface="Verdana" panose="020B0604030504040204" pitchFamily="34" charset="0"/>
-                <a:ea typeface="Verdana" panose="020B0604030504040204" pitchFamily="34" charset="0"/>
-                <a:cs typeface="Courier New" panose="02070309020205020404" pitchFamily="49" charset="0"/>
-              </a:rPr>
-              <a:t> </a:t>
-            </a:r>
-            <a:r>
-              <a:rPr lang="en-GB" sz="500" kern="100" spc="-46" dirty="0" err="1">
-                <a:latin typeface="Verdana" panose="020B0604030504040204" pitchFamily="34" charset="0"/>
-                <a:ea typeface="Verdana" panose="020B0604030504040204" pitchFamily="34" charset="0"/>
-                <a:cs typeface="Courier New" panose="02070309020205020404" pitchFamily="49" charset="0"/>
-              </a:rPr>
-              <a:t>ys</a:t>
-            </a:r>
-            <a:r>
-              <a:rPr lang="en-GB" sz="500" kern="100" spc="-46" dirty="0">
-                <a:latin typeface="Verdana" panose="020B0604030504040204" pitchFamily="34" charset="0"/>
-                <a:ea typeface="Verdana" panose="020B0604030504040204" pitchFamily="34" charset="0"/>
-                <a:cs typeface="Courier New" panose="02070309020205020404" pitchFamily="49" charset="0"/>
-              </a:rPr>
-              <a:t> + if x ≡ y then 0 else 1]</a:t>
-            </a:r>
-          </a:p>
-          <a:p>
-            <a:r>
-              <a:rPr lang="en-GB" sz="500" kern="100" spc="-46" dirty="0">
-                <a:latin typeface="Verdana" panose="020B0604030504040204" pitchFamily="34" charset="0"/>
-                <a:ea typeface="Verdana" panose="020B0604030504040204" pitchFamily="34" charset="0"/>
-                <a:cs typeface="Courier New" panose="02070309020205020404" pitchFamily="49" charset="0"/>
-              </a:rPr>
-              <a:t>Minimum lets us consider the cheapest cost of three choices at each node. This is very inefficient - O(3</a:t>
-            </a:r>
-            <a:r>
-              <a:rPr lang="en-GB" sz="500" kern="100" spc="-46" baseline="30000" dirty="0">
-                <a:latin typeface="Verdana" panose="020B0604030504040204" pitchFamily="34" charset="0"/>
-                <a:ea typeface="Verdana" panose="020B0604030504040204" pitchFamily="34" charset="0"/>
-                <a:cs typeface="Courier New" panose="02070309020205020404" pitchFamily="49" charset="0"/>
-              </a:rPr>
-              <a:t>|m+n|</a:t>
-            </a:r>
-            <a:r>
-              <a:rPr lang="en-GB" sz="500" kern="100" spc="-46" dirty="0">
-                <a:latin typeface="Verdana" panose="020B0604030504040204" pitchFamily="34" charset="0"/>
-                <a:ea typeface="Verdana" panose="020B0604030504040204" pitchFamily="34" charset="0"/>
-                <a:cs typeface="Courier New" panose="02070309020205020404" pitchFamily="49" charset="0"/>
-              </a:rPr>
-              <a:t>). We can fix this with DP, but we need to make our problem amenable to DP as strings can’t be used to index into an array. We do this by measuring our progress across </a:t>
-            </a:r>
-            <a:r>
-              <a:rPr lang="en-GB" sz="500" kern="100" spc="-46" dirty="0" err="1">
-                <a:latin typeface="Verdana" panose="020B0604030504040204" pitchFamily="34" charset="0"/>
-                <a:ea typeface="Verdana" panose="020B0604030504040204" pitchFamily="34" charset="0"/>
-                <a:cs typeface="Courier New" panose="02070309020205020404" pitchFamily="49" charset="0"/>
-              </a:rPr>
-              <a:t>xs</a:t>
-            </a:r>
-            <a:r>
-              <a:rPr lang="en-GB" sz="500" kern="100" spc="-46" dirty="0">
-                <a:latin typeface="Verdana" panose="020B0604030504040204" pitchFamily="34" charset="0"/>
-                <a:ea typeface="Verdana" panose="020B0604030504040204" pitchFamily="34" charset="0"/>
-                <a:cs typeface="Courier New" panose="02070309020205020404" pitchFamily="49" charset="0"/>
-              </a:rPr>
-              <a:t> and </a:t>
-            </a:r>
-            <a:r>
-              <a:rPr lang="en-GB" sz="500" kern="100" spc="-46" dirty="0" err="1">
-                <a:latin typeface="Verdana" panose="020B0604030504040204" pitchFamily="34" charset="0"/>
-                <a:ea typeface="Verdana" panose="020B0604030504040204" pitchFamily="34" charset="0"/>
-                <a:cs typeface="Courier New" panose="02070309020205020404" pitchFamily="49" charset="0"/>
-              </a:rPr>
-              <a:t>ys</a:t>
-            </a:r>
-            <a:r>
-              <a:rPr lang="en-GB" sz="500" kern="100" spc="-46" dirty="0">
-                <a:latin typeface="Verdana" panose="020B0604030504040204" pitchFamily="34" charset="0"/>
-                <a:ea typeface="Verdana" panose="020B0604030504040204" pitchFamily="34" charset="0"/>
-                <a:cs typeface="Courier New" panose="02070309020205020404" pitchFamily="49" charset="0"/>
-              </a:rPr>
-              <a:t> with indices </a:t>
-            </a:r>
-            <a:r>
-              <a:rPr lang="en-GB" sz="500" kern="100" spc="-46" dirty="0" err="1">
+            <a:r>
+              <a:rPr lang="en-GB" sz="500" b="1" kern="100" spc="-46">
+                <a:latin typeface="Verdana" panose="020B0604030504040204" pitchFamily="34" charset="0"/>
+                <a:ea typeface="Verdana" panose="020B0604030504040204" pitchFamily="34" charset="0"/>
+                <a:cs typeface="Courier New" panose="02070309020205020404" pitchFamily="49" charset="0"/>
+              </a:rPr>
+              <a:t>for each operation op</a:t>
+            </a:r>
+            <a:r>
+              <a:rPr lang="en-GB" sz="500" b="1" kern="100" spc="-46" baseline="-25000">
                 <a:latin typeface="Verdana" panose="020B0604030504040204" pitchFamily="34" charset="0"/>
                 <a:ea typeface="Verdana" panose="020B0604030504040204" pitchFamily="34" charset="0"/>
                 <a:cs typeface="Courier New" panose="02070309020205020404" pitchFamily="49" charset="0"/>
@@ -10445,83 +10935,15 @@
               <a:t>i</a:t>
             </a:r>
             <a:r>
-              <a:rPr lang="en-GB" sz="500" kern="100" spc="-46" dirty="0">
-                <a:latin typeface="Verdana" panose="020B0604030504040204" pitchFamily="34" charset="0"/>
-                <a:ea typeface="Verdana" panose="020B0604030504040204" pitchFamily="34" charset="0"/>
-                <a:cs typeface="Courier New" panose="02070309020205020404" pitchFamily="49" charset="0"/>
-              </a:rPr>
-              <a:t> and j rather than cutting the head of the string away:</a:t>
-            </a:r>
-          </a:p>
-          <a:p>
-            <a:r>
-              <a:rPr lang="en-GB" sz="500" kern="100" spc="-46" dirty="0" err="1">
-                <a:latin typeface="Verdana" panose="020B0604030504040204" pitchFamily="34" charset="0"/>
-                <a:ea typeface="Verdana" panose="020B0604030504040204" pitchFamily="34" charset="0"/>
-                <a:cs typeface="Courier New" panose="02070309020205020404" pitchFamily="49" charset="0"/>
-              </a:rPr>
-              <a:t>dist</a:t>
-            </a:r>
-            <a:r>
-              <a:rPr lang="en-GB" sz="500" kern="100" spc="-46" dirty="0">
-                <a:latin typeface="Verdana" panose="020B0604030504040204" pitchFamily="34" charset="0"/>
-                <a:ea typeface="Verdana" panose="020B0604030504040204" pitchFamily="34" charset="0"/>
-                <a:cs typeface="Courier New" panose="02070309020205020404" pitchFamily="49" charset="0"/>
-              </a:rPr>
-              <a:t>′ :: String → String → Int → Int → Int </a:t>
-            </a:r>
-          </a:p>
-          <a:p>
-            <a:r>
-              <a:rPr lang="en-GB" sz="500" kern="100" spc="-46" dirty="0" err="1">
-                <a:latin typeface="Verdana" panose="020B0604030504040204" pitchFamily="34" charset="0"/>
-                <a:ea typeface="Verdana" panose="020B0604030504040204" pitchFamily="34" charset="0"/>
-                <a:cs typeface="Courier New" panose="02070309020205020404" pitchFamily="49" charset="0"/>
-              </a:rPr>
-              <a:t>dist</a:t>
-            </a:r>
-            <a:r>
-              <a:rPr lang="en-GB" sz="500" kern="100" spc="-46" dirty="0">
-                <a:latin typeface="Verdana" panose="020B0604030504040204" pitchFamily="34" charset="0"/>
-                <a:ea typeface="Verdana" panose="020B0604030504040204" pitchFamily="34" charset="0"/>
-                <a:cs typeface="Courier New" panose="02070309020205020404" pitchFamily="49" charset="0"/>
-              </a:rPr>
-              <a:t>′ </a:t>
-            </a:r>
-            <a:r>
-              <a:rPr lang="en-GB" sz="500" kern="100" spc="-46" dirty="0" err="1">
-                <a:latin typeface="Verdana" panose="020B0604030504040204" pitchFamily="34" charset="0"/>
-                <a:ea typeface="Verdana" panose="020B0604030504040204" pitchFamily="34" charset="0"/>
-                <a:cs typeface="Courier New" panose="02070309020205020404" pitchFamily="49" charset="0"/>
-              </a:rPr>
-              <a:t>xs</a:t>
-            </a:r>
-            <a:r>
-              <a:rPr lang="en-GB" sz="500" kern="100" spc="-46" dirty="0">
-                <a:latin typeface="Verdana" panose="020B0604030504040204" pitchFamily="34" charset="0"/>
-                <a:ea typeface="Verdana" panose="020B0604030504040204" pitchFamily="34" charset="0"/>
-                <a:cs typeface="Courier New" panose="02070309020205020404" pitchFamily="49" charset="0"/>
-              </a:rPr>
-              <a:t> </a:t>
-            </a:r>
-            <a:r>
-              <a:rPr lang="en-GB" sz="500" kern="100" spc="-46" dirty="0" err="1">
-                <a:latin typeface="Verdana" panose="020B0604030504040204" pitchFamily="34" charset="0"/>
-                <a:ea typeface="Verdana" panose="020B0604030504040204" pitchFamily="34" charset="0"/>
-                <a:cs typeface="Courier New" panose="02070309020205020404" pitchFamily="49" charset="0"/>
-              </a:rPr>
-              <a:t>ys</a:t>
-            </a:r>
-            <a:r>
-              <a:rPr lang="en-GB" sz="500" kern="100" spc="-46" dirty="0">
-                <a:latin typeface="Verdana" panose="020B0604030504040204" pitchFamily="34" charset="0"/>
-                <a:ea typeface="Verdana" panose="020B0604030504040204" pitchFamily="34" charset="0"/>
-                <a:cs typeface="Courier New" panose="02070309020205020404" pitchFamily="49" charset="0"/>
-              </a:rPr>
-              <a:t> </a:t>
-            </a:r>
-            <a:r>
-              <a:rPr lang="en-GB" sz="500" kern="100" spc="-46" dirty="0" err="1">
+              <a:rPr lang="en-GB" sz="500" b="1" kern="100" spc="-46">
+                <a:latin typeface="Verdana" panose="020B0604030504040204" pitchFamily="34" charset="0"/>
+                <a:ea typeface="Verdana" panose="020B0604030504040204" pitchFamily="34" charset="0"/>
+                <a:cs typeface="Courier New" panose="02070309020205020404" pitchFamily="49" charset="0"/>
+              </a:rPr>
+              <a:t> on data xs</a:t>
+            </a:r>
+            <a:r>
+              <a:rPr lang="en-GB" sz="500" b="1" kern="100" spc="-46" baseline="-25000">
                 <a:latin typeface="Verdana" panose="020B0604030504040204" pitchFamily="34" charset="0"/>
                 <a:ea typeface="Verdana" panose="020B0604030504040204" pitchFamily="34" charset="0"/>
                 <a:cs typeface="Courier New" panose="02070309020205020404" pitchFamily="49" charset="0"/>
@@ -10529,15 +10951,57 @@
               <a:t>i</a:t>
             </a:r>
             <a:r>
-              <a:rPr lang="en-GB" sz="500" kern="100" spc="-46" dirty="0">
-                <a:latin typeface="Verdana" panose="020B0604030504040204" pitchFamily="34" charset="0"/>
-                <a:ea typeface="Verdana" panose="020B0604030504040204" pitchFamily="34" charset="0"/>
-                <a:cs typeface="Courier New" panose="02070309020205020404" pitchFamily="49" charset="0"/>
-              </a:rPr>
-              <a:t> 0 = </a:t>
-            </a:r>
-            <a:r>
-              <a:rPr lang="en-GB" sz="500" kern="100" spc="-46" dirty="0" err="1">
+              <a:rPr lang="en-GB" sz="500" kern="100" spc="-46">
+                <a:latin typeface="Verdana" panose="020B0604030504040204" pitchFamily="34" charset="0"/>
+                <a:ea typeface="Verdana" panose="020B0604030504040204" pitchFamily="34" charset="0"/>
+                <a:cs typeface="Courier New" panose="02070309020205020404" pitchFamily="49" charset="0"/>
+              </a:rPr>
+              <a:t>.</a:t>
+            </a:r>
+          </a:p>
+          <a:p>
+            <a:r>
+              <a:rPr lang="en-GB" sz="500" kern="100" spc="-46">
+                <a:latin typeface="Verdana" panose="020B0604030504040204" pitchFamily="34" charset="0"/>
+                <a:ea typeface="Verdana" panose="020B0604030504040204" pitchFamily="34" charset="0"/>
+                <a:cs typeface="Courier New" panose="02070309020205020404" pitchFamily="49" charset="0"/>
+              </a:rPr>
+              <a:t>2. Define an </a:t>
+            </a:r>
+            <a:r>
+              <a:rPr lang="en-GB" sz="500" b="1" kern="100" spc="-46">
+                <a:latin typeface="Verdana" panose="020B0604030504040204" pitchFamily="34" charset="0"/>
+                <a:ea typeface="Verdana" panose="020B0604030504040204" pitchFamily="34" charset="0"/>
+                <a:cs typeface="Courier New" panose="02070309020205020404" pitchFamily="49" charset="0"/>
+              </a:rPr>
+              <a:t>amortized cost function </a:t>
+            </a:r>
+            <a:r>
+              <a:rPr lang="en-GB" sz="500" kern="100" spc="-46">
+                <a:latin typeface="Verdana" panose="020B0604030504040204" pitchFamily="34" charset="0"/>
+                <a:ea typeface="Verdana" panose="020B0604030504040204" pitchFamily="34" charset="0"/>
+                <a:cs typeface="Courier New" panose="02070309020205020404" pitchFamily="49" charset="0"/>
+              </a:rPr>
+              <a:t>A</a:t>
+            </a:r>
+            <a:r>
+              <a:rPr lang="en-GB" sz="500" kern="100" spc="-46" baseline="-25000">
+                <a:latin typeface="Verdana" panose="020B0604030504040204" pitchFamily="34" charset="0"/>
+                <a:ea typeface="Verdana" panose="020B0604030504040204" pitchFamily="34" charset="0"/>
+                <a:cs typeface="Courier New" panose="02070309020205020404" pitchFamily="49" charset="0"/>
+              </a:rPr>
+              <a:t>opi</a:t>
+            </a:r>
+            <a:r>
+              <a:rPr lang="en-GB" sz="500" kern="100" spc="-46">
+                <a:latin typeface="Verdana" panose="020B0604030504040204" pitchFamily="34" charset="0"/>
+                <a:ea typeface="Verdana" panose="020B0604030504040204" pitchFamily="34" charset="0"/>
+                <a:cs typeface="Courier New" panose="02070309020205020404" pitchFamily="49" charset="0"/>
+              </a:rPr>
+              <a:t>(xs</a:t>
+            </a:r>
+            <a:r>
+              <a:rPr lang="en-GB" sz="500" kern="100" spc="-46" baseline="-25000">
                 <a:latin typeface="Verdana" panose="020B0604030504040204" pitchFamily="34" charset="0"/>
                 <a:ea typeface="Verdana" panose="020B0604030504040204" pitchFamily="34" charset="0"/>
                 <a:cs typeface="Courier New" panose="02070309020205020404" pitchFamily="49" charset="0"/>
@@ -10545,115 +11009,23 @@
               <a:t>i</a:t>
             </a:r>
             <a:r>
-              <a:rPr lang="en-GB" sz="500" kern="100" spc="-46" dirty="0">
-                <a:latin typeface="Verdana" panose="020B0604030504040204" pitchFamily="34" charset="0"/>
-                <a:ea typeface="Verdana" panose="020B0604030504040204" pitchFamily="34" charset="0"/>
-                <a:cs typeface="Courier New" panose="02070309020205020404" pitchFamily="49" charset="0"/>
-              </a:rPr>
-              <a:t> </a:t>
-            </a:r>
-          </a:p>
-          <a:p>
-            <a:r>
-              <a:rPr lang="en-GB" sz="500" kern="100" spc="-46" dirty="0" err="1">
-                <a:latin typeface="Verdana" panose="020B0604030504040204" pitchFamily="34" charset="0"/>
-                <a:ea typeface="Verdana" panose="020B0604030504040204" pitchFamily="34" charset="0"/>
-                <a:cs typeface="Courier New" panose="02070309020205020404" pitchFamily="49" charset="0"/>
-              </a:rPr>
-              <a:t>dist</a:t>
-            </a:r>
-            <a:r>
-              <a:rPr lang="en-GB" sz="500" kern="100" spc="-46" dirty="0">
-                <a:latin typeface="Verdana" panose="020B0604030504040204" pitchFamily="34" charset="0"/>
-                <a:ea typeface="Verdana" panose="020B0604030504040204" pitchFamily="34" charset="0"/>
-                <a:cs typeface="Courier New" panose="02070309020205020404" pitchFamily="49" charset="0"/>
-              </a:rPr>
-              <a:t>′ </a:t>
-            </a:r>
-            <a:r>
-              <a:rPr lang="en-GB" sz="500" kern="100" spc="-46" dirty="0" err="1">
-                <a:latin typeface="Verdana" panose="020B0604030504040204" pitchFamily="34" charset="0"/>
-                <a:ea typeface="Verdana" panose="020B0604030504040204" pitchFamily="34" charset="0"/>
-                <a:cs typeface="Courier New" panose="02070309020205020404" pitchFamily="49" charset="0"/>
-              </a:rPr>
-              <a:t>xs</a:t>
-            </a:r>
-            <a:r>
-              <a:rPr lang="en-GB" sz="500" kern="100" spc="-46" dirty="0">
-                <a:latin typeface="Verdana" panose="020B0604030504040204" pitchFamily="34" charset="0"/>
-                <a:ea typeface="Verdana" panose="020B0604030504040204" pitchFamily="34" charset="0"/>
-                <a:cs typeface="Courier New" panose="02070309020205020404" pitchFamily="49" charset="0"/>
-              </a:rPr>
-              <a:t> </a:t>
-            </a:r>
-            <a:r>
-              <a:rPr lang="en-GB" sz="500" kern="100" spc="-46" dirty="0" err="1">
-                <a:latin typeface="Verdana" panose="020B0604030504040204" pitchFamily="34" charset="0"/>
-                <a:ea typeface="Verdana" panose="020B0604030504040204" pitchFamily="34" charset="0"/>
-                <a:cs typeface="Courier New" panose="02070309020205020404" pitchFamily="49" charset="0"/>
-              </a:rPr>
-              <a:t>ys</a:t>
-            </a:r>
-            <a:r>
-              <a:rPr lang="en-GB" sz="500" kern="100" spc="-46" dirty="0">
-                <a:latin typeface="Verdana" panose="020B0604030504040204" pitchFamily="34" charset="0"/>
-                <a:ea typeface="Verdana" panose="020B0604030504040204" pitchFamily="34" charset="0"/>
-                <a:cs typeface="Courier New" panose="02070309020205020404" pitchFamily="49" charset="0"/>
-              </a:rPr>
-              <a:t> 0 j = j </a:t>
-            </a:r>
-          </a:p>
-          <a:p>
-            <a:r>
-              <a:rPr lang="en-GB" sz="500" kern="100" spc="-46" dirty="0" err="1">
-                <a:latin typeface="Verdana" panose="020B0604030504040204" pitchFamily="34" charset="0"/>
-                <a:ea typeface="Verdana" panose="020B0604030504040204" pitchFamily="34" charset="0"/>
-                <a:cs typeface="Courier New" panose="02070309020205020404" pitchFamily="49" charset="0"/>
-              </a:rPr>
-              <a:t>dist</a:t>
-            </a:r>
-            <a:r>
-              <a:rPr lang="en-GB" sz="500" kern="100" spc="-46" dirty="0">
-                <a:latin typeface="Verdana" panose="020B0604030504040204" pitchFamily="34" charset="0"/>
-                <a:ea typeface="Verdana" panose="020B0604030504040204" pitchFamily="34" charset="0"/>
-                <a:cs typeface="Courier New" panose="02070309020205020404" pitchFamily="49" charset="0"/>
-              </a:rPr>
-              <a:t>′ </a:t>
-            </a:r>
-            <a:r>
-              <a:rPr lang="en-GB" sz="500" kern="100" spc="-46" dirty="0" err="1">
-                <a:latin typeface="Verdana" panose="020B0604030504040204" pitchFamily="34" charset="0"/>
-                <a:ea typeface="Verdana" panose="020B0604030504040204" pitchFamily="34" charset="0"/>
-                <a:cs typeface="Courier New" panose="02070309020205020404" pitchFamily="49" charset="0"/>
-              </a:rPr>
-              <a:t>xs</a:t>
-            </a:r>
-            <a:r>
-              <a:rPr lang="en-GB" sz="500" kern="100" spc="-46" dirty="0">
-                <a:latin typeface="Verdana" panose="020B0604030504040204" pitchFamily="34" charset="0"/>
-                <a:ea typeface="Verdana" panose="020B0604030504040204" pitchFamily="34" charset="0"/>
-                <a:cs typeface="Courier New" panose="02070309020205020404" pitchFamily="49" charset="0"/>
-              </a:rPr>
-              <a:t> </a:t>
-            </a:r>
-            <a:r>
-              <a:rPr lang="en-GB" sz="500" kern="100" spc="-46" dirty="0" err="1">
-                <a:latin typeface="Verdana" panose="020B0604030504040204" pitchFamily="34" charset="0"/>
-                <a:ea typeface="Verdana" panose="020B0604030504040204" pitchFamily="34" charset="0"/>
-                <a:cs typeface="Courier New" panose="02070309020205020404" pitchFamily="49" charset="0"/>
-              </a:rPr>
-              <a:t>ys</a:t>
-            </a:r>
-            <a:r>
-              <a:rPr lang="en-GB" sz="500" kern="100" spc="-46" dirty="0">
-                <a:latin typeface="Verdana" panose="020B0604030504040204" pitchFamily="34" charset="0"/>
-                <a:ea typeface="Verdana" panose="020B0604030504040204" pitchFamily="34" charset="0"/>
-                <a:cs typeface="Courier New" panose="02070309020205020404" pitchFamily="49" charset="0"/>
-              </a:rPr>
-              <a:t> </a:t>
-            </a:r>
-            <a:r>
-              <a:rPr lang="en-GB" sz="500" kern="100" spc="-46" dirty="0" err="1">
+              <a:rPr lang="en-GB" sz="500" kern="100" spc="-46">
+                <a:latin typeface="Verdana" panose="020B0604030504040204" pitchFamily="34" charset="0"/>
+                <a:ea typeface="Verdana" panose="020B0604030504040204" pitchFamily="34" charset="0"/>
+                <a:cs typeface="Courier New" panose="02070309020205020404" pitchFamily="49" charset="0"/>
+              </a:rPr>
+              <a:t>) </a:t>
+            </a:r>
+            <a:r>
+              <a:rPr lang="en-GB" sz="500" b="1" kern="100" spc="-46">
+                <a:latin typeface="Verdana" panose="020B0604030504040204" pitchFamily="34" charset="0"/>
+                <a:ea typeface="Verdana" panose="020B0604030504040204" pitchFamily="34" charset="0"/>
+                <a:cs typeface="Courier New" panose="02070309020205020404" pitchFamily="49" charset="0"/>
+              </a:rPr>
+              <a:t>for each operation op</a:t>
+            </a:r>
+            <a:r>
+              <a:rPr lang="en-GB" sz="500" b="1" kern="100" spc="-46" baseline="-25000">
                 <a:latin typeface="Verdana" panose="020B0604030504040204" pitchFamily="34" charset="0"/>
                 <a:ea typeface="Verdana" panose="020B0604030504040204" pitchFamily="34" charset="0"/>
                 <a:cs typeface="Courier New" panose="02070309020205020404" pitchFamily="49" charset="0"/>
@@ -10661,279 +11033,51 @@
               <a:t>i</a:t>
             </a:r>
             <a:r>
-              <a:rPr lang="en-GB" sz="500" kern="100" spc="-46" dirty="0">
-                <a:latin typeface="Verdana" panose="020B0604030504040204" pitchFamily="34" charset="0"/>
-                <a:ea typeface="Verdana" panose="020B0604030504040204" pitchFamily="34" charset="0"/>
-                <a:cs typeface="Courier New" panose="02070309020205020404" pitchFamily="49" charset="0"/>
-              </a:rPr>
-              <a:t> j = minimum [</a:t>
-            </a:r>
-            <a:r>
-              <a:rPr lang="en-GB" sz="500" kern="100" spc="-46" dirty="0" err="1">
-                <a:latin typeface="Verdana" panose="020B0604030504040204" pitchFamily="34" charset="0"/>
-                <a:ea typeface="Verdana" panose="020B0604030504040204" pitchFamily="34" charset="0"/>
-                <a:cs typeface="Courier New" panose="02070309020205020404" pitchFamily="49" charset="0"/>
-              </a:rPr>
-              <a:t>dist</a:t>
-            </a:r>
-            <a:r>
-              <a:rPr lang="en-GB" sz="500" kern="100" spc="-46" dirty="0">
-                <a:latin typeface="Verdana" panose="020B0604030504040204" pitchFamily="34" charset="0"/>
-                <a:ea typeface="Verdana" panose="020B0604030504040204" pitchFamily="34" charset="0"/>
-                <a:cs typeface="Courier New" panose="02070309020205020404" pitchFamily="49" charset="0"/>
-              </a:rPr>
-              <a:t>′ </a:t>
-            </a:r>
-            <a:r>
-              <a:rPr lang="en-GB" sz="500" kern="100" spc="-46" dirty="0" err="1">
-                <a:latin typeface="Verdana" panose="020B0604030504040204" pitchFamily="34" charset="0"/>
-                <a:ea typeface="Verdana" panose="020B0604030504040204" pitchFamily="34" charset="0"/>
-                <a:cs typeface="Courier New" panose="02070309020205020404" pitchFamily="49" charset="0"/>
-              </a:rPr>
-              <a:t>xs</a:t>
-            </a:r>
-            <a:r>
-              <a:rPr lang="en-GB" sz="500" kern="100" spc="-46" dirty="0">
-                <a:latin typeface="Verdana" panose="020B0604030504040204" pitchFamily="34" charset="0"/>
-                <a:ea typeface="Verdana" panose="020B0604030504040204" pitchFamily="34" charset="0"/>
-                <a:cs typeface="Courier New" panose="02070309020205020404" pitchFamily="49" charset="0"/>
-              </a:rPr>
-              <a:t> </a:t>
-            </a:r>
-            <a:r>
-              <a:rPr lang="en-GB" sz="500" kern="100" spc="-46" dirty="0" err="1">
-                <a:latin typeface="Verdana" panose="020B0604030504040204" pitchFamily="34" charset="0"/>
-                <a:ea typeface="Verdana" panose="020B0604030504040204" pitchFamily="34" charset="0"/>
-                <a:cs typeface="Courier New" panose="02070309020205020404" pitchFamily="49" charset="0"/>
-              </a:rPr>
-              <a:t>ys</a:t>
-            </a:r>
-            <a:r>
-              <a:rPr lang="en-GB" sz="500" kern="100" spc="-46" dirty="0">
-                <a:latin typeface="Verdana" panose="020B0604030504040204" pitchFamily="34" charset="0"/>
-                <a:ea typeface="Verdana" panose="020B0604030504040204" pitchFamily="34" charset="0"/>
-                <a:cs typeface="Courier New" panose="02070309020205020404" pitchFamily="49" charset="0"/>
-              </a:rPr>
-              <a:t> </a:t>
-            </a:r>
-            <a:r>
-              <a:rPr lang="en-GB" sz="500" kern="100" spc="-46" dirty="0" err="1">
+              <a:rPr lang="en-GB" sz="500" b="1" kern="100" spc="-46">
+                <a:latin typeface="Verdana" panose="020B0604030504040204" pitchFamily="34" charset="0"/>
+                <a:ea typeface="Verdana" panose="020B0604030504040204" pitchFamily="34" charset="0"/>
+                <a:cs typeface="Courier New" panose="02070309020205020404" pitchFamily="49" charset="0"/>
+              </a:rPr>
+              <a:t> on data xs</a:t>
+            </a:r>
+            <a:r>
+              <a:rPr lang="en-GB" sz="500" b="1" kern="100" spc="-46" baseline="-25000">
                 <a:latin typeface="Verdana" panose="020B0604030504040204" pitchFamily="34" charset="0"/>
                 <a:ea typeface="Verdana" panose="020B0604030504040204" pitchFamily="34" charset="0"/>
                 <a:cs typeface="Courier New" panose="02070309020205020404" pitchFamily="49" charset="0"/>
               </a:rPr>
               <a:t>i</a:t>
             </a:r>
-            <a:r>
-              <a:rPr lang="en-GB" sz="500" kern="100" spc="-46" dirty="0">
-                <a:latin typeface="Verdana" panose="020B0604030504040204" pitchFamily="34" charset="0"/>
-                <a:ea typeface="Verdana" panose="020B0604030504040204" pitchFamily="34" charset="0"/>
-                <a:cs typeface="Courier New" panose="02070309020205020404" pitchFamily="49" charset="0"/>
-              </a:rPr>
-              <a:t> (j−1) +1, </a:t>
-            </a:r>
-            <a:r>
-              <a:rPr lang="en-GB" sz="500" kern="100" spc="-46" dirty="0" err="1">
-                <a:latin typeface="Verdana" panose="020B0604030504040204" pitchFamily="34" charset="0"/>
-                <a:ea typeface="Verdana" panose="020B0604030504040204" pitchFamily="34" charset="0"/>
-                <a:cs typeface="Courier New" panose="02070309020205020404" pitchFamily="49" charset="0"/>
-              </a:rPr>
-              <a:t>dist</a:t>
-            </a:r>
-            <a:r>
-              <a:rPr lang="en-GB" sz="500" kern="100" spc="-46" dirty="0">
-                <a:latin typeface="Verdana" panose="020B0604030504040204" pitchFamily="34" charset="0"/>
-                <a:ea typeface="Verdana" panose="020B0604030504040204" pitchFamily="34" charset="0"/>
-                <a:cs typeface="Courier New" panose="02070309020205020404" pitchFamily="49" charset="0"/>
-              </a:rPr>
-              <a:t>′ </a:t>
-            </a:r>
-            <a:r>
-              <a:rPr lang="en-GB" sz="500" kern="100" spc="-46" dirty="0" err="1">
-                <a:latin typeface="Verdana" panose="020B0604030504040204" pitchFamily="34" charset="0"/>
-                <a:ea typeface="Verdana" panose="020B0604030504040204" pitchFamily="34" charset="0"/>
-                <a:cs typeface="Courier New" panose="02070309020205020404" pitchFamily="49" charset="0"/>
-              </a:rPr>
-              <a:t>xs</a:t>
-            </a:r>
-            <a:r>
-              <a:rPr lang="en-GB" sz="500" kern="100" spc="-46" dirty="0">
-                <a:latin typeface="Verdana" panose="020B0604030504040204" pitchFamily="34" charset="0"/>
-                <a:ea typeface="Verdana" panose="020B0604030504040204" pitchFamily="34" charset="0"/>
-                <a:cs typeface="Courier New" panose="02070309020205020404" pitchFamily="49" charset="0"/>
-              </a:rPr>
-              <a:t> </a:t>
-            </a:r>
-            <a:r>
-              <a:rPr lang="en-GB" sz="500" kern="100" spc="-46" dirty="0" err="1">
-                <a:latin typeface="Verdana" panose="020B0604030504040204" pitchFamily="34" charset="0"/>
-                <a:ea typeface="Verdana" panose="020B0604030504040204" pitchFamily="34" charset="0"/>
-                <a:cs typeface="Courier New" panose="02070309020205020404" pitchFamily="49" charset="0"/>
-              </a:rPr>
-              <a:t>ys</a:t>
-            </a:r>
-            <a:r>
-              <a:rPr lang="en-GB" sz="500" kern="100" spc="-46" dirty="0">
-                <a:latin typeface="Verdana" panose="020B0604030504040204" pitchFamily="34" charset="0"/>
-                <a:ea typeface="Verdana" panose="020B0604030504040204" pitchFamily="34" charset="0"/>
-                <a:cs typeface="Courier New" panose="02070309020205020404" pitchFamily="49" charset="0"/>
-              </a:rPr>
-              <a:t> (i−1) j +1, 	             </a:t>
-            </a:r>
-            <a:r>
-              <a:rPr lang="en-GB" sz="500" kern="100" spc="-46" dirty="0" err="1">
-                <a:latin typeface="Verdana" panose="020B0604030504040204" pitchFamily="34" charset="0"/>
-                <a:ea typeface="Verdana" panose="020B0604030504040204" pitchFamily="34" charset="0"/>
-                <a:cs typeface="Courier New" panose="02070309020205020404" pitchFamily="49" charset="0"/>
-              </a:rPr>
-              <a:t>dist</a:t>
-            </a:r>
-            <a:r>
-              <a:rPr lang="en-GB" sz="500" kern="100" spc="-46" dirty="0">
-                <a:latin typeface="Verdana" panose="020B0604030504040204" pitchFamily="34" charset="0"/>
-                <a:ea typeface="Verdana" panose="020B0604030504040204" pitchFamily="34" charset="0"/>
-                <a:cs typeface="Courier New" panose="02070309020205020404" pitchFamily="49" charset="0"/>
-              </a:rPr>
-              <a:t>′ </a:t>
-            </a:r>
-            <a:r>
-              <a:rPr lang="en-GB" sz="500" kern="100" spc="-46" dirty="0" err="1">
-                <a:latin typeface="Verdana" panose="020B0604030504040204" pitchFamily="34" charset="0"/>
-                <a:ea typeface="Verdana" panose="020B0604030504040204" pitchFamily="34" charset="0"/>
-                <a:cs typeface="Courier New" panose="02070309020205020404" pitchFamily="49" charset="0"/>
-              </a:rPr>
-              <a:t>xs</a:t>
-            </a:r>
-            <a:r>
-              <a:rPr lang="en-GB" sz="500" kern="100" spc="-46" dirty="0">
-                <a:latin typeface="Verdana" panose="020B0604030504040204" pitchFamily="34" charset="0"/>
-                <a:ea typeface="Verdana" panose="020B0604030504040204" pitchFamily="34" charset="0"/>
-                <a:cs typeface="Courier New" panose="02070309020205020404" pitchFamily="49" charset="0"/>
-              </a:rPr>
-              <a:t> </a:t>
-            </a:r>
-            <a:r>
-              <a:rPr lang="en-GB" sz="500" kern="100" spc="-46" dirty="0" err="1">
-                <a:latin typeface="Verdana" panose="020B0604030504040204" pitchFamily="34" charset="0"/>
-                <a:ea typeface="Verdana" panose="020B0604030504040204" pitchFamily="34" charset="0"/>
-                <a:cs typeface="Courier New" panose="02070309020205020404" pitchFamily="49" charset="0"/>
-              </a:rPr>
-              <a:t>ys</a:t>
-            </a:r>
-            <a:r>
-              <a:rPr lang="en-GB" sz="500" kern="100" spc="-46" dirty="0">
-                <a:latin typeface="Verdana" panose="020B0604030504040204" pitchFamily="34" charset="0"/>
-                <a:ea typeface="Verdana" panose="020B0604030504040204" pitchFamily="34" charset="0"/>
-                <a:cs typeface="Courier New" panose="02070309020205020404" pitchFamily="49" charset="0"/>
-              </a:rPr>
-              <a:t> (i−1) (j−1) + if </a:t>
-            </a:r>
-            <a:r>
-              <a:rPr lang="en-GB" sz="500" kern="100" spc="-46" dirty="0" err="1">
-                <a:latin typeface="Verdana" panose="020B0604030504040204" pitchFamily="34" charset="0"/>
-                <a:ea typeface="Verdana" panose="020B0604030504040204" pitchFamily="34" charset="0"/>
-                <a:cs typeface="Courier New" panose="02070309020205020404" pitchFamily="49" charset="0"/>
-              </a:rPr>
-              <a:t>x≡y</a:t>
-            </a:r>
-            <a:r>
-              <a:rPr lang="en-GB" sz="500" kern="100" spc="-46" dirty="0">
-                <a:latin typeface="Verdana" panose="020B0604030504040204" pitchFamily="34" charset="0"/>
-                <a:ea typeface="Verdana" panose="020B0604030504040204" pitchFamily="34" charset="0"/>
-                <a:cs typeface="Courier New" panose="02070309020205020404" pitchFamily="49" charset="0"/>
-              </a:rPr>
-              <a:t> then 0 else 1] </a:t>
-            </a:r>
-          </a:p>
-          <a:p>
-            <a:r>
-              <a:rPr lang="en-GB" sz="500" kern="100" spc="-46" dirty="0">
-                <a:latin typeface="Verdana" panose="020B0604030504040204" pitchFamily="34" charset="0"/>
-                <a:ea typeface="Verdana" panose="020B0604030504040204" pitchFamily="34" charset="0"/>
-                <a:cs typeface="Courier New" panose="02070309020205020404" pitchFamily="49" charset="0"/>
-              </a:rPr>
-              <a:t>where </a:t>
-            </a:r>
-          </a:p>
-          <a:p>
-            <a:r>
-              <a:rPr lang="en-GB" sz="500" kern="100" spc="-46" dirty="0">
-                <a:latin typeface="Verdana" panose="020B0604030504040204" pitchFamily="34" charset="0"/>
-                <a:ea typeface="Verdana" panose="020B0604030504040204" pitchFamily="34" charset="0"/>
-                <a:cs typeface="Courier New" panose="02070309020205020404" pitchFamily="49" charset="0"/>
-              </a:rPr>
-              <a:t>   m = length </a:t>
-            </a:r>
-            <a:r>
-              <a:rPr lang="en-GB" sz="500" kern="100" spc="-46" dirty="0" err="1">
-                <a:latin typeface="Verdana" panose="020B0604030504040204" pitchFamily="34" charset="0"/>
-                <a:ea typeface="Verdana" panose="020B0604030504040204" pitchFamily="34" charset="0"/>
-                <a:cs typeface="Courier New" panose="02070309020205020404" pitchFamily="49" charset="0"/>
-              </a:rPr>
-              <a:t>xs</a:t>
-            </a:r>
-            <a:r>
-              <a:rPr lang="en-GB" sz="500" kern="100" spc="-46" dirty="0">
-                <a:latin typeface="Verdana" panose="020B0604030504040204" pitchFamily="34" charset="0"/>
-                <a:ea typeface="Verdana" panose="020B0604030504040204" pitchFamily="34" charset="0"/>
-                <a:cs typeface="Courier New" panose="02070309020205020404" pitchFamily="49" charset="0"/>
-              </a:rPr>
-              <a:t> </a:t>
-            </a:r>
-          </a:p>
-          <a:p>
-            <a:r>
-              <a:rPr lang="en-GB" sz="500" kern="100" spc="-46" dirty="0">
-                <a:latin typeface="Verdana" panose="020B0604030504040204" pitchFamily="34" charset="0"/>
-                <a:ea typeface="Verdana" panose="020B0604030504040204" pitchFamily="34" charset="0"/>
-                <a:cs typeface="Courier New" panose="02070309020205020404" pitchFamily="49" charset="0"/>
-              </a:rPr>
-              <a:t>   n = length </a:t>
-            </a:r>
-            <a:r>
-              <a:rPr lang="en-GB" sz="500" kern="100" spc="-46" dirty="0" err="1">
-                <a:latin typeface="Verdana" panose="020B0604030504040204" pitchFamily="34" charset="0"/>
-                <a:ea typeface="Verdana" panose="020B0604030504040204" pitchFamily="34" charset="0"/>
-                <a:cs typeface="Courier New" panose="02070309020205020404" pitchFamily="49" charset="0"/>
-              </a:rPr>
-              <a:t>ys</a:t>
-            </a:r>
-            <a:r>
-              <a:rPr lang="en-GB" sz="500" kern="100" spc="-46" dirty="0">
-                <a:latin typeface="Verdana" panose="020B0604030504040204" pitchFamily="34" charset="0"/>
-                <a:ea typeface="Verdana" panose="020B0604030504040204" pitchFamily="34" charset="0"/>
-                <a:cs typeface="Courier New" panose="02070309020205020404" pitchFamily="49" charset="0"/>
-              </a:rPr>
-              <a:t> </a:t>
-            </a:r>
-          </a:p>
-          <a:p>
-            <a:r>
-              <a:rPr lang="en-GB" sz="500" kern="100" spc="-46" dirty="0">
-                <a:latin typeface="Verdana" panose="020B0604030504040204" pitchFamily="34" charset="0"/>
-                <a:ea typeface="Verdana" panose="020B0604030504040204" pitchFamily="34" charset="0"/>
-                <a:cs typeface="Courier New" panose="02070309020205020404" pitchFamily="49" charset="0"/>
-              </a:rPr>
-              <a:t>   x = </a:t>
-            </a:r>
-            <a:r>
-              <a:rPr lang="en-GB" sz="500" kern="100" spc="-46" dirty="0" err="1">
-                <a:latin typeface="Verdana" panose="020B0604030504040204" pitchFamily="34" charset="0"/>
-                <a:ea typeface="Verdana" panose="020B0604030504040204" pitchFamily="34" charset="0"/>
-                <a:cs typeface="Courier New" panose="02070309020205020404" pitchFamily="49" charset="0"/>
-              </a:rPr>
-              <a:t>xs</a:t>
-            </a:r>
-            <a:r>
-              <a:rPr lang="en-GB" sz="500" kern="100" spc="-46" dirty="0">
-                <a:latin typeface="Verdana" panose="020B0604030504040204" pitchFamily="34" charset="0"/>
-                <a:ea typeface="Verdana" panose="020B0604030504040204" pitchFamily="34" charset="0"/>
-                <a:cs typeface="Courier New" panose="02070309020205020404" pitchFamily="49" charset="0"/>
-              </a:rPr>
-              <a:t> !! (m − </a:t>
-            </a:r>
-            <a:r>
-              <a:rPr lang="en-GB" sz="500" kern="100" spc="-46" dirty="0" err="1">
+          </a:p>
+          <a:p>
+            <a:r>
+              <a:rPr lang="en-GB" sz="500" kern="100" spc="-46">
+                <a:latin typeface="Verdana" panose="020B0604030504040204" pitchFamily="34" charset="0"/>
+                <a:ea typeface="Verdana" panose="020B0604030504040204" pitchFamily="34" charset="0"/>
+                <a:cs typeface="Courier New" panose="02070309020205020404" pitchFamily="49" charset="0"/>
+              </a:rPr>
+              <a:t>3. A size function S(xs) that calculates the size of data xs. </a:t>
+            </a:r>
+          </a:p>
+          <a:p>
+            <a:r>
+              <a:rPr lang="en-GB" sz="500" kern="100" spc="-46">
+                <a:latin typeface="Verdana" panose="020B0604030504040204" pitchFamily="34" charset="0"/>
+                <a:ea typeface="Verdana" panose="020B0604030504040204" pitchFamily="34" charset="0"/>
+                <a:cs typeface="Courier New" panose="02070309020205020404" pitchFamily="49" charset="0"/>
+              </a:rPr>
+              <a:t>The costs functions estimate how many steps it would take for each operation to execute. The goal is to define these functions so that they can do an accounting of how much work needs to be done to execute an operation on a datastructure. They should be defined so that the following holds: C</a:t>
+            </a:r>
+            <a:r>
+              <a:rPr lang="en-GB" sz="400" kern="100" spc="-46">
+                <a:latin typeface="Verdana" panose="020B0604030504040204" pitchFamily="34" charset="0"/>
+                <a:ea typeface="Verdana" panose="020B0604030504040204" pitchFamily="34" charset="0"/>
+                <a:cs typeface="Courier New" panose="02070309020205020404" pitchFamily="49" charset="0"/>
+              </a:rPr>
+              <a:t>op</a:t>
+            </a:r>
+            <a:r>
+              <a:rPr lang="en-GB" sz="500" kern="100" spc="-46" baseline="-25000">
                 <a:latin typeface="Verdana" panose="020B0604030504040204" pitchFamily="34" charset="0"/>
                 <a:ea typeface="Verdana" panose="020B0604030504040204" pitchFamily="34" charset="0"/>
                 <a:cs typeface="Courier New" panose="02070309020205020404" pitchFamily="49" charset="0"/>
@@ -10941,2764 +11085,129 @@
               <a:t>i</a:t>
             </a:r>
             <a:r>
-              <a:rPr lang="en-GB" sz="500" kern="100" spc="-46" dirty="0">
+              <a:rPr lang="en-GB" sz="500" kern="100" spc="-46">
+                <a:latin typeface="Verdana" panose="020B0604030504040204" pitchFamily="34" charset="0"/>
+                <a:ea typeface="Verdana" panose="020B0604030504040204" pitchFamily="34" charset="0"/>
+                <a:cs typeface="Courier New" panose="02070309020205020404" pitchFamily="49" charset="0"/>
+              </a:rPr>
+              <a:t> (xs</a:t>
+            </a:r>
+            <a:r>
+              <a:rPr lang="en-GB" sz="500" kern="100" spc="-46" baseline="-25000">
+                <a:latin typeface="Verdana" panose="020B0604030504040204" pitchFamily="34" charset="0"/>
+                <a:ea typeface="Verdana" panose="020B0604030504040204" pitchFamily="34" charset="0"/>
+                <a:cs typeface="Courier New" panose="02070309020205020404" pitchFamily="49" charset="0"/>
+              </a:rPr>
+              <a:t>i</a:t>
+            </a:r>
+            <a:r>
+              <a:rPr lang="en-GB" sz="500" kern="100" spc="-46">
+                <a:latin typeface="Verdana" panose="020B0604030504040204" pitchFamily="34" charset="0"/>
+                <a:ea typeface="Verdana" panose="020B0604030504040204" pitchFamily="34" charset="0"/>
+                <a:cs typeface="Courier New" panose="02070309020205020404" pitchFamily="49" charset="0"/>
+              </a:rPr>
+              <a:t>) ⩽ A</a:t>
+            </a:r>
+            <a:r>
+              <a:rPr lang="en-GB" sz="400" kern="100" spc="-46">
+                <a:latin typeface="Verdana" panose="020B0604030504040204" pitchFamily="34" charset="0"/>
+                <a:ea typeface="Verdana" panose="020B0604030504040204" pitchFamily="34" charset="0"/>
+                <a:cs typeface="Courier New" panose="02070309020205020404" pitchFamily="49" charset="0"/>
+              </a:rPr>
+              <a:t>op</a:t>
+            </a:r>
+            <a:r>
+              <a:rPr lang="en-GB" sz="500" kern="100" spc="-46" baseline="-25000">
+                <a:latin typeface="Verdana" panose="020B0604030504040204" pitchFamily="34" charset="0"/>
+                <a:ea typeface="Verdana" panose="020B0604030504040204" pitchFamily="34" charset="0"/>
+                <a:cs typeface="Courier New" panose="02070309020205020404" pitchFamily="49" charset="0"/>
+              </a:rPr>
+              <a:t>i</a:t>
+            </a:r>
+            <a:r>
+              <a:rPr lang="en-GB" sz="500" kern="100" spc="-46">
+                <a:latin typeface="Verdana" panose="020B0604030504040204" pitchFamily="34" charset="0"/>
+                <a:ea typeface="Verdana" panose="020B0604030504040204" pitchFamily="34" charset="0"/>
+                <a:cs typeface="Courier New" panose="02070309020205020404" pitchFamily="49" charset="0"/>
+              </a:rPr>
+              <a:t> (xs</a:t>
+            </a:r>
+            <a:r>
+              <a:rPr lang="en-GB" sz="500" kern="100" spc="-46" baseline="-25000">
+                <a:latin typeface="Verdana" panose="020B0604030504040204" pitchFamily="34" charset="0"/>
+                <a:ea typeface="Verdana" panose="020B0604030504040204" pitchFamily="34" charset="0"/>
+                <a:cs typeface="Courier New" panose="02070309020205020404" pitchFamily="49" charset="0"/>
+              </a:rPr>
+              <a:t>i</a:t>
+            </a:r>
+            <a:r>
+              <a:rPr lang="en-GB" sz="500" kern="100" spc="-46">
+                <a:latin typeface="Verdana" panose="020B0604030504040204" pitchFamily="34" charset="0"/>
+                <a:ea typeface="Verdana" panose="020B0604030504040204" pitchFamily="34" charset="0"/>
+                <a:cs typeface="Courier New" panose="02070309020205020404" pitchFamily="49" charset="0"/>
+              </a:rPr>
+              <a:t>) + S(xs</a:t>
+            </a:r>
+            <a:r>
+              <a:rPr lang="en-GB" sz="500" kern="100" spc="-46" baseline="-25000">
+                <a:latin typeface="Verdana" panose="020B0604030504040204" pitchFamily="34" charset="0"/>
+                <a:ea typeface="Verdana" panose="020B0604030504040204" pitchFamily="34" charset="0"/>
+                <a:cs typeface="Courier New" panose="02070309020205020404" pitchFamily="49" charset="0"/>
+              </a:rPr>
+              <a:t>i</a:t>
+            </a:r>
+            <a:r>
+              <a:rPr lang="en-GB" sz="500" kern="100" spc="-46">
+                <a:latin typeface="Verdana" panose="020B0604030504040204" pitchFamily="34" charset="0"/>
+                <a:ea typeface="Verdana" panose="020B0604030504040204" pitchFamily="34" charset="0"/>
+                <a:cs typeface="Courier New" panose="02070309020205020404" pitchFamily="49" charset="0"/>
+              </a:rPr>
+              <a:t>) − S(xs</a:t>
+            </a:r>
+            <a:r>
+              <a:rPr lang="en-GB" sz="500" kern="100" spc="-46" baseline="-25000">
+                <a:latin typeface="Verdana" panose="020B0604030504040204" pitchFamily="34" charset="0"/>
+                <a:ea typeface="Verdana" panose="020B0604030504040204" pitchFamily="34" charset="0"/>
+                <a:cs typeface="Courier New" panose="02070309020205020404" pitchFamily="49" charset="0"/>
+              </a:rPr>
+              <a:t>i+1</a:t>
+            </a:r>
+            <a:r>
+              <a:rPr lang="en-GB" sz="500" kern="100" spc="-46">
                 <a:latin typeface="Verdana" panose="020B0604030504040204" pitchFamily="34" charset="0"/>
                 <a:ea typeface="Verdana" panose="020B0604030504040204" pitchFamily="34" charset="0"/>
                 <a:cs typeface="Courier New" panose="02070309020205020404" pitchFamily="49" charset="0"/>
               </a:rPr>
               <a:t>) </a:t>
             </a:r>
-          </a:p>
-          <a:p>
-            <a:r>
-              <a:rPr lang="en-GB" sz="500" kern="100" spc="-46" dirty="0">
-                <a:latin typeface="Verdana" panose="020B0604030504040204" pitchFamily="34" charset="0"/>
-                <a:ea typeface="Verdana" panose="020B0604030504040204" pitchFamily="34" charset="0"/>
-                <a:cs typeface="Courier New" panose="02070309020205020404" pitchFamily="49" charset="0"/>
-              </a:rPr>
-              <a:t>   y = </a:t>
-            </a:r>
-            <a:r>
-              <a:rPr lang="en-GB" sz="500" kern="100" spc="-46" dirty="0" err="1">
-                <a:latin typeface="Verdana" panose="020B0604030504040204" pitchFamily="34" charset="0"/>
-                <a:ea typeface="Verdana" panose="020B0604030504040204" pitchFamily="34" charset="0"/>
-                <a:cs typeface="Courier New" panose="02070309020205020404" pitchFamily="49" charset="0"/>
-              </a:rPr>
-              <a:t>ys</a:t>
-            </a:r>
-            <a:r>
-              <a:rPr lang="en-GB" sz="500" kern="100" spc="-46" dirty="0">
-                <a:latin typeface="Verdana" panose="020B0604030504040204" pitchFamily="34" charset="0"/>
-                <a:ea typeface="Verdana" panose="020B0604030504040204" pitchFamily="34" charset="0"/>
-                <a:cs typeface="Courier New" panose="02070309020205020404" pitchFamily="49" charset="0"/>
-              </a:rPr>
-              <a:t> !! (n − j)</a:t>
-            </a:r>
-          </a:p>
-          <a:p>
-            <a:r>
-              <a:rPr lang="en-GB" sz="500" kern="100" spc="-46" dirty="0">
-                <a:latin typeface="Verdana" panose="020B0604030504040204" pitchFamily="34" charset="0"/>
-                <a:ea typeface="Verdana" panose="020B0604030504040204" pitchFamily="34" charset="0"/>
-                <a:cs typeface="Courier New" panose="02070309020205020404" pitchFamily="49" charset="0"/>
-              </a:rPr>
-              <a:t>Tabularizing this is quite easy now. Just take our template, replace memo with the definition of </a:t>
-            </a:r>
-            <a:r>
-              <a:rPr lang="en-GB" sz="500" kern="100" spc="-46" dirty="0" err="1">
-                <a:latin typeface="Verdana" panose="020B0604030504040204" pitchFamily="34" charset="0"/>
-                <a:ea typeface="Verdana" panose="020B0604030504040204" pitchFamily="34" charset="0"/>
-                <a:cs typeface="Courier New" panose="02070309020205020404" pitchFamily="49" charset="0"/>
-              </a:rPr>
-              <a:t>dist</a:t>
-            </a:r>
-            <a:r>
-              <a:rPr lang="en-GB" sz="500" kern="100" spc="-46" dirty="0">
-                <a:latin typeface="Verdana" panose="020B0604030504040204" pitchFamily="34" charset="0"/>
-                <a:ea typeface="Verdana" panose="020B0604030504040204" pitchFamily="34" charset="0"/>
-                <a:cs typeface="Courier New" panose="02070309020205020404" pitchFamily="49" charset="0"/>
-              </a:rPr>
-              <a:t>’, pass in a 2d array index into  tabulate (doesn’t need to be redefined) We do have to use </a:t>
-            </a:r>
-            <a:r>
-              <a:rPr lang="en-GB" sz="500" kern="100" spc="-46" dirty="0" err="1">
-                <a:latin typeface="Verdana" panose="020B0604030504040204" pitchFamily="34" charset="0"/>
-                <a:ea typeface="Verdana" panose="020B0604030504040204" pitchFamily="34" charset="0"/>
-                <a:cs typeface="Courier New" panose="02070309020205020404" pitchFamily="49" charset="0"/>
-              </a:rPr>
-              <a:t>fromList</a:t>
-            </a:r>
-            <a:r>
-              <a:rPr lang="en-GB" sz="500" kern="100" spc="-46" dirty="0">
-                <a:latin typeface="Verdana" panose="020B0604030504040204" pitchFamily="34" charset="0"/>
-                <a:ea typeface="Verdana" panose="020B0604030504040204" pitchFamily="34" charset="0"/>
-                <a:cs typeface="Courier New" panose="02070309020205020404" pitchFamily="49" charset="0"/>
-              </a:rPr>
-              <a:t> to make arrays rather than lists – to remove the !!.</a:t>
-            </a:r>
-          </a:p>
-          <a:p>
-            <a:r>
-              <a:rPr lang="en-GB" sz="500" kern="100" spc="-46" dirty="0" err="1">
-                <a:latin typeface="Verdana" panose="020B0604030504040204" pitchFamily="34" charset="0"/>
-                <a:ea typeface="Verdana" panose="020B0604030504040204" pitchFamily="34" charset="0"/>
-                <a:cs typeface="Courier New" panose="02070309020205020404" pitchFamily="49" charset="0"/>
-              </a:rPr>
-              <a:t>dist</a:t>
-            </a:r>
-            <a:r>
-              <a:rPr lang="en-GB" sz="500" kern="100" spc="-46" dirty="0">
-                <a:latin typeface="Verdana" panose="020B0604030504040204" pitchFamily="34" charset="0"/>
-                <a:ea typeface="Verdana" panose="020B0604030504040204" pitchFamily="34" charset="0"/>
-                <a:cs typeface="Courier New" panose="02070309020205020404" pitchFamily="49" charset="0"/>
-              </a:rPr>
-              <a:t>′′ :: String → String → Int </a:t>
-            </a:r>
-          </a:p>
-          <a:p>
-            <a:r>
-              <a:rPr lang="en-GB" sz="500" kern="100" spc="-46" dirty="0" err="1">
-                <a:latin typeface="Verdana" panose="020B0604030504040204" pitchFamily="34" charset="0"/>
-                <a:ea typeface="Verdana" panose="020B0604030504040204" pitchFamily="34" charset="0"/>
-                <a:cs typeface="Courier New" panose="02070309020205020404" pitchFamily="49" charset="0"/>
-              </a:rPr>
-              <a:t>dist</a:t>
-            </a:r>
-            <a:r>
-              <a:rPr lang="en-GB" sz="500" kern="100" spc="-46" dirty="0">
-                <a:latin typeface="Verdana" panose="020B0604030504040204" pitchFamily="34" charset="0"/>
-                <a:ea typeface="Verdana" panose="020B0604030504040204" pitchFamily="34" charset="0"/>
-                <a:cs typeface="Courier New" panose="02070309020205020404" pitchFamily="49" charset="0"/>
-              </a:rPr>
-              <a:t>′′ </a:t>
-            </a:r>
-            <a:r>
-              <a:rPr lang="en-GB" sz="500" kern="100" spc="-46" dirty="0" err="1">
-                <a:latin typeface="Verdana" panose="020B0604030504040204" pitchFamily="34" charset="0"/>
-                <a:ea typeface="Verdana" panose="020B0604030504040204" pitchFamily="34" charset="0"/>
-                <a:cs typeface="Courier New" panose="02070309020205020404" pitchFamily="49" charset="0"/>
-              </a:rPr>
-              <a:t>xs</a:t>
-            </a:r>
-            <a:r>
-              <a:rPr lang="en-GB" sz="500" kern="100" spc="-46" dirty="0">
-                <a:latin typeface="Verdana" panose="020B0604030504040204" pitchFamily="34" charset="0"/>
-                <a:ea typeface="Verdana" panose="020B0604030504040204" pitchFamily="34" charset="0"/>
-                <a:cs typeface="Courier New" panose="02070309020205020404" pitchFamily="49" charset="0"/>
-              </a:rPr>
-              <a:t> </a:t>
-            </a:r>
-            <a:r>
-              <a:rPr lang="en-GB" sz="500" kern="100" spc="-46" dirty="0" err="1">
-                <a:latin typeface="Verdana" panose="020B0604030504040204" pitchFamily="34" charset="0"/>
-                <a:ea typeface="Verdana" panose="020B0604030504040204" pitchFamily="34" charset="0"/>
-                <a:cs typeface="Courier New" panose="02070309020205020404" pitchFamily="49" charset="0"/>
-              </a:rPr>
-              <a:t>ys</a:t>
-            </a:r>
-            <a:r>
-              <a:rPr lang="en-GB" sz="500" kern="100" spc="-46" dirty="0">
-                <a:latin typeface="Verdana" panose="020B0604030504040204" pitchFamily="34" charset="0"/>
-                <a:ea typeface="Verdana" panose="020B0604030504040204" pitchFamily="34" charset="0"/>
-                <a:cs typeface="Courier New" panose="02070309020205020404" pitchFamily="49" charset="0"/>
-              </a:rPr>
-              <a:t> = table ! (m, n) </a:t>
-            </a:r>
-          </a:p>
-          <a:p>
-            <a:r>
-              <a:rPr lang="en-GB" sz="500" kern="100" spc="-46" dirty="0">
-                <a:latin typeface="Verdana" panose="020B0604030504040204" pitchFamily="34" charset="0"/>
-                <a:ea typeface="Verdana" panose="020B0604030504040204" pitchFamily="34" charset="0"/>
-                <a:cs typeface="Courier New" panose="02070309020205020404" pitchFamily="49" charset="0"/>
-              </a:rPr>
-              <a:t> where </a:t>
-            </a:r>
-          </a:p>
-          <a:p>
-            <a:r>
-              <a:rPr lang="en-GB" sz="500" kern="100" spc="-46" dirty="0">
-                <a:latin typeface="Verdana" panose="020B0604030504040204" pitchFamily="34" charset="0"/>
-                <a:ea typeface="Verdana" panose="020B0604030504040204" pitchFamily="34" charset="0"/>
-                <a:cs typeface="Courier New" panose="02070309020205020404" pitchFamily="49" charset="0"/>
-              </a:rPr>
-              <a:t>      table = tabulate ((0, 0),(m, n)) (</a:t>
-            </a:r>
-            <a:r>
-              <a:rPr lang="en-GB" sz="500" kern="100" spc="-46" dirty="0" err="1">
-                <a:latin typeface="Verdana" panose="020B0604030504040204" pitchFamily="34" charset="0"/>
-                <a:ea typeface="Verdana" panose="020B0604030504040204" pitchFamily="34" charset="0"/>
-                <a:cs typeface="Courier New" panose="02070309020205020404" pitchFamily="49" charset="0"/>
-              </a:rPr>
-              <a:t>uncurry</a:t>
-            </a:r>
-            <a:r>
-              <a:rPr lang="en-GB" sz="500" kern="100" spc="-46" dirty="0">
-                <a:latin typeface="Verdana" panose="020B0604030504040204" pitchFamily="34" charset="0"/>
-                <a:ea typeface="Verdana" panose="020B0604030504040204" pitchFamily="34" charset="0"/>
-                <a:cs typeface="Courier New" panose="02070309020205020404" pitchFamily="49" charset="0"/>
-              </a:rPr>
-              <a:t> memo) </a:t>
-            </a:r>
-          </a:p>
-          <a:p>
-            <a:r>
-              <a:rPr lang="en-GB" sz="500" kern="100" spc="-46" dirty="0">
-                <a:latin typeface="Verdana" panose="020B0604030504040204" pitchFamily="34" charset="0"/>
-                <a:ea typeface="Verdana" panose="020B0604030504040204" pitchFamily="34" charset="0"/>
-                <a:cs typeface="Courier New" panose="02070309020205020404" pitchFamily="49" charset="0"/>
-              </a:rPr>
-              <a:t>      memo :: Int → Int → Int </a:t>
-            </a:r>
-          </a:p>
-          <a:p>
-            <a:r>
-              <a:rPr lang="en-GB" sz="500" kern="100" spc="-46" dirty="0">
-                <a:latin typeface="Verdana" panose="020B0604030504040204" pitchFamily="34" charset="0"/>
-                <a:ea typeface="Verdana" panose="020B0604030504040204" pitchFamily="34" charset="0"/>
-                <a:cs typeface="Courier New" panose="02070309020205020404" pitchFamily="49" charset="0"/>
-              </a:rPr>
-              <a:t>      memo </a:t>
-            </a:r>
-            <a:r>
-              <a:rPr lang="en-GB" sz="500" kern="100" spc="-46" dirty="0" err="1">
-                <a:latin typeface="Verdana" panose="020B0604030504040204" pitchFamily="34" charset="0"/>
-                <a:ea typeface="Verdana" panose="020B0604030504040204" pitchFamily="34" charset="0"/>
-                <a:cs typeface="Courier New" panose="02070309020205020404" pitchFamily="49" charset="0"/>
-              </a:rPr>
-              <a:t>i</a:t>
-            </a:r>
-            <a:r>
-              <a:rPr lang="en-GB" sz="500" kern="100" spc="-46" dirty="0">
-                <a:latin typeface="Verdana" panose="020B0604030504040204" pitchFamily="34" charset="0"/>
-                <a:ea typeface="Verdana" panose="020B0604030504040204" pitchFamily="34" charset="0"/>
-                <a:cs typeface="Courier New" panose="02070309020205020404" pitchFamily="49" charset="0"/>
-              </a:rPr>
-              <a:t> 0 = </a:t>
-            </a:r>
-            <a:r>
-              <a:rPr lang="en-GB" sz="500" kern="100" spc="-46" dirty="0" err="1">
-                <a:latin typeface="Verdana" panose="020B0604030504040204" pitchFamily="34" charset="0"/>
-                <a:ea typeface="Verdana" panose="020B0604030504040204" pitchFamily="34" charset="0"/>
-                <a:cs typeface="Courier New" panose="02070309020205020404" pitchFamily="49" charset="0"/>
-              </a:rPr>
-              <a:t>i</a:t>
-            </a:r>
-            <a:r>
-              <a:rPr lang="en-GB" sz="500" kern="100" spc="-46" dirty="0">
-                <a:latin typeface="Verdana" panose="020B0604030504040204" pitchFamily="34" charset="0"/>
-                <a:ea typeface="Verdana" panose="020B0604030504040204" pitchFamily="34" charset="0"/>
-                <a:cs typeface="Courier New" panose="02070309020205020404" pitchFamily="49" charset="0"/>
-              </a:rPr>
-              <a:t> </a:t>
-            </a:r>
-          </a:p>
-          <a:p>
-            <a:r>
-              <a:rPr lang="en-GB" sz="500" kern="100" spc="-46" dirty="0">
-                <a:latin typeface="Verdana" panose="020B0604030504040204" pitchFamily="34" charset="0"/>
-                <a:ea typeface="Verdana" panose="020B0604030504040204" pitchFamily="34" charset="0"/>
-                <a:cs typeface="Courier New" panose="02070309020205020404" pitchFamily="49" charset="0"/>
-              </a:rPr>
-              <a:t>      memo 0 j = j </a:t>
-            </a:r>
-          </a:p>
-          <a:p>
-            <a:r>
-              <a:rPr lang="en-GB" sz="500" kern="100" spc="-46" dirty="0">
-                <a:latin typeface="Verdana" panose="020B0604030504040204" pitchFamily="34" charset="0"/>
-                <a:ea typeface="Verdana" panose="020B0604030504040204" pitchFamily="34" charset="0"/>
-                <a:cs typeface="Courier New" panose="02070309020205020404" pitchFamily="49" charset="0"/>
-              </a:rPr>
-              <a:t>      memo </a:t>
-            </a:r>
-            <a:r>
-              <a:rPr lang="en-GB" sz="500" kern="100" spc="-46" dirty="0" err="1">
-                <a:latin typeface="Verdana" panose="020B0604030504040204" pitchFamily="34" charset="0"/>
-                <a:ea typeface="Verdana" panose="020B0604030504040204" pitchFamily="34" charset="0"/>
-                <a:cs typeface="Courier New" panose="02070309020205020404" pitchFamily="49" charset="0"/>
-              </a:rPr>
-              <a:t>i</a:t>
-            </a:r>
-            <a:r>
-              <a:rPr lang="en-GB" sz="500" kern="100" spc="-46" dirty="0">
-                <a:latin typeface="Verdana" panose="020B0604030504040204" pitchFamily="34" charset="0"/>
-                <a:ea typeface="Verdana" panose="020B0604030504040204" pitchFamily="34" charset="0"/>
-                <a:cs typeface="Courier New" panose="02070309020205020404" pitchFamily="49" charset="0"/>
-              </a:rPr>
-              <a:t> j = minimum [table ! (</a:t>
-            </a:r>
-            <a:r>
-              <a:rPr lang="en-GB" sz="500" kern="100" spc="-46" dirty="0" err="1">
-                <a:latin typeface="Verdana" panose="020B0604030504040204" pitchFamily="34" charset="0"/>
-                <a:ea typeface="Verdana" panose="020B0604030504040204" pitchFamily="34" charset="0"/>
-                <a:cs typeface="Courier New" panose="02070309020205020404" pitchFamily="49" charset="0"/>
-              </a:rPr>
-              <a:t>i</a:t>
-            </a:r>
-            <a:r>
-              <a:rPr lang="en-GB" sz="500" kern="100" spc="-46" dirty="0">
-                <a:latin typeface="Verdana" panose="020B0604030504040204" pitchFamily="34" charset="0"/>
-                <a:ea typeface="Verdana" panose="020B0604030504040204" pitchFamily="34" charset="0"/>
-                <a:cs typeface="Courier New" panose="02070309020205020404" pitchFamily="49" charset="0"/>
-              </a:rPr>
-              <a:t>, j − 1) + 1, table ! (</a:t>
-            </a:r>
-            <a:r>
-              <a:rPr lang="en-GB" sz="500" kern="100" spc="-46" dirty="0" err="1">
-                <a:latin typeface="Verdana" panose="020B0604030504040204" pitchFamily="34" charset="0"/>
-                <a:ea typeface="Verdana" panose="020B0604030504040204" pitchFamily="34" charset="0"/>
-                <a:cs typeface="Courier New" panose="02070309020205020404" pitchFamily="49" charset="0"/>
-              </a:rPr>
-              <a:t>i</a:t>
-            </a:r>
-            <a:r>
-              <a:rPr lang="en-GB" sz="500" kern="100" spc="-46" dirty="0">
-                <a:latin typeface="Verdana" panose="020B0604030504040204" pitchFamily="34" charset="0"/>
-                <a:ea typeface="Verdana" panose="020B0604030504040204" pitchFamily="34" charset="0"/>
-                <a:cs typeface="Courier New" panose="02070309020205020404" pitchFamily="49" charset="0"/>
-              </a:rPr>
-              <a:t> − 1, j) + 1, </a:t>
-            </a:r>
-          </a:p>
-          <a:p>
-            <a:r>
-              <a:rPr lang="en-GB" sz="500" kern="100" spc="-46" dirty="0">
-                <a:latin typeface="Verdana" panose="020B0604030504040204" pitchFamily="34" charset="0"/>
-                <a:ea typeface="Verdana" panose="020B0604030504040204" pitchFamily="34" charset="0"/>
-                <a:cs typeface="Courier New" panose="02070309020205020404" pitchFamily="49" charset="0"/>
-              </a:rPr>
-              <a:t>                          table ! (</a:t>
-            </a:r>
-            <a:r>
-              <a:rPr lang="en-GB" sz="500" kern="100" spc="-46" dirty="0" err="1">
-                <a:latin typeface="Verdana" panose="020B0604030504040204" pitchFamily="34" charset="0"/>
-                <a:ea typeface="Verdana" panose="020B0604030504040204" pitchFamily="34" charset="0"/>
-                <a:cs typeface="Courier New" panose="02070309020205020404" pitchFamily="49" charset="0"/>
-              </a:rPr>
-              <a:t>i</a:t>
-            </a:r>
-            <a:r>
-              <a:rPr lang="en-GB" sz="500" kern="100" spc="-46" dirty="0">
-                <a:latin typeface="Verdana" panose="020B0604030504040204" pitchFamily="34" charset="0"/>
-                <a:ea typeface="Verdana" panose="020B0604030504040204" pitchFamily="34" charset="0"/>
-                <a:cs typeface="Courier New" panose="02070309020205020404" pitchFamily="49" charset="0"/>
-              </a:rPr>
-              <a:t> − 1, j − 1) + if x ≡ y then 0 else 1] </a:t>
-            </a:r>
-          </a:p>
-          <a:p>
-            <a:r>
-              <a:rPr lang="en-GB" sz="500" kern="100" spc="-46" dirty="0">
-                <a:latin typeface="Verdana" panose="020B0604030504040204" pitchFamily="34" charset="0"/>
-                <a:ea typeface="Verdana" panose="020B0604030504040204" pitchFamily="34" charset="0"/>
-                <a:cs typeface="Courier New" panose="02070309020205020404" pitchFamily="49" charset="0"/>
-              </a:rPr>
-              <a:t>        where x = </a:t>
-            </a:r>
-            <a:r>
-              <a:rPr lang="en-GB" sz="500" kern="100" spc="-46" dirty="0" err="1">
-                <a:latin typeface="Verdana" panose="020B0604030504040204" pitchFamily="34" charset="0"/>
-                <a:ea typeface="Verdana" panose="020B0604030504040204" pitchFamily="34" charset="0"/>
-                <a:cs typeface="Courier New" panose="02070309020205020404" pitchFamily="49" charset="0"/>
-              </a:rPr>
-              <a:t>axs</a:t>
-            </a:r>
-            <a:r>
-              <a:rPr lang="en-GB" sz="500" kern="100" spc="-46" dirty="0">
-                <a:latin typeface="Verdana" panose="020B0604030504040204" pitchFamily="34" charset="0"/>
-                <a:ea typeface="Verdana" panose="020B0604030504040204" pitchFamily="34" charset="0"/>
-                <a:cs typeface="Courier New" panose="02070309020205020404" pitchFamily="49" charset="0"/>
-              </a:rPr>
-              <a:t> ! (m − </a:t>
-            </a:r>
-            <a:r>
-              <a:rPr lang="en-GB" sz="500" kern="100" spc="-46" dirty="0" err="1">
-                <a:latin typeface="Verdana" panose="020B0604030504040204" pitchFamily="34" charset="0"/>
-                <a:ea typeface="Verdana" panose="020B0604030504040204" pitchFamily="34" charset="0"/>
-                <a:cs typeface="Courier New" panose="02070309020205020404" pitchFamily="49" charset="0"/>
-              </a:rPr>
-              <a:t>i</a:t>
-            </a:r>
-            <a:r>
-              <a:rPr lang="en-GB" sz="500" kern="100" spc="-46" dirty="0">
-                <a:latin typeface="Verdana" panose="020B0604030504040204" pitchFamily="34" charset="0"/>
-                <a:ea typeface="Verdana" panose="020B0604030504040204" pitchFamily="34" charset="0"/>
-                <a:cs typeface="Courier New" panose="02070309020205020404" pitchFamily="49" charset="0"/>
-              </a:rPr>
-              <a:t>) </a:t>
-            </a:r>
-          </a:p>
-          <a:p>
-            <a:r>
-              <a:rPr lang="en-GB" sz="500" kern="100" spc="-46" dirty="0">
-                <a:latin typeface="Verdana" panose="020B0604030504040204" pitchFamily="34" charset="0"/>
-                <a:ea typeface="Verdana" panose="020B0604030504040204" pitchFamily="34" charset="0"/>
-                <a:cs typeface="Courier New" panose="02070309020205020404" pitchFamily="49" charset="0"/>
-              </a:rPr>
-              <a:t>                   y = </a:t>
-            </a:r>
-            <a:r>
-              <a:rPr lang="en-GB" sz="500" kern="100" spc="-46" dirty="0" err="1">
-                <a:latin typeface="Verdana" panose="020B0604030504040204" pitchFamily="34" charset="0"/>
-                <a:ea typeface="Verdana" panose="020B0604030504040204" pitchFamily="34" charset="0"/>
-                <a:cs typeface="Courier New" panose="02070309020205020404" pitchFamily="49" charset="0"/>
-              </a:rPr>
-              <a:t>ays</a:t>
-            </a:r>
-            <a:r>
-              <a:rPr lang="en-GB" sz="500" kern="100" spc="-46" dirty="0">
-                <a:latin typeface="Verdana" panose="020B0604030504040204" pitchFamily="34" charset="0"/>
-                <a:ea typeface="Verdana" panose="020B0604030504040204" pitchFamily="34" charset="0"/>
-                <a:cs typeface="Courier New" panose="02070309020205020404" pitchFamily="49" charset="0"/>
-              </a:rPr>
-              <a:t> ! (n − j) </a:t>
-            </a:r>
-          </a:p>
-          <a:p>
-            <a:r>
-              <a:rPr lang="en-GB" sz="500" kern="100" spc="-46" dirty="0">
-                <a:latin typeface="Verdana" panose="020B0604030504040204" pitchFamily="34" charset="0"/>
-                <a:ea typeface="Verdana" panose="020B0604030504040204" pitchFamily="34" charset="0"/>
-                <a:cs typeface="Courier New" panose="02070309020205020404" pitchFamily="49" charset="0"/>
-              </a:rPr>
-              <a:t>                   m = length </a:t>
-            </a:r>
-            <a:r>
-              <a:rPr lang="en-GB" sz="500" kern="100" spc="-46" dirty="0" err="1">
-                <a:latin typeface="Verdana" panose="020B0604030504040204" pitchFamily="34" charset="0"/>
-                <a:ea typeface="Verdana" panose="020B0604030504040204" pitchFamily="34" charset="0"/>
-                <a:cs typeface="Courier New" panose="02070309020205020404" pitchFamily="49" charset="0"/>
-              </a:rPr>
-              <a:t>xs</a:t>
-            </a:r>
-            <a:r>
-              <a:rPr lang="en-GB" sz="500" kern="100" spc="-46" dirty="0">
-                <a:latin typeface="Verdana" panose="020B0604030504040204" pitchFamily="34" charset="0"/>
-                <a:ea typeface="Verdana" panose="020B0604030504040204" pitchFamily="34" charset="0"/>
-                <a:cs typeface="Courier New" panose="02070309020205020404" pitchFamily="49" charset="0"/>
-              </a:rPr>
-              <a:t> </a:t>
-            </a:r>
-          </a:p>
-          <a:p>
-            <a:r>
-              <a:rPr lang="en-GB" sz="500" kern="100" spc="-46" dirty="0">
-                <a:latin typeface="Verdana" panose="020B0604030504040204" pitchFamily="34" charset="0"/>
-                <a:ea typeface="Verdana" panose="020B0604030504040204" pitchFamily="34" charset="0"/>
-                <a:cs typeface="Courier New" panose="02070309020205020404" pitchFamily="49" charset="0"/>
-              </a:rPr>
-              <a:t>                   n = length </a:t>
-            </a:r>
-            <a:r>
-              <a:rPr lang="en-GB" sz="500" kern="100" spc="-46" dirty="0" err="1">
-                <a:latin typeface="Verdana" panose="020B0604030504040204" pitchFamily="34" charset="0"/>
-                <a:ea typeface="Verdana" panose="020B0604030504040204" pitchFamily="34" charset="0"/>
-                <a:cs typeface="Courier New" panose="02070309020205020404" pitchFamily="49" charset="0"/>
-              </a:rPr>
-              <a:t>ys</a:t>
-            </a:r>
-            <a:r>
-              <a:rPr lang="en-GB" sz="500" kern="100" spc="-46" dirty="0">
-                <a:latin typeface="Verdana" panose="020B0604030504040204" pitchFamily="34" charset="0"/>
-                <a:ea typeface="Verdana" panose="020B0604030504040204" pitchFamily="34" charset="0"/>
-                <a:cs typeface="Courier New" panose="02070309020205020404" pitchFamily="49" charset="0"/>
-              </a:rPr>
-              <a:t> </a:t>
-            </a:r>
-          </a:p>
-          <a:p>
-            <a:r>
-              <a:rPr lang="en-GB" sz="500" kern="100" spc="-46" dirty="0">
-                <a:latin typeface="Verdana" panose="020B0604030504040204" pitchFamily="34" charset="0"/>
-                <a:ea typeface="Verdana" panose="020B0604030504040204" pitchFamily="34" charset="0"/>
-                <a:cs typeface="Courier New" panose="02070309020205020404" pitchFamily="49" charset="0"/>
-              </a:rPr>
-              <a:t>                   </a:t>
-            </a:r>
-            <a:r>
-              <a:rPr lang="en-GB" sz="500" kern="100" spc="-46" dirty="0" err="1">
-                <a:latin typeface="Verdana" panose="020B0604030504040204" pitchFamily="34" charset="0"/>
-                <a:ea typeface="Verdana" panose="020B0604030504040204" pitchFamily="34" charset="0"/>
-                <a:cs typeface="Courier New" panose="02070309020205020404" pitchFamily="49" charset="0"/>
-              </a:rPr>
-              <a:t>axs</a:t>
-            </a:r>
-            <a:r>
-              <a:rPr lang="en-GB" sz="500" kern="100" spc="-46" dirty="0">
-                <a:latin typeface="Verdana" panose="020B0604030504040204" pitchFamily="34" charset="0"/>
-                <a:ea typeface="Verdana" panose="020B0604030504040204" pitchFamily="34" charset="0"/>
-                <a:cs typeface="Courier New" panose="02070309020205020404" pitchFamily="49" charset="0"/>
-              </a:rPr>
-              <a:t>, </a:t>
-            </a:r>
-            <a:r>
-              <a:rPr lang="en-GB" sz="500" kern="100" spc="-46" dirty="0" err="1">
-                <a:latin typeface="Verdana" panose="020B0604030504040204" pitchFamily="34" charset="0"/>
-                <a:ea typeface="Verdana" panose="020B0604030504040204" pitchFamily="34" charset="0"/>
-                <a:cs typeface="Courier New" panose="02070309020205020404" pitchFamily="49" charset="0"/>
-              </a:rPr>
-              <a:t>ays</a:t>
-            </a:r>
-            <a:r>
-              <a:rPr lang="en-GB" sz="500" kern="100" spc="-46" dirty="0">
-                <a:latin typeface="Verdana" panose="020B0604030504040204" pitchFamily="34" charset="0"/>
-                <a:ea typeface="Verdana" panose="020B0604030504040204" pitchFamily="34" charset="0"/>
-                <a:cs typeface="Courier New" panose="02070309020205020404" pitchFamily="49" charset="0"/>
-              </a:rPr>
-              <a:t> :: Array Int Char </a:t>
-            </a:r>
-          </a:p>
-          <a:p>
-            <a:r>
-              <a:rPr lang="en-GB" sz="500" kern="100" spc="-46" dirty="0">
-                <a:latin typeface="Verdana" panose="020B0604030504040204" pitchFamily="34" charset="0"/>
-                <a:ea typeface="Verdana" panose="020B0604030504040204" pitchFamily="34" charset="0"/>
-                <a:cs typeface="Courier New" panose="02070309020205020404" pitchFamily="49" charset="0"/>
-              </a:rPr>
-              <a:t>                   </a:t>
-            </a:r>
-            <a:r>
-              <a:rPr lang="en-GB" sz="500" kern="100" spc="-46" dirty="0" err="1">
-                <a:latin typeface="Verdana" panose="020B0604030504040204" pitchFamily="34" charset="0"/>
-                <a:ea typeface="Verdana" panose="020B0604030504040204" pitchFamily="34" charset="0"/>
-                <a:cs typeface="Courier New" panose="02070309020205020404" pitchFamily="49" charset="0"/>
-              </a:rPr>
-              <a:t>axs</a:t>
-            </a:r>
-            <a:r>
-              <a:rPr lang="en-GB" sz="500" kern="100" spc="-46" dirty="0">
-                <a:latin typeface="Verdana" panose="020B0604030504040204" pitchFamily="34" charset="0"/>
-                <a:ea typeface="Verdana" panose="020B0604030504040204" pitchFamily="34" charset="0"/>
-                <a:cs typeface="Courier New" panose="02070309020205020404" pitchFamily="49" charset="0"/>
-              </a:rPr>
-              <a:t> = </a:t>
-            </a:r>
-            <a:r>
-              <a:rPr lang="en-GB" sz="500" kern="100" spc="-46" dirty="0" err="1">
-                <a:latin typeface="Verdana" panose="020B0604030504040204" pitchFamily="34" charset="0"/>
-                <a:ea typeface="Verdana" panose="020B0604030504040204" pitchFamily="34" charset="0"/>
-                <a:cs typeface="Courier New" panose="02070309020205020404" pitchFamily="49" charset="0"/>
-              </a:rPr>
-              <a:t>fromList</a:t>
-            </a:r>
-            <a:r>
-              <a:rPr lang="en-GB" sz="500" kern="100" spc="-46" dirty="0">
-                <a:latin typeface="Verdana" panose="020B0604030504040204" pitchFamily="34" charset="0"/>
-                <a:ea typeface="Verdana" panose="020B0604030504040204" pitchFamily="34" charset="0"/>
-                <a:cs typeface="Courier New" panose="02070309020205020404" pitchFamily="49" charset="0"/>
-              </a:rPr>
-              <a:t> </a:t>
-            </a:r>
-            <a:r>
-              <a:rPr lang="en-GB" sz="500" kern="100" spc="-46" dirty="0" err="1">
-                <a:latin typeface="Verdana" panose="020B0604030504040204" pitchFamily="34" charset="0"/>
-                <a:ea typeface="Verdana" panose="020B0604030504040204" pitchFamily="34" charset="0"/>
-                <a:cs typeface="Courier New" panose="02070309020205020404" pitchFamily="49" charset="0"/>
-              </a:rPr>
-              <a:t>xs</a:t>
-            </a:r>
-            <a:r>
-              <a:rPr lang="en-GB" sz="500" kern="100" spc="-46" dirty="0">
-                <a:latin typeface="Verdana" panose="020B0604030504040204" pitchFamily="34" charset="0"/>
-                <a:ea typeface="Verdana" panose="020B0604030504040204" pitchFamily="34" charset="0"/>
-                <a:cs typeface="Courier New" panose="02070309020205020404" pitchFamily="49" charset="0"/>
-              </a:rPr>
-              <a:t> </a:t>
-            </a:r>
-          </a:p>
-          <a:p>
-            <a:r>
-              <a:rPr lang="en-GB" sz="500" kern="100" spc="-46" dirty="0">
-                <a:latin typeface="Verdana" panose="020B0604030504040204" pitchFamily="34" charset="0"/>
-                <a:ea typeface="Verdana" panose="020B0604030504040204" pitchFamily="34" charset="0"/>
-                <a:cs typeface="Courier New" panose="02070309020205020404" pitchFamily="49" charset="0"/>
-              </a:rPr>
-              <a:t>                   </a:t>
-            </a:r>
-            <a:r>
-              <a:rPr lang="en-GB" sz="500" kern="100" spc="-46" dirty="0" err="1">
-                <a:latin typeface="Verdana" panose="020B0604030504040204" pitchFamily="34" charset="0"/>
-                <a:ea typeface="Verdana" panose="020B0604030504040204" pitchFamily="34" charset="0"/>
-                <a:cs typeface="Courier New" panose="02070309020205020404" pitchFamily="49" charset="0"/>
-              </a:rPr>
-              <a:t>ays</a:t>
-            </a:r>
-            <a:r>
-              <a:rPr lang="en-GB" sz="500" kern="100" spc="-46" dirty="0">
-                <a:latin typeface="Verdana" panose="020B0604030504040204" pitchFamily="34" charset="0"/>
-                <a:ea typeface="Verdana" panose="020B0604030504040204" pitchFamily="34" charset="0"/>
-                <a:cs typeface="Courier New" panose="02070309020205020404" pitchFamily="49" charset="0"/>
-              </a:rPr>
-              <a:t> = </a:t>
-            </a:r>
-            <a:r>
-              <a:rPr lang="en-GB" sz="500" kern="100" spc="-46" dirty="0" err="1">
-                <a:latin typeface="Verdana" panose="020B0604030504040204" pitchFamily="34" charset="0"/>
-                <a:ea typeface="Verdana" panose="020B0604030504040204" pitchFamily="34" charset="0"/>
-                <a:cs typeface="Courier New" panose="02070309020205020404" pitchFamily="49" charset="0"/>
-              </a:rPr>
-              <a:t>fromList</a:t>
-            </a:r>
-            <a:r>
-              <a:rPr lang="en-GB" sz="500" kern="100" spc="-46" dirty="0">
-                <a:latin typeface="Verdana" panose="020B0604030504040204" pitchFamily="34" charset="0"/>
-                <a:ea typeface="Verdana" panose="020B0604030504040204" pitchFamily="34" charset="0"/>
-                <a:cs typeface="Courier New" panose="02070309020205020404" pitchFamily="49" charset="0"/>
-              </a:rPr>
-              <a:t> </a:t>
-            </a:r>
-            <a:r>
-              <a:rPr lang="en-GB" sz="500" kern="100" spc="-46" dirty="0" err="1">
-                <a:latin typeface="Verdana" panose="020B0604030504040204" pitchFamily="34" charset="0"/>
-                <a:ea typeface="Verdana" panose="020B0604030504040204" pitchFamily="34" charset="0"/>
-                <a:cs typeface="Courier New" panose="02070309020205020404" pitchFamily="49" charset="0"/>
-              </a:rPr>
-              <a:t>ys</a:t>
+            <a:r>
+              <a:rPr lang="en-GB" sz="500" b="1" kern="100" spc="-46">
+                <a:latin typeface="Verdana" panose="020B0604030504040204" pitchFamily="34" charset="0"/>
+                <a:ea typeface="Verdana" panose="020B0604030504040204" pitchFamily="34" charset="0"/>
+                <a:cs typeface="Courier New" panose="02070309020205020404" pitchFamily="49" charset="0"/>
+              </a:rPr>
+              <a:t>(*)</a:t>
+            </a:r>
+            <a:endParaRPr lang="en-GB" sz="500" kern="100" spc="-46">
+              <a:latin typeface="Verdana" panose="020B0604030504040204" pitchFamily="34" charset="0"/>
+              <a:ea typeface="Verdana" panose="020B0604030504040204" pitchFamily="34" charset="0"/>
+              <a:cs typeface="Courier New" panose="02070309020205020404" pitchFamily="49" charset="0"/>
+            </a:endParaRPr>
+          </a:p>
+          <a:p>
+            <a:r>
+              <a:rPr lang="en-GB" sz="500" kern="100" spc="-46">
+                <a:latin typeface="Verdana" panose="020B0604030504040204" pitchFamily="34" charset="0"/>
+                <a:ea typeface="Verdana" panose="020B0604030504040204" pitchFamily="34" charset="0"/>
+                <a:cs typeface="Courier New" panose="02070309020205020404" pitchFamily="49" charset="0"/>
+              </a:rPr>
+              <a:t>This says for any given data xsi, the cost of executing the operation opi is less than the amortized cost, plus the difference between the datastructure before and after the operation. If this inequality can be shown to be true, then the summation over a series of operations is given by:</a:t>
             </a:r>
             <a:endParaRPr lang="en-GB" sz="500" kern="100" spc="-46" dirty="0">
               <a:latin typeface="Verdana" panose="020B0604030504040204" pitchFamily="34" charset="0"/>
               <a:ea typeface="Verdana" panose="020B0604030504040204" pitchFamily="34" charset="0"/>
               <a:cs typeface="Courier New" panose="02070309020205020404" pitchFamily="49" charset="0"/>
             </a:endParaRPr>
-          </a:p>
-          <a:p>
-            <a:r>
-              <a:rPr lang="en-GB" sz="500" kern="100" spc="-46" dirty="0">
-                <a:latin typeface="Verdana" panose="020B0604030504040204" pitchFamily="34" charset="0"/>
-                <a:ea typeface="Verdana" panose="020B0604030504040204" pitchFamily="34" charset="0"/>
-                <a:cs typeface="Courier New" panose="02070309020205020404" pitchFamily="49" charset="0"/>
-              </a:rPr>
-              <a:t>We can also do </a:t>
-            </a:r>
-            <a:r>
-              <a:rPr lang="en-GB" sz="500" kern="100" spc="-46" dirty="0" err="1">
-                <a:latin typeface="Verdana" panose="020B0604030504040204" pitchFamily="34" charset="0"/>
-                <a:ea typeface="Verdana" panose="020B0604030504040204" pitchFamily="34" charset="0"/>
-                <a:cs typeface="Courier New" panose="02070309020205020404" pitchFamily="49" charset="0"/>
-              </a:rPr>
-              <a:t>axs</a:t>
-            </a:r>
-            <a:r>
-              <a:rPr lang="en-GB" sz="500" kern="100" spc="-46" dirty="0">
-                <a:latin typeface="Verdana" panose="020B0604030504040204" pitchFamily="34" charset="0"/>
-                <a:ea typeface="Verdana" panose="020B0604030504040204" pitchFamily="34" charset="0"/>
-                <a:cs typeface="Courier New" panose="02070309020205020404" pitchFamily="49" charset="0"/>
-              </a:rPr>
-              <a:t> = </a:t>
-            </a:r>
-            <a:r>
-              <a:rPr lang="en-GB" sz="500" kern="100" spc="-46" dirty="0" err="1">
-                <a:latin typeface="Verdana" panose="020B0604030504040204" pitchFamily="34" charset="0"/>
-                <a:ea typeface="Verdana" panose="020B0604030504040204" pitchFamily="34" charset="0"/>
-                <a:cs typeface="Courier New" panose="02070309020205020404" pitchFamily="49" charset="0"/>
-              </a:rPr>
-              <a:t>listArray</a:t>
-            </a:r>
-            <a:r>
-              <a:rPr lang="en-GB" sz="500" kern="100" spc="-46" dirty="0">
-                <a:latin typeface="Verdana" panose="020B0604030504040204" pitchFamily="34" charset="0"/>
-                <a:ea typeface="Verdana" panose="020B0604030504040204" pitchFamily="34" charset="0"/>
-                <a:cs typeface="Courier New" panose="02070309020205020404" pitchFamily="49" charset="0"/>
-              </a:rPr>
-              <a:t> (0, length xs-1) </a:t>
-            </a:r>
-            <a:r>
-              <a:rPr lang="en-GB" sz="500" kern="100" spc="-46" dirty="0" err="1">
-                <a:latin typeface="Verdana" panose="020B0604030504040204" pitchFamily="34" charset="0"/>
-                <a:ea typeface="Verdana" panose="020B0604030504040204" pitchFamily="34" charset="0"/>
-                <a:cs typeface="Courier New" panose="02070309020205020404" pitchFamily="49" charset="0"/>
-              </a:rPr>
-              <a:t>xs</a:t>
-            </a:r>
-            <a:endParaRPr lang="en-GB" sz="500" kern="100" spc="-46" dirty="0">
-              <a:latin typeface="Verdana" panose="020B0604030504040204" pitchFamily="34" charset="0"/>
-              <a:ea typeface="Verdana" panose="020B0604030504040204" pitchFamily="34" charset="0"/>
-              <a:cs typeface="Courier New" panose="02070309020205020404" pitchFamily="49" charset="0"/>
-            </a:endParaRPr>
-          </a:p>
-          <a:p>
-            <a:r>
-              <a:rPr lang="en-GB" sz="500" b="1" u="sng" kern="100" spc="-46" dirty="0">
-                <a:latin typeface="Verdana" panose="020B0604030504040204" pitchFamily="34" charset="0"/>
-                <a:ea typeface="Verdana" panose="020B0604030504040204" pitchFamily="34" charset="0"/>
-                <a:cs typeface="Courier New" panose="02070309020205020404" pitchFamily="49" charset="0"/>
-              </a:rPr>
-              <a:t>8) Amortized Analysis </a:t>
-            </a:r>
-            <a:r>
-              <a:rPr lang="en-GB" sz="500" kern="100" spc="-46" dirty="0">
-                <a:latin typeface="Verdana" panose="020B0604030504040204" pitchFamily="34" charset="0"/>
-                <a:ea typeface="Verdana" panose="020B0604030504040204" pitchFamily="34" charset="0"/>
-                <a:cs typeface="Courier New" panose="02070309020205020404" pitchFamily="49" charset="0"/>
-              </a:rPr>
-              <a:t> - Sometimes the cost of an algorithm can’t be derived by its  singular runtime – we need the wider context. This is done with </a:t>
-            </a:r>
-            <a:r>
-              <a:rPr lang="en-GB" sz="500" b="1" kern="100" spc="-46" dirty="0">
-                <a:latin typeface="Verdana" panose="020B0604030504040204" pitchFamily="34" charset="0"/>
-                <a:ea typeface="Verdana" panose="020B0604030504040204" pitchFamily="34" charset="0"/>
-                <a:cs typeface="Courier New" panose="02070309020205020404" pitchFamily="49" charset="0"/>
-              </a:rPr>
-              <a:t>Amortized Analysis</a:t>
-            </a:r>
-            <a:r>
-              <a:rPr lang="en-GB" sz="500" kern="100" spc="-46" dirty="0">
-                <a:latin typeface="Verdana" panose="020B0604030504040204" pitchFamily="34" charset="0"/>
-                <a:ea typeface="Verdana" panose="020B0604030504040204" pitchFamily="34" charset="0"/>
-                <a:cs typeface="Courier New" panose="02070309020205020404" pitchFamily="49" charset="0"/>
-              </a:rPr>
-              <a:t>. </a:t>
-            </a:r>
-          </a:p>
-          <a:p>
-            <a:r>
-              <a:rPr lang="en-GB" sz="500" b="1" kern="100" spc="-46" dirty="0">
-                <a:latin typeface="Verdana" panose="020B0604030504040204" pitchFamily="34" charset="0"/>
-                <a:ea typeface="Verdana" panose="020B0604030504040204" pitchFamily="34" charset="0"/>
-                <a:cs typeface="Courier New" panose="02070309020205020404" pitchFamily="49" charset="0"/>
-              </a:rPr>
-              <a:t>8.1) Deques</a:t>
-            </a:r>
-            <a:r>
-              <a:rPr lang="en-GB" sz="500" kern="100" spc="-46" dirty="0">
-                <a:latin typeface="Verdana" panose="020B0604030504040204" pitchFamily="34" charset="0"/>
-                <a:ea typeface="Verdana" panose="020B0604030504040204" pitchFamily="34" charset="0"/>
-                <a:cs typeface="Courier New" panose="02070309020205020404" pitchFamily="49" charset="0"/>
-              </a:rPr>
-              <a:t> -  in normal lists, adding to the back is expensive (O(n)). This is shown with </a:t>
-            </a:r>
-            <a:r>
-              <a:rPr lang="en-GB" sz="500" kern="100" spc="-46" dirty="0" err="1">
-                <a:latin typeface="Verdana" panose="020B0604030504040204" pitchFamily="34" charset="0"/>
-                <a:ea typeface="Verdana" panose="020B0604030504040204" pitchFamily="34" charset="0"/>
-                <a:cs typeface="Courier New" panose="02070309020205020404" pitchFamily="49" charset="0"/>
-              </a:rPr>
-              <a:t>snoc</a:t>
-            </a:r>
-            <a:r>
-              <a:rPr lang="en-GB" sz="500" kern="100" spc="-46" dirty="0">
-                <a:latin typeface="Verdana" panose="020B0604030504040204" pitchFamily="34" charset="0"/>
-                <a:ea typeface="Verdana" panose="020B0604030504040204" pitchFamily="34" charset="0"/>
-                <a:cs typeface="Courier New" panose="02070309020205020404" pitchFamily="49" charset="0"/>
-              </a:rPr>
-              <a:t> – based on ++. A double ended queue is a queue where elements can be added to the front or back of the list. </a:t>
-            </a:r>
-            <a:r>
-              <a:rPr lang="pt-BR" sz="500" kern="100" spc="-46" dirty="0">
-                <a:latin typeface="Verdana" panose="020B0604030504040204" pitchFamily="34" charset="0"/>
-                <a:ea typeface="Verdana" panose="020B0604030504040204" pitchFamily="34" charset="0"/>
-                <a:cs typeface="Courier New" panose="02070309020205020404" pitchFamily="49" charset="0"/>
-              </a:rPr>
-              <a:t>data Deque a = Deque [a][a]</a:t>
-            </a:r>
-            <a:r>
-              <a:rPr lang="en-GB" sz="500" kern="100" spc="-46" dirty="0">
-                <a:latin typeface="Verdana" panose="020B0604030504040204" pitchFamily="34" charset="0"/>
-                <a:ea typeface="Verdana" panose="020B0604030504040204" pitchFamily="34" charset="0"/>
-                <a:cs typeface="Courier New" panose="02070309020205020404" pitchFamily="49" charset="0"/>
-              </a:rPr>
-              <a:t> Deques have two lists – </a:t>
-            </a:r>
-            <a:r>
-              <a:rPr lang="en-GB" sz="500" kern="100" spc="-46" dirty="0" err="1">
-                <a:latin typeface="Verdana" panose="020B0604030504040204" pitchFamily="34" charset="0"/>
-                <a:ea typeface="Verdana" panose="020B0604030504040204" pitchFamily="34" charset="0"/>
-                <a:cs typeface="Courier New" panose="02070309020205020404" pitchFamily="49" charset="0"/>
-              </a:rPr>
-              <a:t>xs</a:t>
-            </a:r>
-            <a:r>
-              <a:rPr lang="en-GB" sz="500" kern="100" spc="-46" dirty="0">
-                <a:latin typeface="Verdana" panose="020B0604030504040204" pitchFamily="34" charset="0"/>
-                <a:ea typeface="Verdana" panose="020B0604030504040204" pitchFamily="34" charset="0"/>
-                <a:cs typeface="Courier New" panose="02070309020205020404" pitchFamily="49" charset="0"/>
-              </a:rPr>
-              <a:t> and </a:t>
-            </a:r>
-            <a:r>
-              <a:rPr lang="en-GB" sz="500" kern="100" spc="-46" dirty="0" err="1">
-                <a:latin typeface="Verdana" panose="020B0604030504040204" pitchFamily="34" charset="0"/>
-                <a:ea typeface="Verdana" panose="020B0604030504040204" pitchFamily="34" charset="0"/>
-                <a:cs typeface="Courier New" panose="02070309020205020404" pitchFamily="49" charset="0"/>
-              </a:rPr>
-              <a:t>sy</a:t>
-            </a:r>
-            <a:r>
-              <a:rPr lang="en-GB" sz="500" kern="100" spc="-46" dirty="0">
-                <a:latin typeface="Verdana" panose="020B0604030504040204" pitchFamily="34" charset="0"/>
-                <a:ea typeface="Verdana" panose="020B0604030504040204" pitchFamily="34" charset="0"/>
-                <a:cs typeface="Courier New" panose="02070309020205020404" pitchFamily="49" charset="0"/>
-              </a:rPr>
-              <a:t>. This has a list of elements </a:t>
-            </a:r>
-            <a:r>
-              <a:rPr lang="en-GB" sz="500" kern="100" spc="-46" dirty="0" err="1">
-                <a:latin typeface="Verdana" panose="020B0604030504040204" pitchFamily="34" charset="0"/>
-                <a:ea typeface="Verdana" panose="020B0604030504040204" pitchFamily="34" charset="0"/>
-                <a:cs typeface="Courier New" panose="02070309020205020404" pitchFamily="49" charset="0"/>
-              </a:rPr>
-              <a:t>xs</a:t>
-            </a:r>
-            <a:r>
-              <a:rPr lang="en-GB" sz="500" kern="100" spc="-46" dirty="0">
-                <a:latin typeface="Verdana" panose="020B0604030504040204" pitchFamily="34" charset="0"/>
-                <a:ea typeface="Verdana" panose="020B0604030504040204" pitchFamily="34" charset="0"/>
-                <a:cs typeface="Courier New" panose="02070309020205020404" pitchFamily="49" charset="0"/>
-              </a:rPr>
-              <a:t>, and reversed elements </a:t>
-            </a:r>
-            <a:r>
-              <a:rPr lang="en-GB" sz="500" kern="100" spc="-46" dirty="0" err="1">
-                <a:latin typeface="Verdana" panose="020B0604030504040204" pitchFamily="34" charset="0"/>
-                <a:ea typeface="Verdana" panose="020B0604030504040204" pitchFamily="34" charset="0"/>
-                <a:cs typeface="Courier New" panose="02070309020205020404" pitchFamily="49" charset="0"/>
-              </a:rPr>
-              <a:t>sy</a:t>
-            </a:r>
-            <a:r>
-              <a:rPr lang="en-GB" sz="500" kern="100" spc="-46" dirty="0">
-                <a:latin typeface="Verdana" panose="020B0604030504040204" pitchFamily="34" charset="0"/>
-                <a:ea typeface="Verdana" panose="020B0604030504040204" pitchFamily="34" charset="0"/>
-                <a:cs typeface="Courier New" panose="02070309020205020404" pitchFamily="49" charset="0"/>
-              </a:rPr>
-              <a:t>. To add to the back we add to the second list. This is because </a:t>
-            </a:r>
-            <a:r>
-              <a:rPr lang="en-GB" sz="500" kern="100" spc="-46" dirty="0" err="1">
-                <a:latin typeface="Verdana" panose="020B0604030504040204" pitchFamily="34" charset="0"/>
-                <a:ea typeface="Verdana" panose="020B0604030504040204" pitchFamily="34" charset="0"/>
-                <a:cs typeface="Courier New" panose="02070309020205020404" pitchFamily="49" charset="0"/>
-              </a:rPr>
-              <a:t>toList</a:t>
-            </a:r>
-            <a:r>
-              <a:rPr lang="en-GB" sz="500" kern="100" spc="-46" dirty="0">
-                <a:latin typeface="Verdana" panose="020B0604030504040204" pitchFamily="34" charset="0"/>
-                <a:ea typeface="Verdana" panose="020B0604030504040204" pitchFamily="34" charset="0"/>
-                <a:cs typeface="Courier New" panose="02070309020205020404" pitchFamily="49" charset="0"/>
-              </a:rPr>
-              <a:t> is implemented by </a:t>
-            </a:r>
-            <a:r>
-              <a:rPr lang="en-GB" sz="500" kern="100" spc="-46" dirty="0" err="1">
-                <a:latin typeface="Verdana" panose="020B0604030504040204" pitchFamily="34" charset="0"/>
-                <a:ea typeface="Verdana" panose="020B0604030504040204" pitchFamily="34" charset="0"/>
-                <a:cs typeface="Courier New" panose="02070309020205020404" pitchFamily="49" charset="0"/>
-              </a:rPr>
-              <a:t>xs</a:t>
-            </a:r>
-            <a:r>
-              <a:rPr lang="en-GB" sz="500" kern="100" spc="-46" dirty="0">
-                <a:latin typeface="Verdana" panose="020B0604030504040204" pitchFamily="34" charset="0"/>
-                <a:ea typeface="Verdana" panose="020B0604030504040204" pitchFamily="34" charset="0"/>
-                <a:cs typeface="Courier New" panose="02070309020205020404" pitchFamily="49" charset="0"/>
-              </a:rPr>
-              <a:t> ++ reverse </a:t>
-            </a:r>
-            <a:r>
-              <a:rPr lang="en-GB" sz="500" kern="100" spc="-46" dirty="0" err="1">
-                <a:latin typeface="Verdana" panose="020B0604030504040204" pitchFamily="34" charset="0"/>
-                <a:ea typeface="Verdana" panose="020B0604030504040204" pitchFamily="34" charset="0"/>
-                <a:cs typeface="Courier New" panose="02070309020205020404" pitchFamily="49" charset="0"/>
-              </a:rPr>
-              <a:t>sy</a:t>
-            </a:r>
-            <a:r>
-              <a:rPr lang="en-GB" sz="500" kern="100" spc="-46" dirty="0">
-                <a:latin typeface="Verdana" panose="020B0604030504040204" pitchFamily="34" charset="0"/>
-                <a:ea typeface="Verdana" panose="020B0604030504040204" pitchFamily="34" charset="0"/>
-                <a:cs typeface="Courier New" panose="02070309020205020404" pitchFamily="49" charset="0"/>
-              </a:rPr>
-              <a:t>, so </a:t>
-            </a:r>
-            <a:r>
-              <a:rPr lang="en-GB" sz="500" kern="100" spc="-46" dirty="0" err="1">
-                <a:latin typeface="Verdana" panose="020B0604030504040204" pitchFamily="34" charset="0"/>
-                <a:ea typeface="Verdana" panose="020B0604030504040204" pitchFamily="34" charset="0"/>
-                <a:cs typeface="Courier New" panose="02070309020205020404" pitchFamily="49" charset="0"/>
-              </a:rPr>
-              <a:t>sy</a:t>
-            </a:r>
-            <a:r>
-              <a:rPr lang="en-GB" sz="500" kern="100" spc="-46" dirty="0">
-                <a:latin typeface="Verdana" panose="020B0604030504040204" pitchFamily="34" charset="0"/>
-                <a:ea typeface="Verdana" panose="020B0604030504040204" pitchFamily="34" charset="0"/>
-                <a:cs typeface="Courier New" panose="02070309020205020404" pitchFamily="49" charset="0"/>
-              </a:rPr>
-              <a:t> is always reversed when we use it (and thus these operations are more expensive but adding to back is cheap). Two invariants are maintained to keep operations efficient </a:t>
-            </a:r>
-            <a:r>
-              <a:rPr lang="en-GB" sz="500" b="1" kern="100" spc="-46" dirty="0">
-                <a:latin typeface="Verdana" panose="020B0604030504040204" pitchFamily="34" charset="0"/>
-                <a:ea typeface="Verdana" panose="020B0604030504040204" pitchFamily="34" charset="0"/>
-                <a:cs typeface="Courier New" panose="02070309020205020404" pitchFamily="49" charset="0"/>
-              </a:rPr>
-              <a:t>as a whole</a:t>
-            </a:r>
-            <a:r>
-              <a:rPr lang="en-GB" sz="500" kern="100" spc="-46" dirty="0">
-                <a:latin typeface="Verdana" panose="020B0604030504040204" pitchFamily="34" charset="0"/>
-                <a:ea typeface="Verdana" panose="020B0604030504040204" pitchFamily="34" charset="0"/>
-                <a:cs typeface="Courier New" panose="02070309020205020404" pitchFamily="49" charset="0"/>
-              </a:rPr>
-              <a:t>: 1) </a:t>
-            </a:r>
-            <a:r>
-              <a:rPr lang="en-GB" sz="500" b="1" kern="100" spc="-46" dirty="0" err="1">
-                <a:latin typeface="Verdana" panose="020B0604030504040204" pitchFamily="34" charset="0"/>
-                <a:ea typeface="Verdana" panose="020B0604030504040204" pitchFamily="34" charset="0"/>
-                <a:cs typeface="Courier New" panose="02070309020205020404" pitchFamily="49" charset="0"/>
-              </a:rPr>
-              <a:t>isEmpty</a:t>
-            </a:r>
-            <a:r>
-              <a:rPr lang="en-GB" sz="500" b="1" kern="100" spc="-46" dirty="0">
-                <a:latin typeface="Verdana" panose="020B0604030504040204" pitchFamily="34" charset="0"/>
-                <a:ea typeface="Verdana" panose="020B0604030504040204" pitchFamily="34" charset="0"/>
-                <a:cs typeface="Courier New" panose="02070309020205020404" pitchFamily="49" charset="0"/>
-              </a:rPr>
-              <a:t> </a:t>
-            </a:r>
-            <a:r>
-              <a:rPr lang="en-GB" sz="500" b="1" kern="100" spc="-46" dirty="0" err="1">
-                <a:latin typeface="Verdana" panose="020B0604030504040204" pitchFamily="34" charset="0"/>
-                <a:ea typeface="Verdana" panose="020B0604030504040204" pitchFamily="34" charset="0"/>
-                <a:cs typeface="Courier New" panose="02070309020205020404" pitchFamily="49" charset="0"/>
-              </a:rPr>
-              <a:t>xs</a:t>
-            </a:r>
-            <a:r>
-              <a:rPr lang="en-GB" sz="500" b="1" kern="100" spc="-46" dirty="0">
-                <a:latin typeface="Verdana" panose="020B0604030504040204" pitchFamily="34" charset="0"/>
-                <a:ea typeface="Verdana" panose="020B0604030504040204" pitchFamily="34" charset="0"/>
-                <a:cs typeface="Courier New" panose="02070309020205020404" pitchFamily="49" charset="0"/>
-              </a:rPr>
-              <a:t> ⇒ </a:t>
-            </a:r>
-            <a:r>
-              <a:rPr lang="en-GB" sz="500" b="1" kern="100" spc="-46" dirty="0" err="1">
-                <a:latin typeface="Verdana" panose="020B0604030504040204" pitchFamily="34" charset="0"/>
-                <a:ea typeface="Verdana" panose="020B0604030504040204" pitchFamily="34" charset="0"/>
-                <a:cs typeface="Courier New" panose="02070309020205020404" pitchFamily="49" charset="0"/>
-              </a:rPr>
-              <a:t>isEmpty</a:t>
-            </a:r>
-            <a:r>
-              <a:rPr lang="en-GB" sz="500" b="1" kern="100" spc="-46" dirty="0">
-                <a:latin typeface="Verdana" panose="020B0604030504040204" pitchFamily="34" charset="0"/>
-                <a:ea typeface="Verdana" panose="020B0604030504040204" pitchFamily="34" charset="0"/>
-                <a:cs typeface="Courier New" panose="02070309020205020404" pitchFamily="49" charset="0"/>
-              </a:rPr>
-              <a:t> </a:t>
-            </a:r>
-            <a:r>
-              <a:rPr lang="en-GB" sz="500" b="1" kern="100" spc="-46" dirty="0" err="1">
-                <a:latin typeface="Verdana" panose="020B0604030504040204" pitchFamily="34" charset="0"/>
-                <a:ea typeface="Verdana" panose="020B0604030504040204" pitchFamily="34" charset="0"/>
-                <a:cs typeface="Courier New" panose="02070309020205020404" pitchFamily="49" charset="0"/>
-              </a:rPr>
-              <a:t>sy</a:t>
-            </a:r>
-            <a:r>
-              <a:rPr lang="en-GB" sz="500" b="1" kern="100" spc="-46" dirty="0">
-                <a:latin typeface="Verdana" panose="020B0604030504040204" pitchFamily="34" charset="0"/>
-                <a:ea typeface="Verdana" panose="020B0604030504040204" pitchFamily="34" charset="0"/>
-                <a:cs typeface="Courier New" panose="02070309020205020404" pitchFamily="49" charset="0"/>
-              </a:rPr>
-              <a:t> ∨ </a:t>
-            </a:r>
-            <a:r>
-              <a:rPr lang="en-GB" sz="500" b="1" kern="100" spc="-46" dirty="0" err="1">
-                <a:latin typeface="Verdana" panose="020B0604030504040204" pitchFamily="34" charset="0"/>
-                <a:ea typeface="Verdana" panose="020B0604030504040204" pitchFamily="34" charset="0"/>
-                <a:cs typeface="Courier New" panose="02070309020205020404" pitchFamily="49" charset="0"/>
-              </a:rPr>
-              <a:t>isSingle</a:t>
-            </a:r>
-            <a:r>
-              <a:rPr lang="en-GB" sz="500" b="1" kern="100" spc="-46" dirty="0">
-                <a:latin typeface="Verdana" panose="020B0604030504040204" pitchFamily="34" charset="0"/>
-                <a:ea typeface="Verdana" panose="020B0604030504040204" pitchFamily="34" charset="0"/>
-                <a:cs typeface="Courier New" panose="02070309020205020404" pitchFamily="49" charset="0"/>
-              </a:rPr>
-              <a:t> </a:t>
-            </a:r>
-            <a:r>
-              <a:rPr lang="en-GB" sz="500" b="1" kern="100" spc="-46" dirty="0" err="1">
-                <a:latin typeface="Verdana" panose="020B0604030504040204" pitchFamily="34" charset="0"/>
-                <a:ea typeface="Verdana" panose="020B0604030504040204" pitchFamily="34" charset="0"/>
-                <a:cs typeface="Courier New" panose="02070309020205020404" pitchFamily="49" charset="0"/>
-              </a:rPr>
-              <a:t>sy</a:t>
-            </a:r>
-            <a:endParaRPr lang="en-GB" sz="500" b="1" kern="100" spc="-46" dirty="0">
-              <a:latin typeface="Verdana" panose="020B0604030504040204" pitchFamily="34" charset="0"/>
-              <a:ea typeface="Verdana" panose="020B0604030504040204" pitchFamily="34" charset="0"/>
-              <a:cs typeface="Courier New" panose="02070309020205020404" pitchFamily="49" charset="0"/>
-            </a:endParaRPr>
-          </a:p>
-          <a:p>
-            <a:r>
-              <a:rPr lang="en-GB" sz="500" b="1" kern="100" spc="-46" dirty="0">
-                <a:latin typeface="Verdana" panose="020B0604030504040204" pitchFamily="34" charset="0"/>
-                <a:ea typeface="Verdana" panose="020B0604030504040204" pitchFamily="34" charset="0"/>
-                <a:cs typeface="Courier New" panose="02070309020205020404" pitchFamily="49" charset="0"/>
-              </a:rPr>
-              <a:t>2) </a:t>
-            </a:r>
-            <a:r>
-              <a:rPr lang="en-GB" sz="500" b="1" kern="100" spc="-46" dirty="0" err="1">
-                <a:latin typeface="Verdana" panose="020B0604030504040204" pitchFamily="34" charset="0"/>
-                <a:ea typeface="Verdana" panose="020B0604030504040204" pitchFamily="34" charset="0"/>
-                <a:cs typeface="Courier New" panose="02070309020205020404" pitchFamily="49" charset="0"/>
-              </a:rPr>
-              <a:t>isEmpty</a:t>
-            </a:r>
-            <a:r>
-              <a:rPr lang="en-GB" sz="500" b="1" kern="100" spc="-46" dirty="0">
-                <a:latin typeface="Verdana" panose="020B0604030504040204" pitchFamily="34" charset="0"/>
-                <a:ea typeface="Verdana" panose="020B0604030504040204" pitchFamily="34" charset="0"/>
-                <a:cs typeface="Courier New" panose="02070309020205020404" pitchFamily="49" charset="0"/>
-              </a:rPr>
-              <a:t> </a:t>
-            </a:r>
-            <a:r>
-              <a:rPr lang="en-GB" sz="500" b="1" kern="100" spc="-46" dirty="0" err="1">
-                <a:latin typeface="Verdana" panose="020B0604030504040204" pitchFamily="34" charset="0"/>
-                <a:ea typeface="Verdana" panose="020B0604030504040204" pitchFamily="34" charset="0"/>
-                <a:cs typeface="Courier New" panose="02070309020205020404" pitchFamily="49" charset="0"/>
-              </a:rPr>
-              <a:t>sy</a:t>
-            </a:r>
-            <a:r>
-              <a:rPr lang="en-GB" sz="500" b="1" kern="100" spc="-46" dirty="0">
-                <a:latin typeface="Verdana" panose="020B0604030504040204" pitchFamily="34" charset="0"/>
-                <a:ea typeface="Verdana" panose="020B0604030504040204" pitchFamily="34" charset="0"/>
-                <a:cs typeface="Courier New" panose="02070309020205020404" pitchFamily="49" charset="0"/>
-              </a:rPr>
-              <a:t> ⇒ </a:t>
-            </a:r>
-            <a:r>
-              <a:rPr lang="en-GB" sz="500" b="1" kern="100" spc="-46" dirty="0" err="1">
-                <a:latin typeface="Verdana" panose="020B0604030504040204" pitchFamily="34" charset="0"/>
-                <a:ea typeface="Verdana" panose="020B0604030504040204" pitchFamily="34" charset="0"/>
-                <a:cs typeface="Courier New" panose="02070309020205020404" pitchFamily="49" charset="0"/>
-              </a:rPr>
-              <a:t>isEmpty</a:t>
-            </a:r>
-            <a:r>
-              <a:rPr lang="en-GB" sz="500" b="1" kern="100" spc="-46" dirty="0">
-                <a:latin typeface="Verdana" panose="020B0604030504040204" pitchFamily="34" charset="0"/>
-                <a:ea typeface="Verdana" panose="020B0604030504040204" pitchFamily="34" charset="0"/>
-                <a:cs typeface="Courier New" panose="02070309020205020404" pitchFamily="49" charset="0"/>
-              </a:rPr>
-              <a:t> </a:t>
-            </a:r>
-            <a:r>
-              <a:rPr lang="en-GB" sz="500" b="1" kern="100" spc="-46" dirty="0" err="1">
-                <a:latin typeface="Verdana" panose="020B0604030504040204" pitchFamily="34" charset="0"/>
-                <a:ea typeface="Verdana" panose="020B0604030504040204" pitchFamily="34" charset="0"/>
-                <a:cs typeface="Courier New" panose="02070309020205020404" pitchFamily="49" charset="0"/>
-              </a:rPr>
-              <a:t>xs</a:t>
-            </a:r>
-            <a:r>
-              <a:rPr lang="en-GB" sz="500" b="1" kern="100" spc="-46" dirty="0">
-                <a:latin typeface="Verdana" panose="020B0604030504040204" pitchFamily="34" charset="0"/>
-                <a:ea typeface="Verdana" panose="020B0604030504040204" pitchFamily="34" charset="0"/>
-                <a:cs typeface="Courier New" panose="02070309020205020404" pitchFamily="49" charset="0"/>
-              </a:rPr>
-              <a:t> ∨ </a:t>
-            </a:r>
-            <a:r>
-              <a:rPr lang="en-GB" sz="500" b="1" kern="100" spc="-46" dirty="0" err="1">
-                <a:latin typeface="Verdana" panose="020B0604030504040204" pitchFamily="34" charset="0"/>
-                <a:ea typeface="Verdana" panose="020B0604030504040204" pitchFamily="34" charset="0"/>
-                <a:cs typeface="Courier New" panose="02070309020205020404" pitchFamily="49" charset="0"/>
-              </a:rPr>
-              <a:t>isSingle</a:t>
-            </a:r>
-            <a:r>
-              <a:rPr lang="en-GB" sz="500" b="1" kern="100" spc="-46" dirty="0">
-                <a:latin typeface="Verdana" panose="020B0604030504040204" pitchFamily="34" charset="0"/>
-                <a:ea typeface="Verdana" panose="020B0604030504040204" pitchFamily="34" charset="0"/>
-                <a:cs typeface="Courier New" panose="02070309020205020404" pitchFamily="49" charset="0"/>
-              </a:rPr>
-              <a:t> </a:t>
-            </a:r>
-            <a:r>
-              <a:rPr lang="en-GB" sz="500" b="1" kern="100" spc="-46" dirty="0" err="1">
-                <a:latin typeface="Verdana" panose="020B0604030504040204" pitchFamily="34" charset="0"/>
-                <a:ea typeface="Verdana" panose="020B0604030504040204" pitchFamily="34" charset="0"/>
-                <a:cs typeface="Courier New" panose="02070309020205020404" pitchFamily="49" charset="0"/>
-              </a:rPr>
-              <a:t>xs</a:t>
-            </a:r>
-            <a:endParaRPr lang="en-GB" sz="500" b="1" kern="100" spc="-46" dirty="0">
-              <a:latin typeface="Verdana" panose="020B0604030504040204" pitchFamily="34" charset="0"/>
-              <a:ea typeface="Verdana" panose="020B0604030504040204" pitchFamily="34" charset="0"/>
-              <a:cs typeface="Courier New" panose="02070309020205020404" pitchFamily="49" charset="0"/>
-            </a:endParaRPr>
-          </a:p>
-          <a:p>
-            <a:r>
-              <a:rPr lang="en-GB" sz="500" b="1" kern="100" spc="-46" dirty="0">
-                <a:latin typeface="Verdana" panose="020B0604030504040204" pitchFamily="34" charset="0"/>
-                <a:ea typeface="Verdana" panose="020B0604030504040204" pitchFamily="34" charset="0"/>
-                <a:cs typeface="Courier New" panose="02070309020205020404" pitchFamily="49" charset="0"/>
-              </a:rPr>
-              <a:t>If one of the lists is empty the other one has at most one element.</a:t>
-            </a:r>
-            <a:r>
-              <a:rPr lang="en-GB" sz="500" kern="100" spc="-46" dirty="0">
-                <a:latin typeface="Verdana" panose="020B0604030504040204" pitchFamily="34" charset="0"/>
-                <a:ea typeface="Verdana" panose="020B0604030504040204" pitchFamily="34" charset="0"/>
-                <a:cs typeface="Courier New" panose="02070309020205020404" pitchFamily="49" charset="0"/>
-              </a:rPr>
-              <a:t> </a:t>
-            </a:r>
-            <a:r>
-              <a:rPr lang="en-GB" sz="500" kern="100" spc="-46" dirty="0" err="1">
-                <a:latin typeface="Verdana" panose="020B0604030504040204" pitchFamily="34" charset="0"/>
-                <a:ea typeface="Verdana" panose="020B0604030504040204" pitchFamily="34" charset="0"/>
-                <a:cs typeface="Courier New" panose="02070309020205020404" pitchFamily="49" charset="0"/>
-              </a:rPr>
-              <a:t>fromList</a:t>
-            </a:r>
-            <a:r>
-              <a:rPr lang="en-GB" sz="500" kern="100" spc="-46" dirty="0">
-                <a:latin typeface="Verdana" panose="020B0604030504040204" pitchFamily="34" charset="0"/>
-                <a:ea typeface="Verdana" panose="020B0604030504040204" pitchFamily="34" charset="0"/>
-                <a:cs typeface="Courier New" panose="02070309020205020404" pitchFamily="49" charset="0"/>
-              </a:rPr>
-              <a:t> is then: </a:t>
-            </a:r>
-          </a:p>
-          <a:p>
-            <a:r>
-              <a:rPr lang="en-GB" sz="500" kern="100" spc="-46" dirty="0" err="1">
-                <a:latin typeface="Verdana" panose="020B0604030504040204" pitchFamily="34" charset="0"/>
-                <a:ea typeface="Verdana" panose="020B0604030504040204" pitchFamily="34" charset="0"/>
-                <a:cs typeface="Courier New" panose="02070309020205020404" pitchFamily="49" charset="0"/>
-              </a:rPr>
-              <a:t>fromList</a:t>
-            </a:r>
-            <a:r>
-              <a:rPr lang="en-GB" sz="500" kern="100" spc="-46" dirty="0">
-                <a:latin typeface="Verdana" panose="020B0604030504040204" pitchFamily="34" charset="0"/>
-                <a:ea typeface="Verdana" panose="020B0604030504040204" pitchFamily="34" charset="0"/>
-                <a:cs typeface="Courier New" panose="02070309020205020404" pitchFamily="49" charset="0"/>
-              </a:rPr>
-              <a:t> </a:t>
-            </a:r>
-            <a:r>
-              <a:rPr lang="en-GB" sz="500" kern="100" spc="-46" dirty="0" err="1">
-                <a:latin typeface="Verdana" panose="020B0604030504040204" pitchFamily="34" charset="0"/>
-                <a:ea typeface="Verdana" panose="020B0604030504040204" pitchFamily="34" charset="0"/>
-                <a:cs typeface="Courier New" panose="02070309020205020404" pitchFamily="49" charset="0"/>
-              </a:rPr>
-              <a:t>xs</a:t>
-            </a:r>
-            <a:r>
-              <a:rPr lang="en-GB" sz="500" kern="100" spc="-46" dirty="0">
-                <a:latin typeface="Verdana" panose="020B0604030504040204" pitchFamily="34" charset="0"/>
-                <a:ea typeface="Verdana" panose="020B0604030504040204" pitchFamily="34" charset="0"/>
-                <a:cs typeface="Courier New" panose="02070309020205020404" pitchFamily="49" charset="0"/>
-              </a:rPr>
-              <a:t> = Deque </a:t>
-            </a:r>
-            <a:r>
-              <a:rPr lang="en-GB" sz="500" kern="100" spc="-46" dirty="0" err="1">
-                <a:latin typeface="Verdana" panose="020B0604030504040204" pitchFamily="34" charset="0"/>
-                <a:ea typeface="Verdana" panose="020B0604030504040204" pitchFamily="34" charset="0"/>
-                <a:cs typeface="Courier New" panose="02070309020205020404" pitchFamily="49" charset="0"/>
-              </a:rPr>
-              <a:t>ys</a:t>
-            </a:r>
-            <a:r>
-              <a:rPr lang="en-GB" sz="500" kern="100" spc="-46" dirty="0">
-                <a:latin typeface="Verdana" panose="020B0604030504040204" pitchFamily="34" charset="0"/>
-                <a:ea typeface="Verdana" panose="020B0604030504040204" pitchFamily="34" charset="0"/>
-                <a:cs typeface="Courier New" panose="02070309020205020404" pitchFamily="49" charset="0"/>
-              </a:rPr>
-              <a:t> (reverse zs) </a:t>
-            </a:r>
-          </a:p>
-          <a:p>
-            <a:r>
-              <a:rPr lang="en-GB" sz="500" kern="100" spc="-46" dirty="0">
-                <a:latin typeface="Verdana" panose="020B0604030504040204" pitchFamily="34" charset="0"/>
-                <a:ea typeface="Verdana" panose="020B0604030504040204" pitchFamily="34" charset="0"/>
-                <a:cs typeface="Courier New" panose="02070309020205020404" pitchFamily="49" charset="0"/>
-              </a:rPr>
-              <a:t>      where (</a:t>
-            </a:r>
-            <a:r>
-              <a:rPr lang="en-GB" sz="500" kern="100" spc="-46" dirty="0" err="1">
-                <a:latin typeface="Verdana" panose="020B0604030504040204" pitchFamily="34" charset="0"/>
-                <a:ea typeface="Verdana" panose="020B0604030504040204" pitchFamily="34" charset="0"/>
-                <a:cs typeface="Courier New" panose="02070309020205020404" pitchFamily="49" charset="0"/>
-              </a:rPr>
-              <a:t>ys</a:t>
-            </a:r>
-            <a:r>
-              <a:rPr lang="en-GB" sz="500" kern="100" spc="-46" dirty="0">
-                <a:latin typeface="Verdana" panose="020B0604030504040204" pitchFamily="34" charset="0"/>
-                <a:ea typeface="Verdana" panose="020B0604030504040204" pitchFamily="34" charset="0"/>
-                <a:cs typeface="Courier New" panose="02070309020205020404" pitchFamily="49" charset="0"/>
-              </a:rPr>
-              <a:t>, zs) = </a:t>
-            </a:r>
-            <a:r>
-              <a:rPr lang="en-GB" sz="500" kern="100" spc="-46" dirty="0" err="1">
-                <a:latin typeface="Verdana" panose="020B0604030504040204" pitchFamily="34" charset="0"/>
-                <a:ea typeface="Verdana" panose="020B0604030504040204" pitchFamily="34" charset="0"/>
-                <a:cs typeface="Courier New" panose="02070309020205020404" pitchFamily="49" charset="0"/>
-              </a:rPr>
-              <a:t>splitAt</a:t>
-            </a:r>
-            <a:r>
-              <a:rPr lang="en-GB" sz="500" kern="100" spc="-46" dirty="0">
-                <a:latin typeface="Verdana" panose="020B0604030504040204" pitchFamily="34" charset="0"/>
-                <a:ea typeface="Verdana" panose="020B0604030504040204" pitchFamily="34" charset="0"/>
-                <a:cs typeface="Courier New" panose="02070309020205020404" pitchFamily="49" charset="0"/>
-              </a:rPr>
-              <a:t> (length </a:t>
-            </a:r>
-            <a:r>
-              <a:rPr lang="en-GB" sz="500" kern="100" spc="-46" dirty="0" err="1">
-                <a:latin typeface="Verdana" panose="020B0604030504040204" pitchFamily="34" charset="0"/>
-                <a:ea typeface="Verdana" panose="020B0604030504040204" pitchFamily="34" charset="0"/>
-                <a:cs typeface="Courier New" panose="02070309020205020404" pitchFamily="49" charset="0"/>
-              </a:rPr>
-              <a:t>xs‘div</a:t>
-            </a:r>
-            <a:r>
-              <a:rPr lang="en-GB" sz="500" kern="100" spc="-46" dirty="0">
-                <a:latin typeface="Verdana" panose="020B0604030504040204" pitchFamily="34" charset="0"/>
-                <a:ea typeface="Verdana" panose="020B0604030504040204" pitchFamily="34" charset="0"/>
-                <a:cs typeface="Courier New" panose="02070309020205020404" pitchFamily="49" charset="0"/>
-              </a:rPr>
-              <a:t>‘ 2) </a:t>
-            </a:r>
-            <a:r>
-              <a:rPr lang="en-GB" sz="500" kern="100" spc="-46" dirty="0" err="1">
-                <a:latin typeface="Verdana" panose="020B0604030504040204" pitchFamily="34" charset="0"/>
-                <a:ea typeface="Verdana" panose="020B0604030504040204" pitchFamily="34" charset="0"/>
-                <a:cs typeface="Courier New" panose="02070309020205020404" pitchFamily="49" charset="0"/>
-              </a:rPr>
-              <a:t>xs</a:t>
-            </a:r>
-            <a:endParaRPr lang="en-GB" sz="500" kern="100" spc="-46" dirty="0">
-              <a:latin typeface="Verdana" panose="020B0604030504040204" pitchFamily="34" charset="0"/>
-              <a:ea typeface="Verdana" panose="020B0604030504040204" pitchFamily="34" charset="0"/>
-              <a:cs typeface="Courier New" panose="02070309020205020404" pitchFamily="49" charset="0"/>
-            </a:endParaRPr>
-          </a:p>
-          <a:p>
-            <a:r>
-              <a:rPr lang="en-GB" sz="500" kern="100" spc="-46" dirty="0">
-                <a:latin typeface="Verdana" panose="020B0604030504040204" pitchFamily="34" charset="0"/>
-                <a:ea typeface="Verdana" panose="020B0604030504040204" pitchFamily="34" charset="0"/>
-                <a:cs typeface="Courier New" panose="02070309020205020404" pitchFamily="49" charset="0"/>
-              </a:rPr>
-              <a:t>empty :: Deque a </a:t>
-            </a:r>
-          </a:p>
-          <a:p>
-            <a:r>
-              <a:rPr lang="en-GB" sz="500" kern="100" spc="-46" dirty="0">
-                <a:latin typeface="Verdana" panose="020B0604030504040204" pitchFamily="34" charset="0"/>
-                <a:ea typeface="Verdana" panose="020B0604030504040204" pitchFamily="34" charset="0"/>
-                <a:cs typeface="Courier New" panose="02070309020205020404" pitchFamily="49" charset="0"/>
-              </a:rPr>
-              <a:t>empty = Deque [ ] [ ]</a:t>
-            </a:r>
-          </a:p>
-          <a:p>
-            <a:r>
-              <a:rPr lang="en-GB" sz="500" kern="100" spc="-46" dirty="0" err="1">
-                <a:latin typeface="Verdana" panose="020B0604030504040204" pitchFamily="34" charset="0"/>
-                <a:ea typeface="Verdana" panose="020B0604030504040204" pitchFamily="34" charset="0"/>
-                <a:cs typeface="Courier New" panose="02070309020205020404" pitchFamily="49" charset="0"/>
-              </a:rPr>
-              <a:t>snoc</a:t>
-            </a:r>
-            <a:r>
-              <a:rPr lang="en-GB" sz="500" kern="100" spc="-46" dirty="0">
-                <a:latin typeface="Verdana" panose="020B0604030504040204" pitchFamily="34" charset="0"/>
-                <a:ea typeface="Verdana" panose="020B0604030504040204" pitchFamily="34" charset="0"/>
-                <a:cs typeface="Courier New" panose="02070309020205020404" pitchFamily="49" charset="0"/>
-              </a:rPr>
-              <a:t> must be implemented like so to maintain the invariant:</a:t>
-            </a:r>
-          </a:p>
-          <a:p>
-            <a:r>
-              <a:rPr lang="en-GB" sz="500" kern="100" spc="-46" dirty="0" err="1">
-                <a:latin typeface="Verdana" panose="020B0604030504040204" pitchFamily="34" charset="0"/>
-                <a:ea typeface="Verdana" panose="020B0604030504040204" pitchFamily="34" charset="0"/>
-                <a:cs typeface="Courier New" panose="02070309020205020404" pitchFamily="49" charset="0"/>
-              </a:rPr>
-              <a:t>snoc</a:t>
-            </a:r>
-            <a:r>
-              <a:rPr lang="en-GB" sz="500" kern="100" spc="-46" dirty="0">
-                <a:latin typeface="Verdana" panose="020B0604030504040204" pitchFamily="34" charset="0"/>
-                <a:ea typeface="Verdana" panose="020B0604030504040204" pitchFamily="34" charset="0"/>
-                <a:cs typeface="Courier New" panose="02070309020205020404" pitchFamily="49" charset="0"/>
-              </a:rPr>
-              <a:t> :: Deque a → a → Deque a </a:t>
-            </a:r>
-          </a:p>
-          <a:p>
-            <a:r>
-              <a:rPr lang="en-GB" sz="500" kern="100" spc="-46" dirty="0" err="1">
-                <a:latin typeface="Verdana" panose="020B0604030504040204" pitchFamily="34" charset="0"/>
-                <a:ea typeface="Verdana" panose="020B0604030504040204" pitchFamily="34" charset="0"/>
-                <a:cs typeface="Courier New" panose="02070309020205020404" pitchFamily="49" charset="0"/>
-              </a:rPr>
-              <a:t>snoc</a:t>
-            </a:r>
-            <a:r>
-              <a:rPr lang="en-GB" sz="500" kern="100" spc="-46" dirty="0">
-                <a:latin typeface="Verdana" panose="020B0604030504040204" pitchFamily="34" charset="0"/>
-                <a:ea typeface="Verdana" panose="020B0604030504040204" pitchFamily="34" charset="0"/>
-                <a:cs typeface="Courier New" panose="02070309020205020404" pitchFamily="49" charset="0"/>
-              </a:rPr>
-              <a:t> (Deque [ ] </a:t>
-            </a:r>
-            <a:r>
-              <a:rPr lang="en-GB" sz="500" kern="100" spc="-46" dirty="0" err="1">
-                <a:latin typeface="Verdana" panose="020B0604030504040204" pitchFamily="34" charset="0"/>
-                <a:ea typeface="Verdana" panose="020B0604030504040204" pitchFamily="34" charset="0"/>
-                <a:cs typeface="Courier New" panose="02070309020205020404" pitchFamily="49" charset="0"/>
-              </a:rPr>
-              <a:t>sy</a:t>
-            </a:r>
-            <a:r>
-              <a:rPr lang="en-GB" sz="500" kern="100" spc="-46" dirty="0">
-                <a:latin typeface="Verdana" panose="020B0604030504040204" pitchFamily="34" charset="0"/>
-                <a:ea typeface="Verdana" panose="020B0604030504040204" pitchFamily="34" charset="0"/>
-                <a:cs typeface="Courier New" panose="02070309020205020404" pitchFamily="49" charset="0"/>
-              </a:rPr>
-              <a:t>) x = Deque </a:t>
-            </a:r>
-            <a:r>
-              <a:rPr lang="en-GB" sz="500" kern="100" spc="-46" dirty="0" err="1">
-                <a:latin typeface="Verdana" panose="020B0604030504040204" pitchFamily="34" charset="0"/>
-                <a:ea typeface="Verdana" panose="020B0604030504040204" pitchFamily="34" charset="0"/>
-                <a:cs typeface="Courier New" panose="02070309020205020404" pitchFamily="49" charset="0"/>
-              </a:rPr>
-              <a:t>sy</a:t>
-            </a:r>
-            <a:r>
-              <a:rPr lang="en-GB" sz="500" kern="100" spc="-46" dirty="0">
-                <a:latin typeface="Verdana" panose="020B0604030504040204" pitchFamily="34" charset="0"/>
-                <a:ea typeface="Verdana" panose="020B0604030504040204" pitchFamily="34" charset="0"/>
-                <a:cs typeface="Courier New" panose="02070309020205020404" pitchFamily="49" charset="0"/>
-              </a:rPr>
-              <a:t> [x] </a:t>
-            </a:r>
-          </a:p>
-          <a:p>
-            <a:r>
-              <a:rPr lang="en-GB" sz="500" kern="100" spc="-46" dirty="0" err="1">
-                <a:latin typeface="Verdana" panose="020B0604030504040204" pitchFamily="34" charset="0"/>
-                <a:ea typeface="Verdana" panose="020B0604030504040204" pitchFamily="34" charset="0"/>
-                <a:cs typeface="Courier New" panose="02070309020205020404" pitchFamily="49" charset="0"/>
-              </a:rPr>
-              <a:t>snoc</a:t>
-            </a:r>
-            <a:r>
-              <a:rPr lang="en-GB" sz="500" kern="100" spc="-46" dirty="0">
-                <a:latin typeface="Verdana" panose="020B0604030504040204" pitchFamily="34" charset="0"/>
-                <a:ea typeface="Verdana" panose="020B0604030504040204" pitchFamily="34" charset="0"/>
-                <a:cs typeface="Courier New" panose="02070309020205020404" pitchFamily="49" charset="0"/>
-              </a:rPr>
-              <a:t> (Deque </a:t>
-            </a:r>
-            <a:r>
-              <a:rPr lang="en-GB" sz="500" kern="100" spc="-46" dirty="0" err="1">
-                <a:latin typeface="Verdana" panose="020B0604030504040204" pitchFamily="34" charset="0"/>
-                <a:ea typeface="Verdana" panose="020B0604030504040204" pitchFamily="34" charset="0"/>
-                <a:cs typeface="Courier New" panose="02070309020205020404" pitchFamily="49" charset="0"/>
-              </a:rPr>
-              <a:t>xs</a:t>
-            </a:r>
-            <a:r>
-              <a:rPr lang="en-GB" sz="500" kern="100" spc="-46" dirty="0">
-                <a:latin typeface="Verdana" panose="020B0604030504040204" pitchFamily="34" charset="0"/>
-                <a:ea typeface="Verdana" panose="020B0604030504040204" pitchFamily="34" charset="0"/>
-                <a:cs typeface="Courier New" panose="02070309020205020404" pitchFamily="49" charset="0"/>
-              </a:rPr>
-              <a:t> </a:t>
-            </a:r>
-            <a:r>
-              <a:rPr lang="en-GB" sz="500" kern="100" spc="-46" dirty="0" err="1">
-                <a:latin typeface="Verdana" panose="020B0604030504040204" pitchFamily="34" charset="0"/>
-                <a:ea typeface="Verdana" panose="020B0604030504040204" pitchFamily="34" charset="0"/>
-                <a:cs typeface="Courier New" panose="02070309020205020404" pitchFamily="49" charset="0"/>
-              </a:rPr>
-              <a:t>sy</a:t>
-            </a:r>
-            <a:r>
-              <a:rPr lang="en-GB" sz="500" kern="100" spc="-46" dirty="0">
-                <a:latin typeface="Verdana" panose="020B0604030504040204" pitchFamily="34" charset="0"/>
-                <a:ea typeface="Verdana" panose="020B0604030504040204" pitchFamily="34" charset="0"/>
-                <a:cs typeface="Courier New" panose="02070309020205020404" pitchFamily="49" charset="0"/>
-              </a:rPr>
-              <a:t>) x = Deque </a:t>
-            </a:r>
-            <a:r>
-              <a:rPr lang="en-GB" sz="500" kern="100" spc="-46" dirty="0" err="1">
-                <a:latin typeface="Verdana" panose="020B0604030504040204" pitchFamily="34" charset="0"/>
-                <a:ea typeface="Verdana" panose="020B0604030504040204" pitchFamily="34" charset="0"/>
-                <a:cs typeface="Courier New" panose="02070309020205020404" pitchFamily="49" charset="0"/>
-              </a:rPr>
-              <a:t>xs</a:t>
-            </a:r>
-            <a:r>
-              <a:rPr lang="en-GB" sz="500" kern="100" spc="-46" dirty="0">
-                <a:latin typeface="Verdana" panose="020B0604030504040204" pitchFamily="34" charset="0"/>
-                <a:ea typeface="Verdana" panose="020B0604030504040204" pitchFamily="34" charset="0"/>
-                <a:cs typeface="Courier New" panose="02070309020205020404" pitchFamily="49" charset="0"/>
-              </a:rPr>
-              <a:t> (x : </a:t>
-            </a:r>
-            <a:r>
-              <a:rPr lang="en-GB" sz="500" kern="100" spc="-46" dirty="0" err="1">
-                <a:latin typeface="Verdana" panose="020B0604030504040204" pitchFamily="34" charset="0"/>
-                <a:ea typeface="Verdana" panose="020B0604030504040204" pitchFamily="34" charset="0"/>
-                <a:cs typeface="Courier New" panose="02070309020205020404" pitchFamily="49" charset="0"/>
-              </a:rPr>
-              <a:t>sy</a:t>
-            </a:r>
-            <a:r>
-              <a:rPr lang="en-GB" sz="500" kern="100" spc="-46" dirty="0">
-                <a:latin typeface="Verdana" panose="020B0604030504040204" pitchFamily="34" charset="0"/>
-                <a:ea typeface="Verdana" panose="020B0604030504040204" pitchFamily="34" charset="0"/>
-                <a:cs typeface="Courier New" panose="02070309020205020404" pitchFamily="49" charset="0"/>
-              </a:rPr>
-              <a:t>)</a:t>
-            </a:r>
-          </a:p>
-          <a:p>
-            <a:r>
-              <a:rPr lang="en-GB" sz="500" kern="100" spc="-46" dirty="0">
-                <a:latin typeface="Verdana" panose="020B0604030504040204" pitchFamily="34" charset="0"/>
-                <a:ea typeface="Verdana" panose="020B0604030504040204" pitchFamily="34" charset="0"/>
-                <a:cs typeface="Courier New" panose="02070309020205020404" pitchFamily="49" charset="0"/>
-              </a:rPr>
-              <a:t>Following this implementation: checking if a deque is empty / single:</a:t>
-            </a:r>
-          </a:p>
-          <a:p>
-            <a:r>
-              <a:rPr lang="en-GB" sz="500" kern="100" spc="-46" dirty="0" err="1">
-                <a:latin typeface="Verdana" panose="020B0604030504040204" pitchFamily="34" charset="0"/>
-                <a:ea typeface="Verdana" panose="020B0604030504040204" pitchFamily="34" charset="0"/>
-                <a:cs typeface="Courier New" panose="02070309020205020404" pitchFamily="49" charset="0"/>
-              </a:rPr>
-              <a:t>isEmpty</a:t>
-            </a:r>
-            <a:r>
-              <a:rPr lang="en-GB" sz="500" kern="100" spc="-46" dirty="0">
-                <a:latin typeface="Verdana" panose="020B0604030504040204" pitchFamily="34" charset="0"/>
-                <a:ea typeface="Verdana" panose="020B0604030504040204" pitchFamily="34" charset="0"/>
-                <a:cs typeface="Courier New" panose="02070309020205020404" pitchFamily="49" charset="0"/>
-              </a:rPr>
-              <a:t> :: Deque a → Bool </a:t>
-            </a:r>
-          </a:p>
-          <a:p>
-            <a:r>
-              <a:rPr lang="en-GB" sz="500" kern="100" spc="-46" dirty="0" err="1">
-                <a:latin typeface="Verdana" panose="020B0604030504040204" pitchFamily="34" charset="0"/>
-                <a:ea typeface="Verdana" panose="020B0604030504040204" pitchFamily="34" charset="0"/>
-                <a:cs typeface="Courier New" panose="02070309020205020404" pitchFamily="49" charset="0"/>
-              </a:rPr>
-              <a:t>isEmpty</a:t>
-            </a:r>
-            <a:r>
-              <a:rPr lang="en-GB" sz="500" kern="100" spc="-46" dirty="0">
-                <a:latin typeface="Verdana" panose="020B0604030504040204" pitchFamily="34" charset="0"/>
-                <a:ea typeface="Verdana" panose="020B0604030504040204" pitchFamily="34" charset="0"/>
-                <a:cs typeface="Courier New" panose="02070309020205020404" pitchFamily="49" charset="0"/>
-              </a:rPr>
-              <a:t> (Deque </a:t>
-            </a:r>
-            <a:r>
-              <a:rPr lang="en-GB" sz="500" kern="100" spc="-46" dirty="0" err="1">
-                <a:latin typeface="Verdana" panose="020B0604030504040204" pitchFamily="34" charset="0"/>
-                <a:ea typeface="Verdana" panose="020B0604030504040204" pitchFamily="34" charset="0"/>
-                <a:cs typeface="Courier New" panose="02070309020205020404" pitchFamily="49" charset="0"/>
-              </a:rPr>
-              <a:t>xs</a:t>
-            </a:r>
-            <a:r>
-              <a:rPr lang="en-GB" sz="500" kern="100" spc="-46" dirty="0">
-                <a:latin typeface="Verdana" panose="020B0604030504040204" pitchFamily="34" charset="0"/>
-                <a:ea typeface="Verdana" panose="020B0604030504040204" pitchFamily="34" charset="0"/>
-                <a:cs typeface="Courier New" panose="02070309020205020404" pitchFamily="49" charset="0"/>
-              </a:rPr>
-              <a:t> </a:t>
-            </a:r>
-            <a:r>
-              <a:rPr lang="en-GB" sz="500" kern="100" spc="-46" dirty="0" err="1">
-                <a:latin typeface="Verdana" panose="020B0604030504040204" pitchFamily="34" charset="0"/>
-                <a:ea typeface="Verdana" panose="020B0604030504040204" pitchFamily="34" charset="0"/>
-                <a:cs typeface="Courier New" panose="02070309020205020404" pitchFamily="49" charset="0"/>
-              </a:rPr>
-              <a:t>sy</a:t>
-            </a:r>
-            <a:r>
-              <a:rPr lang="en-GB" sz="500" kern="100" spc="-46" dirty="0">
-                <a:latin typeface="Verdana" panose="020B0604030504040204" pitchFamily="34" charset="0"/>
-                <a:ea typeface="Verdana" panose="020B0604030504040204" pitchFamily="34" charset="0"/>
-                <a:cs typeface="Courier New" panose="02070309020205020404" pitchFamily="49" charset="0"/>
-              </a:rPr>
-              <a:t>) = </a:t>
-            </a:r>
-            <a:r>
-              <a:rPr lang="en-GB" sz="500" kern="100" spc="-46" dirty="0" err="1">
-                <a:latin typeface="Verdana" panose="020B0604030504040204" pitchFamily="34" charset="0"/>
-                <a:ea typeface="Verdana" panose="020B0604030504040204" pitchFamily="34" charset="0"/>
-                <a:cs typeface="Courier New" panose="02070309020205020404" pitchFamily="49" charset="0"/>
-              </a:rPr>
-              <a:t>isEmpty</a:t>
-            </a:r>
-            <a:r>
-              <a:rPr lang="en-GB" sz="500" kern="100" spc="-46" dirty="0">
-                <a:latin typeface="Verdana" panose="020B0604030504040204" pitchFamily="34" charset="0"/>
-                <a:ea typeface="Verdana" panose="020B0604030504040204" pitchFamily="34" charset="0"/>
-                <a:cs typeface="Courier New" panose="02070309020205020404" pitchFamily="49" charset="0"/>
-              </a:rPr>
-              <a:t> </a:t>
-            </a:r>
-            <a:r>
-              <a:rPr lang="en-GB" sz="500" kern="100" spc="-46" dirty="0" err="1">
-                <a:latin typeface="Verdana" panose="020B0604030504040204" pitchFamily="34" charset="0"/>
-                <a:ea typeface="Verdana" panose="020B0604030504040204" pitchFamily="34" charset="0"/>
-                <a:cs typeface="Courier New" panose="02070309020205020404" pitchFamily="49" charset="0"/>
-              </a:rPr>
-              <a:t>xs</a:t>
-            </a:r>
-            <a:r>
-              <a:rPr lang="en-GB" sz="500" kern="100" spc="-46" dirty="0">
-                <a:latin typeface="Verdana" panose="020B0604030504040204" pitchFamily="34" charset="0"/>
-                <a:ea typeface="Verdana" panose="020B0604030504040204" pitchFamily="34" charset="0"/>
-                <a:cs typeface="Courier New" panose="02070309020205020404" pitchFamily="49" charset="0"/>
-              </a:rPr>
-              <a:t> ∧ </a:t>
-            </a:r>
-            <a:r>
-              <a:rPr lang="en-GB" sz="500" kern="100" spc="-46" dirty="0" err="1">
-                <a:latin typeface="Verdana" panose="020B0604030504040204" pitchFamily="34" charset="0"/>
-                <a:ea typeface="Verdana" panose="020B0604030504040204" pitchFamily="34" charset="0"/>
-                <a:cs typeface="Courier New" panose="02070309020205020404" pitchFamily="49" charset="0"/>
-              </a:rPr>
-              <a:t>isEmpty</a:t>
-            </a:r>
-            <a:r>
-              <a:rPr lang="en-GB" sz="500" kern="100" spc="-46" dirty="0">
-                <a:latin typeface="Verdana" panose="020B0604030504040204" pitchFamily="34" charset="0"/>
-                <a:ea typeface="Verdana" panose="020B0604030504040204" pitchFamily="34" charset="0"/>
-                <a:cs typeface="Courier New" panose="02070309020205020404" pitchFamily="49" charset="0"/>
-              </a:rPr>
-              <a:t> </a:t>
-            </a:r>
-            <a:r>
-              <a:rPr lang="en-GB" sz="500" kern="100" spc="-46" dirty="0" err="1">
-                <a:latin typeface="Verdana" panose="020B0604030504040204" pitchFamily="34" charset="0"/>
-                <a:ea typeface="Verdana" panose="020B0604030504040204" pitchFamily="34" charset="0"/>
-                <a:cs typeface="Courier New" panose="02070309020205020404" pitchFamily="49" charset="0"/>
-              </a:rPr>
-              <a:t>sy</a:t>
-            </a:r>
-            <a:endParaRPr lang="en-GB" sz="500" kern="100" spc="-46" dirty="0">
-              <a:latin typeface="Verdana" panose="020B0604030504040204" pitchFamily="34" charset="0"/>
-              <a:ea typeface="Verdana" panose="020B0604030504040204" pitchFamily="34" charset="0"/>
-              <a:cs typeface="Courier New" panose="02070309020205020404" pitchFamily="49" charset="0"/>
-            </a:endParaRPr>
-          </a:p>
-          <a:p>
-            <a:r>
-              <a:rPr lang="en-GB" sz="500" kern="100" spc="-46" dirty="0" err="1">
-                <a:latin typeface="Verdana" panose="020B0604030504040204" pitchFamily="34" charset="0"/>
-                <a:ea typeface="Verdana" panose="020B0604030504040204" pitchFamily="34" charset="0"/>
-                <a:cs typeface="Courier New" panose="02070309020205020404" pitchFamily="49" charset="0"/>
-              </a:rPr>
-              <a:t>isSingle</a:t>
-            </a:r>
-            <a:r>
-              <a:rPr lang="en-GB" sz="500" kern="100" spc="-46" dirty="0">
-                <a:latin typeface="Verdana" panose="020B0604030504040204" pitchFamily="34" charset="0"/>
-                <a:ea typeface="Verdana" panose="020B0604030504040204" pitchFamily="34" charset="0"/>
-                <a:cs typeface="Courier New" panose="02070309020205020404" pitchFamily="49" charset="0"/>
-              </a:rPr>
-              <a:t> :: Deque a → Bool </a:t>
-            </a:r>
-          </a:p>
-          <a:p>
-            <a:r>
-              <a:rPr lang="en-GB" sz="500" kern="100" spc="-46" dirty="0" err="1">
-                <a:latin typeface="Verdana" panose="020B0604030504040204" pitchFamily="34" charset="0"/>
-                <a:ea typeface="Verdana" panose="020B0604030504040204" pitchFamily="34" charset="0"/>
-                <a:cs typeface="Courier New" panose="02070309020205020404" pitchFamily="49" charset="0"/>
-              </a:rPr>
-              <a:t>isSingle</a:t>
-            </a:r>
-            <a:r>
-              <a:rPr lang="en-GB" sz="500" kern="100" spc="-46" dirty="0">
-                <a:latin typeface="Verdana" panose="020B0604030504040204" pitchFamily="34" charset="0"/>
-                <a:ea typeface="Verdana" panose="020B0604030504040204" pitchFamily="34" charset="0"/>
-                <a:cs typeface="Courier New" panose="02070309020205020404" pitchFamily="49" charset="0"/>
-              </a:rPr>
-              <a:t> (Deque </a:t>
-            </a:r>
-            <a:r>
-              <a:rPr lang="en-GB" sz="500" kern="100" spc="-46" dirty="0" err="1">
-                <a:latin typeface="Verdana" panose="020B0604030504040204" pitchFamily="34" charset="0"/>
-                <a:ea typeface="Verdana" panose="020B0604030504040204" pitchFamily="34" charset="0"/>
-                <a:cs typeface="Courier New" panose="02070309020205020404" pitchFamily="49" charset="0"/>
-              </a:rPr>
-              <a:t>xs</a:t>
-            </a:r>
-            <a:r>
-              <a:rPr lang="en-GB" sz="500" kern="100" spc="-46" dirty="0">
-                <a:latin typeface="Verdana" panose="020B0604030504040204" pitchFamily="34" charset="0"/>
-                <a:ea typeface="Verdana" panose="020B0604030504040204" pitchFamily="34" charset="0"/>
-                <a:cs typeface="Courier New" panose="02070309020205020404" pitchFamily="49" charset="0"/>
-              </a:rPr>
-              <a:t> </a:t>
-            </a:r>
-            <a:r>
-              <a:rPr lang="en-GB" sz="500" kern="100" spc="-46" dirty="0" err="1">
-                <a:latin typeface="Verdana" panose="020B0604030504040204" pitchFamily="34" charset="0"/>
-                <a:ea typeface="Verdana" panose="020B0604030504040204" pitchFamily="34" charset="0"/>
-                <a:cs typeface="Courier New" panose="02070309020205020404" pitchFamily="49" charset="0"/>
-              </a:rPr>
-              <a:t>sy</a:t>
-            </a:r>
-            <a:r>
-              <a:rPr lang="en-GB" sz="500" kern="100" spc="-46" dirty="0">
-                <a:latin typeface="Verdana" panose="020B0604030504040204" pitchFamily="34" charset="0"/>
-                <a:ea typeface="Verdana" panose="020B0604030504040204" pitchFamily="34" charset="0"/>
-                <a:cs typeface="Courier New" panose="02070309020205020404" pitchFamily="49" charset="0"/>
-              </a:rPr>
-              <a:t>) = (</a:t>
-            </a:r>
-            <a:r>
-              <a:rPr lang="en-GB" sz="500" kern="100" spc="-46" dirty="0" err="1">
-                <a:latin typeface="Verdana" panose="020B0604030504040204" pitchFamily="34" charset="0"/>
-                <a:ea typeface="Verdana" panose="020B0604030504040204" pitchFamily="34" charset="0"/>
-                <a:cs typeface="Courier New" panose="02070309020205020404" pitchFamily="49" charset="0"/>
-              </a:rPr>
-              <a:t>isEmpty</a:t>
-            </a:r>
-            <a:r>
-              <a:rPr lang="en-GB" sz="500" kern="100" spc="-46" dirty="0">
-                <a:latin typeface="Verdana" panose="020B0604030504040204" pitchFamily="34" charset="0"/>
-                <a:ea typeface="Verdana" panose="020B0604030504040204" pitchFamily="34" charset="0"/>
-                <a:cs typeface="Courier New" panose="02070309020205020404" pitchFamily="49" charset="0"/>
-              </a:rPr>
-              <a:t> </a:t>
-            </a:r>
-            <a:r>
-              <a:rPr lang="en-GB" sz="500" kern="100" spc="-46" dirty="0" err="1">
-                <a:latin typeface="Verdana" panose="020B0604030504040204" pitchFamily="34" charset="0"/>
-                <a:ea typeface="Verdana" panose="020B0604030504040204" pitchFamily="34" charset="0"/>
-                <a:cs typeface="Courier New" panose="02070309020205020404" pitchFamily="49" charset="0"/>
-              </a:rPr>
-              <a:t>xs∧isSingle</a:t>
-            </a:r>
-            <a:r>
-              <a:rPr lang="en-GB" sz="500" kern="100" spc="-46" dirty="0">
-                <a:latin typeface="Verdana" panose="020B0604030504040204" pitchFamily="34" charset="0"/>
-                <a:ea typeface="Verdana" panose="020B0604030504040204" pitchFamily="34" charset="0"/>
-                <a:cs typeface="Courier New" panose="02070309020205020404" pitchFamily="49" charset="0"/>
-              </a:rPr>
-              <a:t> </a:t>
-            </a:r>
-            <a:r>
-              <a:rPr lang="en-GB" sz="500" kern="100" spc="-46" dirty="0" err="1">
-                <a:latin typeface="Verdana" panose="020B0604030504040204" pitchFamily="34" charset="0"/>
-                <a:ea typeface="Verdana" panose="020B0604030504040204" pitchFamily="34" charset="0"/>
-                <a:cs typeface="Courier New" panose="02070309020205020404" pitchFamily="49" charset="0"/>
-              </a:rPr>
-              <a:t>sy</a:t>
-            </a:r>
-            <a:r>
-              <a:rPr lang="en-GB" sz="500" kern="100" spc="-46" dirty="0">
-                <a:latin typeface="Verdana" panose="020B0604030504040204" pitchFamily="34" charset="0"/>
-                <a:ea typeface="Verdana" panose="020B0604030504040204" pitchFamily="34" charset="0"/>
-                <a:cs typeface="Courier New" panose="02070309020205020404" pitchFamily="49" charset="0"/>
-              </a:rPr>
-              <a:t>)∨(</a:t>
-            </a:r>
-            <a:r>
-              <a:rPr lang="en-GB" sz="500" kern="100" spc="-46" dirty="0" err="1">
-                <a:latin typeface="Verdana" panose="020B0604030504040204" pitchFamily="34" charset="0"/>
-                <a:ea typeface="Verdana" panose="020B0604030504040204" pitchFamily="34" charset="0"/>
-                <a:cs typeface="Courier New" panose="02070309020205020404" pitchFamily="49" charset="0"/>
-              </a:rPr>
-              <a:t>isSingle</a:t>
-            </a:r>
-            <a:r>
-              <a:rPr lang="en-GB" sz="500" kern="100" spc="-46" dirty="0">
-                <a:latin typeface="Verdana" panose="020B0604030504040204" pitchFamily="34" charset="0"/>
-                <a:ea typeface="Verdana" panose="020B0604030504040204" pitchFamily="34" charset="0"/>
-                <a:cs typeface="Courier New" panose="02070309020205020404" pitchFamily="49" charset="0"/>
-              </a:rPr>
-              <a:t> </a:t>
-            </a:r>
-            <a:r>
-              <a:rPr lang="en-GB" sz="500" kern="100" spc="-46" dirty="0" err="1">
-                <a:latin typeface="Verdana" panose="020B0604030504040204" pitchFamily="34" charset="0"/>
-                <a:ea typeface="Verdana" panose="020B0604030504040204" pitchFamily="34" charset="0"/>
-                <a:cs typeface="Courier New" panose="02070309020205020404" pitchFamily="49" charset="0"/>
-              </a:rPr>
-              <a:t>xs∧isEmpty</a:t>
-            </a:r>
-            <a:r>
-              <a:rPr lang="en-GB" sz="500" kern="100" spc="-46" dirty="0">
-                <a:latin typeface="Verdana" panose="020B0604030504040204" pitchFamily="34" charset="0"/>
-                <a:ea typeface="Verdana" panose="020B0604030504040204" pitchFamily="34" charset="0"/>
-                <a:cs typeface="Courier New" panose="02070309020205020404" pitchFamily="49" charset="0"/>
-              </a:rPr>
-              <a:t> </a:t>
-            </a:r>
-            <a:r>
-              <a:rPr lang="en-GB" sz="500" kern="100" spc="-46" dirty="0" err="1">
-                <a:latin typeface="Verdana" panose="020B0604030504040204" pitchFamily="34" charset="0"/>
-                <a:ea typeface="Verdana" panose="020B0604030504040204" pitchFamily="34" charset="0"/>
-                <a:cs typeface="Courier New" panose="02070309020205020404" pitchFamily="49" charset="0"/>
-              </a:rPr>
-              <a:t>sy</a:t>
-            </a:r>
-            <a:r>
-              <a:rPr lang="en-GB" sz="500" kern="100" spc="-46" dirty="0">
-                <a:latin typeface="Verdana" panose="020B0604030504040204" pitchFamily="34" charset="0"/>
-                <a:ea typeface="Verdana" panose="020B0604030504040204" pitchFamily="34" charset="0"/>
-                <a:cs typeface="Courier New" panose="02070309020205020404" pitchFamily="49" charset="0"/>
-              </a:rPr>
-              <a:t>)</a:t>
-            </a:r>
-          </a:p>
-          <a:p>
-            <a:r>
-              <a:rPr lang="en-GB" sz="500" kern="100" spc="-46" dirty="0">
-                <a:latin typeface="Verdana" panose="020B0604030504040204" pitchFamily="34" charset="0"/>
-                <a:ea typeface="Verdana" panose="020B0604030504040204" pitchFamily="34" charset="0"/>
-                <a:cs typeface="Courier New" panose="02070309020205020404" pitchFamily="49" charset="0"/>
-              </a:rPr>
-              <a:t>The important thing is tail:</a:t>
-            </a:r>
-          </a:p>
-          <a:p>
-            <a:r>
-              <a:rPr lang="en-GB" sz="500" kern="100" spc="-46" dirty="0">
-                <a:latin typeface="Verdana" panose="020B0604030504040204" pitchFamily="34" charset="0"/>
-                <a:ea typeface="Verdana" panose="020B0604030504040204" pitchFamily="34" charset="0"/>
-                <a:cs typeface="Courier New" panose="02070309020205020404" pitchFamily="49" charset="0"/>
-              </a:rPr>
-              <a:t>tail :: Deque a → Deque a </a:t>
-            </a:r>
-          </a:p>
-          <a:p>
-            <a:r>
-              <a:rPr lang="en-GB" sz="500" kern="100" spc="-46" dirty="0">
-                <a:latin typeface="Verdana" panose="020B0604030504040204" pitchFamily="34" charset="0"/>
-                <a:ea typeface="Verdana" panose="020B0604030504040204" pitchFamily="34" charset="0"/>
-                <a:cs typeface="Courier New" panose="02070309020205020404" pitchFamily="49" charset="0"/>
-              </a:rPr>
-              <a:t>tail (Deque [ ] [ ]) = error "tail: empty list" </a:t>
-            </a:r>
-          </a:p>
-          <a:p>
-            <a:r>
-              <a:rPr lang="en-GB" sz="500" kern="100" spc="-46" dirty="0">
-                <a:latin typeface="Verdana" panose="020B0604030504040204" pitchFamily="34" charset="0"/>
-                <a:ea typeface="Verdana" panose="020B0604030504040204" pitchFamily="34" charset="0"/>
-                <a:cs typeface="Courier New" panose="02070309020205020404" pitchFamily="49" charset="0"/>
-              </a:rPr>
-              <a:t>tail (Deque [ ] </a:t>
-            </a:r>
-            <a:r>
-              <a:rPr lang="en-GB" sz="500" kern="100" spc="-46" dirty="0" err="1">
-                <a:latin typeface="Verdana" panose="020B0604030504040204" pitchFamily="34" charset="0"/>
-                <a:ea typeface="Verdana" panose="020B0604030504040204" pitchFamily="34" charset="0"/>
-                <a:cs typeface="Courier New" panose="02070309020205020404" pitchFamily="49" charset="0"/>
-              </a:rPr>
-              <a:t>sy</a:t>
-            </a:r>
-            <a:r>
-              <a:rPr lang="en-GB" sz="500" kern="100" spc="-46" dirty="0">
-                <a:latin typeface="Verdana" panose="020B0604030504040204" pitchFamily="34" charset="0"/>
-                <a:ea typeface="Verdana" panose="020B0604030504040204" pitchFamily="34" charset="0"/>
-                <a:cs typeface="Courier New" panose="02070309020205020404" pitchFamily="49" charset="0"/>
-              </a:rPr>
-              <a:t>) = empty </a:t>
-            </a:r>
-          </a:p>
-          <a:p>
-            <a:r>
-              <a:rPr lang="en-GB" sz="500" kern="100" spc="-46" dirty="0">
-                <a:latin typeface="Verdana" panose="020B0604030504040204" pitchFamily="34" charset="0"/>
-                <a:ea typeface="Verdana" panose="020B0604030504040204" pitchFamily="34" charset="0"/>
-                <a:cs typeface="Courier New" panose="02070309020205020404" pitchFamily="49" charset="0"/>
-              </a:rPr>
-              <a:t>tail (Deque [x] </a:t>
-            </a:r>
-            <a:r>
-              <a:rPr lang="en-GB" sz="500" kern="100" spc="-46" dirty="0" err="1">
-                <a:latin typeface="Verdana" panose="020B0604030504040204" pitchFamily="34" charset="0"/>
-                <a:ea typeface="Verdana" panose="020B0604030504040204" pitchFamily="34" charset="0"/>
-                <a:cs typeface="Courier New" panose="02070309020205020404" pitchFamily="49" charset="0"/>
-              </a:rPr>
-              <a:t>sy</a:t>
-            </a:r>
-            <a:r>
-              <a:rPr lang="en-GB" sz="500" kern="100" spc="-46" dirty="0">
-                <a:latin typeface="Verdana" panose="020B0604030504040204" pitchFamily="34" charset="0"/>
-                <a:ea typeface="Verdana" panose="020B0604030504040204" pitchFamily="34" charset="0"/>
-                <a:cs typeface="Courier New" panose="02070309020205020404" pitchFamily="49" charset="0"/>
-              </a:rPr>
-              <a:t>) = </a:t>
-            </a:r>
-            <a:r>
-              <a:rPr lang="en-GB" sz="500" kern="100" spc="-46" dirty="0" err="1">
-                <a:latin typeface="Verdana" panose="020B0604030504040204" pitchFamily="34" charset="0"/>
-                <a:ea typeface="Verdana" panose="020B0604030504040204" pitchFamily="34" charset="0"/>
-                <a:cs typeface="Courier New" panose="02070309020205020404" pitchFamily="49" charset="0"/>
-              </a:rPr>
-              <a:t>fromList</a:t>
-            </a:r>
-            <a:r>
-              <a:rPr lang="en-GB" sz="500" kern="100" spc="-46" dirty="0">
-                <a:latin typeface="Verdana" panose="020B0604030504040204" pitchFamily="34" charset="0"/>
-                <a:ea typeface="Verdana" panose="020B0604030504040204" pitchFamily="34" charset="0"/>
-                <a:cs typeface="Courier New" panose="02070309020205020404" pitchFamily="49" charset="0"/>
-              </a:rPr>
-              <a:t> (reverse </a:t>
-            </a:r>
-            <a:r>
-              <a:rPr lang="en-GB" sz="500" kern="100" spc="-46" dirty="0" err="1">
-                <a:latin typeface="Verdana" panose="020B0604030504040204" pitchFamily="34" charset="0"/>
-                <a:ea typeface="Verdana" panose="020B0604030504040204" pitchFamily="34" charset="0"/>
-                <a:cs typeface="Courier New" panose="02070309020205020404" pitchFamily="49" charset="0"/>
-              </a:rPr>
-              <a:t>sy</a:t>
-            </a:r>
-            <a:r>
-              <a:rPr lang="en-GB" sz="500" kern="100" spc="-46" dirty="0">
-                <a:latin typeface="Verdana" panose="020B0604030504040204" pitchFamily="34" charset="0"/>
-                <a:ea typeface="Verdana" panose="020B0604030504040204" pitchFamily="34" charset="0"/>
-                <a:cs typeface="Courier New" panose="02070309020205020404" pitchFamily="49" charset="0"/>
-              </a:rPr>
-              <a:t>) </a:t>
-            </a:r>
-          </a:p>
-          <a:p>
-            <a:r>
-              <a:rPr lang="en-GB" sz="500" kern="100" spc="-46" dirty="0">
-                <a:latin typeface="Verdana" panose="020B0604030504040204" pitchFamily="34" charset="0"/>
-                <a:ea typeface="Verdana" panose="020B0604030504040204" pitchFamily="34" charset="0"/>
-                <a:cs typeface="Courier New" panose="02070309020205020404" pitchFamily="49" charset="0"/>
-              </a:rPr>
-              <a:t>tail (Deque (x : </a:t>
-            </a:r>
-            <a:r>
-              <a:rPr lang="en-GB" sz="500" kern="100" spc="-46" dirty="0" err="1">
-                <a:latin typeface="Verdana" panose="020B0604030504040204" pitchFamily="34" charset="0"/>
-                <a:ea typeface="Verdana" panose="020B0604030504040204" pitchFamily="34" charset="0"/>
-                <a:cs typeface="Courier New" panose="02070309020205020404" pitchFamily="49" charset="0"/>
-              </a:rPr>
-              <a:t>xs</a:t>
-            </a:r>
-            <a:r>
-              <a:rPr lang="en-GB" sz="500" kern="100" spc="-46" dirty="0">
-                <a:latin typeface="Verdana" panose="020B0604030504040204" pitchFamily="34" charset="0"/>
-                <a:ea typeface="Verdana" panose="020B0604030504040204" pitchFamily="34" charset="0"/>
-                <a:cs typeface="Courier New" panose="02070309020205020404" pitchFamily="49" charset="0"/>
-              </a:rPr>
-              <a:t>) </a:t>
-            </a:r>
-            <a:r>
-              <a:rPr lang="en-GB" sz="500" kern="100" spc="-46" dirty="0" err="1">
-                <a:latin typeface="Verdana" panose="020B0604030504040204" pitchFamily="34" charset="0"/>
-                <a:ea typeface="Verdana" panose="020B0604030504040204" pitchFamily="34" charset="0"/>
-                <a:cs typeface="Courier New" panose="02070309020205020404" pitchFamily="49" charset="0"/>
-              </a:rPr>
-              <a:t>sy</a:t>
-            </a:r>
-            <a:r>
-              <a:rPr lang="en-GB" sz="500" kern="100" spc="-46" dirty="0">
-                <a:latin typeface="Verdana" panose="020B0604030504040204" pitchFamily="34" charset="0"/>
-                <a:ea typeface="Verdana" panose="020B0604030504040204" pitchFamily="34" charset="0"/>
-                <a:cs typeface="Courier New" panose="02070309020205020404" pitchFamily="49" charset="0"/>
-              </a:rPr>
-              <a:t>) = Deque </a:t>
-            </a:r>
-            <a:r>
-              <a:rPr lang="en-GB" sz="500" kern="100" spc="-46" dirty="0" err="1">
-                <a:latin typeface="Verdana" panose="020B0604030504040204" pitchFamily="34" charset="0"/>
-                <a:ea typeface="Verdana" panose="020B0604030504040204" pitchFamily="34" charset="0"/>
-                <a:cs typeface="Courier New" panose="02070309020205020404" pitchFamily="49" charset="0"/>
-              </a:rPr>
-              <a:t>xs</a:t>
-            </a:r>
-            <a:r>
-              <a:rPr lang="en-GB" sz="500" kern="100" spc="-46" dirty="0">
-                <a:latin typeface="Verdana" panose="020B0604030504040204" pitchFamily="34" charset="0"/>
-                <a:ea typeface="Verdana" panose="020B0604030504040204" pitchFamily="34" charset="0"/>
-                <a:cs typeface="Courier New" panose="02070309020205020404" pitchFamily="49" charset="0"/>
-              </a:rPr>
-              <a:t> </a:t>
-            </a:r>
-            <a:r>
-              <a:rPr lang="en-GB" sz="500" kern="100" spc="-46" dirty="0" err="1">
-                <a:latin typeface="Verdana" panose="020B0604030504040204" pitchFamily="34" charset="0"/>
-                <a:ea typeface="Verdana" panose="020B0604030504040204" pitchFamily="34" charset="0"/>
-                <a:cs typeface="Courier New" panose="02070309020205020404" pitchFamily="49" charset="0"/>
-              </a:rPr>
-              <a:t>sy</a:t>
-            </a:r>
-            <a:endParaRPr lang="en-GB" sz="500" kern="100" spc="-46" dirty="0">
-              <a:latin typeface="Verdana" panose="020B0604030504040204" pitchFamily="34" charset="0"/>
-              <a:ea typeface="Verdana" panose="020B0604030504040204" pitchFamily="34" charset="0"/>
-              <a:cs typeface="Courier New" panose="02070309020205020404" pitchFamily="49" charset="0"/>
-            </a:endParaRPr>
-          </a:p>
-          <a:p>
-            <a:r>
-              <a:rPr lang="en-GB" sz="500" kern="100" spc="-46" dirty="0">
-                <a:latin typeface="Verdana" panose="020B0604030504040204" pitchFamily="34" charset="0"/>
-                <a:ea typeface="Verdana" panose="020B0604030504040204" pitchFamily="34" charset="0"/>
-                <a:cs typeface="Courier New" panose="02070309020205020404" pitchFamily="49" charset="0"/>
-              </a:rPr>
-              <a:t>The deque [x] </a:t>
-            </a:r>
-            <a:r>
-              <a:rPr lang="en-GB" sz="500" kern="100" spc="-46" dirty="0" err="1">
-                <a:latin typeface="Verdana" panose="020B0604030504040204" pitchFamily="34" charset="0"/>
-                <a:ea typeface="Verdana" panose="020B0604030504040204" pitchFamily="34" charset="0"/>
-                <a:cs typeface="Courier New" panose="02070309020205020404" pitchFamily="49" charset="0"/>
-              </a:rPr>
-              <a:t>sy</a:t>
-            </a:r>
-            <a:r>
-              <a:rPr lang="en-GB" sz="500" kern="100" spc="-46" dirty="0">
-                <a:latin typeface="Verdana" panose="020B0604030504040204" pitchFamily="34" charset="0"/>
-                <a:ea typeface="Verdana" panose="020B0604030504040204" pitchFamily="34" charset="0"/>
-                <a:cs typeface="Courier New" panose="02070309020205020404" pitchFamily="49" charset="0"/>
-              </a:rPr>
-              <a:t> case is expensive – O(n) (uses </a:t>
-            </a:r>
-            <a:r>
-              <a:rPr lang="en-GB" sz="500" kern="100" spc="-46" dirty="0" err="1">
-                <a:latin typeface="Verdana" panose="020B0604030504040204" pitchFamily="34" charset="0"/>
-                <a:ea typeface="Verdana" panose="020B0604030504040204" pitchFamily="34" charset="0"/>
-                <a:cs typeface="Courier New" panose="02070309020205020404" pitchFamily="49" charset="0"/>
-              </a:rPr>
-              <a:t>fromList</a:t>
-            </a:r>
-            <a:r>
-              <a:rPr lang="en-GB" sz="500" kern="100" spc="-46" dirty="0">
-                <a:latin typeface="Verdana" panose="020B0604030504040204" pitchFamily="34" charset="0"/>
-                <a:ea typeface="Verdana" panose="020B0604030504040204" pitchFamily="34" charset="0"/>
-                <a:cs typeface="Courier New" panose="02070309020205020404" pitchFamily="49" charset="0"/>
-              </a:rPr>
-              <a:t> and reverse). Consider carrying out tail </a:t>
-            </a:r>
-            <a:r>
-              <a:rPr lang="en-GB" sz="500" kern="100" spc="-46" dirty="0" err="1">
-                <a:latin typeface="Verdana" panose="020B0604030504040204" pitchFamily="34" charset="0"/>
-                <a:ea typeface="Verdana" panose="020B0604030504040204" pitchFamily="34" charset="0"/>
-                <a:cs typeface="Courier New" panose="02070309020205020404" pitchFamily="49" charset="0"/>
-              </a:rPr>
-              <a:t>xs</a:t>
-            </a:r>
-            <a:r>
-              <a:rPr lang="en-GB" sz="500" kern="100" spc="-46" dirty="0">
-                <a:latin typeface="Verdana" panose="020B0604030504040204" pitchFamily="34" charset="0"/>
-                <a:ea typeface="Verdana" panose="020B0604030504040204" pitchFamily="34" charset="0"/>
-                <a:cs typeface="Courier New" panose="02070309020205020404" pitchFamily="49" charset="0"/>
-              </a:rPr>
-              <a:t> for a deque </a:t>
-            </a:r>
-            <a:r>
-              <a:rPr lang="en-GB" sz="500" kern="100" spc="-46" dirty="0" err="1">
-                <a:latin typeface="Verdana" panose="020B0604030504040204" pitchFamily="34" charset="0"/>
-                <a:ea typeface="Verdana" panose="020B0604030504040204" pitchFamily="34" charset="0"/>
-                <a:cs typeface="Courier New" panose="02070309020205020404" pitchFamily="49" charset="0"/>
-              </a:rPr>
-              <a:t>xs</a:t>
-            </a:r>
-            <a:r>
-              <a:rPr lang="en-GB" sz="500" kern="100" spc="-46" dirty="0">
-                <a:latin typeface="Verdana" panose="020B0604030504040204" pitchFamily="34" charset="0"/>
-                <a:ea typeface="Verdana" panose="020B0604030504040204" pitchFamily="34" charset="0"/>
-                <a:cs typeface="Courier New" panose="02070309020205020404" pitchFamily="49" charset="0"/>
-              </a:rPr>
-              <a:t> of length n. Based off this worst case we’d assume the cost of tail is O(n). However consider repeated calls of tail in a chain until the list is exhausted. We’d only ever encounter the 3</a:t>
-            </a:r>
-            <a:r>
-              <a:rPr lang="en-GB" sz="500" kern="100" spc="-46" baseline="30000" dirty="0">
-                <a:latin typeface="Verdana" panose="020B0604030504040204" pitchFamily="34" charset="0"/>
-                <a:ea typeface="Verdana" panose="020B0604030504040204" pitchFamily="34" charset="0"/>
-                <a:cs typeface="Courier New" panose="02070309020205020404" pitchFamily="49" charset="0"/>
-              </a:rPr>
-              <a:t>rd</a:t>
-            </a:r>
-            <a:r>
-              <a:rPr lang="en-GB" sz="500" kern="100" spc="-46" dirty="0">
-                <a:latin typeface="Verdana" panose="020B0604030504040204" pitchFamily="34" charset="0"/>
-                <a:ea typeface="Verdana" panose="020B0604030504040204" pitchFamily="34" charset="0"/>
-                <a:cs typeface="Courier New" panose="02070309020205020404" pitchFamily="49" charset="0"/>
-              </a:rPr>
-              <a:t> case ONCE – our cost being O(n</a:t>
-            </a:r>
-            <a:r>
-              <a:rPr lang="en-GB" sz="500" kern="100" spc="-46" baseline="30000" dirty="0">
-                <a:latin typeface="Verdana" panose="020B0604030504040204" pitchFamily="34" charset="0"/>
-                <a:ea typeface="Verdana" panose="020B0604030504040204" pitchFamily="34" charset="0"/>
-                <a:cs typeface="Courier New" panose="02070309020205020404" pitchFamily="49" charset="0"/>
-              </a:rPr>
-              <a:t>2</a:t>
-            </a:r>
-            <a:r>
-              <a:rPr lang="en-GB" sz="500" kern="100" spc="-46" dirty="0">
-                <a:latin typeface="Verdana" panose="020B0604030504040204" pitchFamily="34" charset="0"/>
-                <a:ea typeface="Verdana" panose="020B0604030504040204" pitchFamily="34" charset="0"/>
-                <a:cs typeface="Courier New" panose="02070309020205020404" pitchFamily="49" charset="0"/>
-              </a:rPr>
-              <a:t>) for having n calls of an algorithm of worst case cost O(n) is misleading. We should do </a:t>
-            </a:r>
-            <a:r>
-              <a:rPr lang="en-GB" sz="500" b="1" kern="100" spc="-46" dirty="0">
-                <a:latin typeface="Verdana" panose="020B0604030504040204" pitchFamily="34" charset="0"/>
-                <a:ea typeface="Verdana" panose="020B0604030504040204" pitchFamily="34" charset="0"/>
-                <a:cs typeface="Courier New" panose="02070309020205020404" pitchFamily="49" charset="0"/>
-              </a:rPr>
-              <a:t>Amortized Analysis:</a:t>
-            </a:r>
-            <a:r>
-              <a:rPr lang="en-GB" sz="500" kern="100" spc="-46" dirty="0">
-                <a:latin typeface="Verdana" panose="020B0604030504040204" pitchFamily="34" charset="0"/>
-                <a:ea typeface="Verdana" panose="020B0604030504040204" pitchFamily="34" charset="0"/>
-                <a:cs typeface="Courier New" panose="02070309020205020404" pitchFamily="49" charset="0"/>
-              </a:rPr>
-              <a:t> </a:t>
-            </a:r>
-          </a:p>
-          <a:p>
-            <a:r>
-              <a:rPr lang="en-GB" sz="500" b="1" u="sng" kern="100" spc="-46" dirty="0">
-                <a:latin typeface="Verdana" panose="020B0604030504040204" pitchFamily="34" charset="0"/>
-                <a:ea typeface="Verdana" panose="020B0604030504040204" pitchFamily="34" charset="0"/>
-                <a:cs typeface="Courier New" panose="02070309020205020404" pitchFamily="49" charset="0"/>
-              </a:rPr>
-              <a:t>8.2) Amortization</a:t>
-            </a:r>
-            <a:r>
-              <a:rPr lang="en-GB" sz="500" kern="100" spc="-46" dirty="0">
-                <a:latin typeface="Verdana" panose="020B0604030504040204" pitchFamily="34" charset="0"/>
-                <a:ea typeface="Verdana" panose="020B0604030504040204" pitchFamily="34" charset="0"/>
-                <a:cs typeface="Courier New" panose="02070309020205020404" pitchFamily="49" charset="0"/>
-              </a:rPr>
-              <a:t> – The general setting is a sequence of operations op</a:t>
-            </a:r>
-            <a:r>
-              <a:rPr lang="en-GB" sz="500" kern="100" spc="-46" baseline="-25000" dirty="0">
-                <a:latin typeface="Verdana" panose="020B0604030504040204" pitchFamily="34" charset="0"/>
-                <a:ea typeface="Verdana" panose="020B0604030504040204" pitchFamily="34" charset="0"/>
-                <a:cs typeface="Courier New" panose="02070309020205020404" pitchFamily="49" charset="0"/>
-              </a:rPr>
-              <a:t>0</a:t>
-            </a:r>
-            <a:r>
-              <a:rPr lang="en-GB" sz="500" kern="100" spc="-46" dirty="0">
-                <a:latin typeface="Verdana" panose="020B0604030504040204" pitchFamily="34" charset="0"/>
-                <a:ea typeface="Verdana" panose="020B0604030504040204" pitchFamily="34" charset="0"/>
-                <a:cs typeface="Courier New" panose="02070309020205020404" pitchFamily="49" charset="0"/>
-              </a:rPr>
-              <a:t> … </a:t>
-            </a:r>
-            <a:r>
-              <a:rPr lang="en-GB" sz="500" kern="100" spc="-46" dirty="0" err="1">
-                <a:latin typeface="Verdana" panose="020B0604030504040204" pitchFamily="34" charset="0"/>
-                <a:ea typeface="Verdana" panose="020B0604030504040204" pitchFamily="34" charset="0"/>
-                <a:cs typeface="Courier New" panose="02070309020205020404" pitchFamily="49" charset="0"/>
-              </a:rPr>
-              <a:t>op</a:t>
-            </a:r>
-            <a:r>
-              <a:rPr lang="en-GB" sz="500" kern="100" spc="-46" baseline="-25000" dirty="0" err="1">
-                <a:latin typeface="Verdana" panose="020B0604030504040204" pitchFamily="34" charset="0"/>
-                <a:ea typeface="Verdana" panose="020B0604030504040204" pitchFamily="34" charset="0"/>
-                <a:cs typeface="Courier New" panose="02070309020205020404" pitchFamily="49" charset="0"/>
-              </a:rPr>
-              <a:t>n</a:t>
-            </a:r>
-            <a:r>
-              <a:rPr lang="en-GB" sz="500" kern="100" spc="-46" dirty="0">
-                <a:latin typeface="Verdana" panose="020B0604030504040204" pitchFamily="34" charset="0"/>
-                <a:ea typeface="Verdana" panose="020B0604030504040204" pitchFamily="34" charset="0"/>
-                <a:cs typeface="Courier New" panose="02070309020205020404" pitchFamily="49" charset="0"/>
-              </a:rPr>
-              <a:t> acting on an initial </a:t>
-            </a:r>
-            <a:r>
-              <a:rPr lang="en-GB" sz="500" kern="100" spc="-46" dirty="0" err="1">
-                <a:latin typeface="Verdana" panose="020B0604030504040204" pitchFamily="34" charset="0"/>
-                <a:ea typeface="Verdana" panose="020B0604030504040204" pitchFamily="34" charset="0"/>
-                <a:cs typeface="Courier New" panose="02070309020205020404" pitchFamily="49" charset="0"/>
-              </a:rPr>
-              <a:t>datastructure</a:t>
-            </a:r>
-            <a:r>
-              <a:rPr lang="en-GB" sz="500" kern="100" spc="-46" dirty="0">
-                <a:latin typeface="Verdana" panose="020B0604030504040204" pitchFamily="34" charset="0"/>
-                <a:ea typeface="Verdana" panose="020B0604030504040204" pitchFamily="34" charset="0"/>
-                <a:cs typeface="Courier New" panose="02070309020205020404" pitchFamily="49" charset="0"/>
-              </a:rPr>
-              <a:t> xs</a:t>
-            </a:r>
-            <a:r>
-              <a:rPr lang="en-GB" sz="500" kern="100" spc="-46" baseline="-25000" dirty="0">
-                <a:latin typeface="Verdana" panose="020B0604030504040204" pitchFamily="34" charset="0"/>
-                <a:ea typeface="Verdana" panose="020B0604030504040204" pitchFamily="34" charset="0"/>
-                <a:cs typeface="Courier New" panose="02070309020205020404" pitchFamily="49" charset="0"/>
-              </a:rPr>
-              <a:t>0</a:t>
-            </a:r>
-            <a:r>
-              <a:rPr lang="en-GB" sz="500" kern="100" spc="-46" dirty="0">
-                <a:latin typeface="Verdana" panose="020B0604030504040204" pitchFamily="34" charset="0"/>
-                <a:ea typeface="Verdana" panose="020B0604030504040204" pitchFamily="34" charset="0"/>
-                <a:cs typeface="Courier New" panose="02070309020205020404" pitchFamily="49" charset="0"/>
-              </a:rPr>
-              <a:t>. </a:t>
-            </a:r>
-            <a:r>
-              <a:rPr lang="nl-NL" sz="500" kern="100" spc="-46" dirty="0" err="1">
-                <a:latin typeface="Verdana" panose="020B0604030504040204" pitchFamily="34" charset="0"/>
-                <a:ea typeface="Verdana" panose="020B0604030504040204" pitchFamily="34" charset="0"/>
-                <a:cs typeface="Courier New" panose="02070309020205020404" pitchFamily="49" charset="0"/>
-              </a:rPr>
-              <a:t>To</a:t>
-            </a:r>
-            <a:r>
-              <a:rPr lang="nl-NL" sz="500" kern="100" spc="-46" dirty="0">
-                <a:latin typeface="Verdana" panose="020B0604030504040204" pitchFamily="34" charset="0"/>
-                <a:ea typeface="Verdana" panose="020B0604030504040204" pitchFamily="34" charset="0"/>
-                <a:cs typeface="Courier New" panose="02070309020205020404" pitchFamily="49" charset="0"/>
-              </a:rPr>
-              <a:t> </a:t>
-            </a:r>
-            <a:r>
-              <a:rPr lang="nl-NL" sz="500" kern="100" spc="-46" dirty="0" err="1">
-                <a:latin typeface="Verdana" panose="020B0604030504040204" pitchFamily="34" charset="0"/>
-                <a:ea typeface="Verdana" panose="020B0604030504040204" pitchFamily="34" charset="0"/>
-                <a:cs typeface="Courier New" panose="02070309020205020404" pitchFamily="49" charset="0"/>
-              </a:rPr>
-              <a:t>perform</a:t>
-            </a:r>
-            <a:r>
-              <a:rPr lang="nl-NL" sz="500" kern="100" spc="-46" dirty="0">
-                <a:latin typeface="Verdana" panose="020B0604030504040204" pitchFamily="34" charset="0"/>
-                <a:ea typeface="Verdana" panose="020B0604030504040204" pitchFamily="34" charset="0"/>
-                <a:cs typeface="Courier New" panose="02070309020205020404" pitchFamily="49" charset="0"/>
-              </a:rPr>
-              <a:t> </a:t>
-            </a:r>
-            <a:r>
-              <a:rPr lang="nl-NL" sz="500" kern="100" spc="-46" dirty="0" err="1">
-                <a:latin typeface="Verdana" panose="020B0604030504040204" pitchFamily="34" charset="0"/>
-                <a:ea typeface="Verdana" panose="020B0604030504040204" pitchFamily="34" charset="0"/>
-                <a:cs typeface="Courier New" panose="02070309020205020404" pitchFamily="49" charset="0"/>
-              </a:rPr>
-              <a:t>amortized</a:t>
-            </a:r>
-            <a:r>
-              <a:rPr lang="nl-NL" sz="500" kern="100" spc="-46" dirty="0">
-                <a:latin typeface="Verdana" panose="020B0604030504040204" pitchFamily="34" charset="0"/>
-                <a:ea typeface="Verdana" panose="020B0604030504040204" pitchFamily="34" charset="0"/>
-                <a:cs typeface="Courier New" panose="02070309020205020404" pitchFamily="49" charset="0"/>
-              </a:rPr>
-              <a:t> analysis we must:</a:t>
-            </a:r>
-          </a:p>
-          <a:p>
-            <a:r>
-              <a:rPr lang="nl-NL" sz="500" kern="100" spc="-46" dirty="0">
-                <a:latin typeface="Verdana" panose="020B0604030504040204" pitchFamily="34" charset="0"/>
-                <a:ea typeface="Verdana" panose="020B0604030504040204" pitchFamily="34" charset="0"/>
-                <a:cs typeface="Courier New" panose="02070309020205020404" pitchFamily="49" charset="0"/>
-              </a:rPr>
-              <a:t>1. </a:t>
-            </a:r>
-            <a:r>
-              <a:rPr lang="nl-NL" sz="500" kern="100" spc="-46" dirty="0" err="1">
-                <a:latin typeface="Verdana" panose="020B0604030504040204" pitchFamily="34" charset="0"/>
-                <a:ea typeface="Verdana" panose="020B0604030504040204" pitchFamily="34" charset="0"/>
-                <a:cs typeface="Courier New" panose="02070309020205020404" pitchFamily="49" charset="0"/>
-              </a:rPr>
-              <a:t>Define</a:t>
-            </a:r>
-            <a:r>
-              <a:rPr lang="nl-NL" sz="500" kern="100" spc="-46" dirty="0">
-                <a:latin typeface="Verdana" panose="020B0604030504040204" pitchFamily="34" charset="0"/>
-                <a:ea typeface="Verdana" panose="020B0604030504040204" pitchFamily="34" charset="0"/>
-                <a:cs typeface="Courier New" panose="02070309020205020404" pitchFamily="49" charset="0"/>
-              </a:rPr>
-              <a:t> a </a:t>
-            </a:r>
-            <a:r>
-              <a:rPr lang="nl-NL" sz="500" b="1" kern="100" spc="-46" dirty="0" err="1">
-                <a:latin typeface="Verdana" panose="020B0604030504040204" pitchFamily="34" charset="0"/>
-                <a:ea typeface="Verdana" panose="020B0604030504040204" pitchFamily="34" charset="0"/>
-                <a:cs typeface="Courier New" panose="02070309020205020404" pitchFamily="49" charset="0"/>
-              </a:rPr>
-              <a:t>cost</a:t>
-            </a:r>
-            <a:r>
-              <a:rPr lang="nl-NL" sz="500" b="1" kern="100" spc="-46" dirty="0">
-                <a:latin typeface="Verdana" panose="020B0604030504040204" pitchFamily="34" charset="0"/>
-                <a:ea typeface="Verdana" panose="020B0604030504040204" pitchFamily="34" charset="0"/>
-                <a:cs typeface="Courier New" panose="02070309020205020404" pitchFamily="49" charset="0"/>
-              </a:rPr>
-              <a:t> </a:t>
-            </a:r>
-            <a:r>
-              <a:rPr lang="nl-NL" sz="500" b="1" kern="100" spc="-46" dirty="0" err="1">
-                <a:latin typeface="Verdana" panose="020B0604030504040204" pitchFamily="34" charset="0"/>
-                <a:ea typeface="Verdana" panose="020B0604030504040204" pitchFamily="34" charset="0"/>
-                <a:cs typeface="Courier New" panose="02070309020205020404" pitchFamily="49" charset="0"/>
-              </a:rPr>
-              <a:t>function</a:t>
-            </a:r>
-            <a:r>
-              <a:rPr lang="nl-NL" sz="500" b="1" kern="100" spc="-46" dirty="0">
-                <a:latin typeface="Verdana" panose="020B0604030504040204" pitchFamily="34" charset="0"/>
-                <a:ea typeface="Verdana" panose="020B0604030504040204" pitchFamily="34" charset="0"/>
-                <a:cs typeface="Courier New" panose="02070309020205020404" pitchFamily="49" charset="0"/>
-              </a:rPr>
-              <a:t> </a:t>
-            </a:r>
-            <a:r>
-              <a:rPr lang="nl-NL" sz="500" kern="100" spc="-46" dirty="0" err="1">
-                <a:latin typeface="Verdana" panose="020B0604030504040204" pitchFamily="34" charset="0"/>
-                <a:ea typeface="Verdana" panose="020B0604030504040204" pitchFamily="34" charset="0"/>
-                <a:cs typeface="Courier New" panose="02070309020205020404" pitchFamily="49" charset="0"/>
-              </a:rPr>
-              <a:t>C</a:t>
-            </a:r>
-            <a:r>
-              <a:rPr lang="nl-NL" sz="600" kern="100" spc="-46" baseline="-25000" dirty="0" err="1">
-                <a:latin typeface="Verdana" panose="020B0604030504040204" pitchFamily="34" charset="0"/>
-                <a:ea typeface="Verdana" panose="020B0604030504040204" pitchFamily="34" charset="0"/>
-                <a:cs typeface="Courier New" panose="02070309020205020404" pitchFamily="49" charset="0"/>
-              </a:rPr>
-              <a:t>opi</a:t>
-            </a:r>
-            <a:r>
-              <a:rPr lang="nl-NL" sz="600" kern="100" spc="-46" baseline="-25000" dirty="0">
-                <a:latin typeface="Verdana" panose="020B0604030504040204" pitchFamily="34" charset="0"/>
-                <a:ea typeface="Verdana" panose="020B0604030504040204" pitchFamily="34" charset="0"/>
-                <a:cs typeface="Courier New" panose="02070309020205020404" pitchFamily="49" charset="0"/>
-              </a:rPr>
-              <a:t> </a:t>
-            </a:r>
-            <a:r>
-              <a:rPr lang="nl-NL" sz="500" kern="100" spc="-46" dirty="0">
-                <a:latin typeface="Verdana" panose="020B0604030504040204" pitchFamily="34" charset="0"/>
-                <a:ea typeface="Verdana" panose="020B0604030504040204" pitchFamily="34" charset="0"/>
-                <a:cs typeface="Courier New" panose="02070309020205020404" pitchFamily="49" charset="0"/>
-              </a:rPr>
-              <a:t>(</a:t>
-            </a:r>
-            <a:r>
-              <a:rPr lang="nl-NL" sz="500" kern="100" spc="-46" dirty="0" err="1">
-                <a:latin typeface="Verdana" panose="020B0604030504040204" pitchFamily="34" charset="0"/>
-                <a:ea typeface="Verdana" panose="020B0604030504040204" pitchFamily="34" charset="0"/>
-                <a:cs typeface="Courier New" panose="02070309020205020404" pitchFamily="49" charset="0"/>
-              </a:rPr>
-              <a:t>xs</a:t>
-            </a:r>
-            <a:r>
-              <a:rPr lang="nl-NL" sz="500" kern="100" spc="-46" baseline="-25000" dirty="0" err="1">
-                <a:latin typeface="Verdana" panose="020B0604030504040204" pitchFamily="34" charset="0"/>
-                <a:ea typeface="Verdana" panose="020B0604030504040204" pitchFamily="34" charset="0"/>
-                <a:cs typeface="Courier New" panose="02070309020205020404" pitchFamily="49" charset="0"/>
-              </a:rPr>
-              <a:t>i</a:t>
-            </a:r>
-            <a:r>
-              <a:rPr lang="nl-NL" sz="500" kern="100" spc="-46" dirty="0">
-                <a:latin typeface="Verdana" panose="020B0604030504040204" pitchFamily="34" charset="0"/>
-                <a:ea typeface="Verdana" panose="020B0604030504040204" pitchFamily="34" charset="0"/>
-                <a:cs typeface="Courier New" panose="02070309020205020404" pitchFamily="49" charset="0"/>
-              </a:rPr>
-              <a:t>)</a:t>
-            </a:r>
-            <a:r>
-              <a:rPr lang="en-GB" sz="500" kern="100" spc="-46" dirty="0">
-                <a:latin typeface="Verdana" panose="020B0604030504040204" pitchFamily="34" charset="0"/>
-                <a:ea typeface="Verdana" panose="020B0604030504040204" pitchFamily="34" charset="0"/>
-                <a:cs typeface="Courier New" panose="02070309020205020404" pitchFamily="49" charset="0"/>
-              </a:rPr>
-              <a:t> </a:t>
-            </a:r>
-            <a:r>
-              <a:rPr lang="en-GB" sz="500" b="1" kern="100" spc="-46" dirty="0">
-                <a:latin typeface="Verdana" panose="020B0604030504040204" pitchFamily="34" charset="0"/>
-                <a:ea typeface="Verdana" panose="020B0604030504040204" pitchFamily="34" charset="0"/>
-                <a:cs typeface="Courier New" panose="02070309020205020404" pitchFamily="49" charset="0"/>
-              </a:rPr>
-              <a:t>for each operation </a:t>
-            </a:r>
-            <a:r>
-              <a:rPr lang="en-GB" sz="500" b="1" kern="100" spc="-46" dirty="0" err="1">
-                <a:latin typeface="Verdana" panose="020B0604030504040204" pitchFamily="34" charset="0"/>
-                <a:ea typeface="Verdana" panose="020B0604030504040204" pitchFamily="34" charset="0"/>
-                <a:cs typeface="Courier New" panose="02070309020205020404" pitchFamily="49" charset="0"/>
-              </a:rPr>
-              <a:t>op</a:t>
-            </a:r>
-            <a:r>
-              <a:rPr lang="en-GB" sz="500" b="1" kern="100" spc="-46" baseline="-25000" dirty="0" err="1">
-                <a:latin typeface="Verdana" panose="020B0604030504040204" pitchFamily="34" charset="0"/>
-                <a:ea typeface="Verdana" panose="020B0604030504040204" pitchFamily="34" charset="0"/>
-                <a:cs typeface="Courier New" panose="02070309020205020404" pitchFamily="49" charset="0"/>
-              </a:rPr>
-              <a:t>i</a:t>
-            </a:r>
-            <a:r>
-              <a:rPr lang="en-GB" sz="500" b="1" kern="100" spc="-46" dirty="0">
-                <a:latin typeface="Verdana" panose="020B0604030504040204" pitchFamily="34" charset="0"/>
-                <a:ea typeface="Verdana" panose="020B0604030504040204" pitchFamily="34" charset="0"/>
-                <a:cs typeface="Courier New" panose="02070309020205020404" pitchFamily="49" charset="0"/>
-              </a:rPr>
-              <a:t> on data </a:t>
-            </a:r>
-            <a:r>
-              <a:rPr lang="en-GB" sz="500" b="1" kern="100" spc="-46" dirty="0" err="1">
-                <a:latin typeface="Verdana" panose="020B0604030504040204" pitchFamily="34" charset="0"/>
-                <a:ea typeface="Verdana" panose="020B0604030504040204" pitchFamily="34" charset="0"/>
-                <a:cs typeface="Courier New" panose="02070309020205020404" pitchFamily="49" charset="0"/>
-              </a:rPr>
-              <a:t>xs</a:t>
-            </a:r>
-            <a:r>
-              <a:rPr lang="en-GB" sz="500" b="1" kern="100" spc="-46" baseline="-25000" dirty="0" err="1">
-                <a:latin typeface="Verdana" panose="020B0604030504040204" pitchFamily="34" charset="0"/>
-                <a:ea typeface="Verdana" panose="020B0604030504040204" pitchFamily="34" charset="0"/>
-                <a:cs typeface="Courier New" panose="02070309020205020404" pitchFamily="49" charset="0"/>
-              </a:rPr>
-              <a:t>i</a:t>
-            </a:r>
-            <a:r>
-              <a:rPr lang="en-GB" sz="500" kern="100" spc="-46" dirty="0">
-                <a:latin typeface="Verdana" panose="020B0604030504040204" pitchFamily="34" charset="0"/>
-                <a:ea typeface="Verdana" panose="020B0604030504040204" pitchFamily="34" charset="0"/>
-                <a:cs typeface="Courier New" panose="02070309020205020404" pitchFamily="49" charset="0"/>
-              </a:rPr>
-              <a:t>.</a:t>
-            </a:r>
-          </a:p>
-          <a:p>
-            <a:r>
-              <a:rPr lang="en-GB" sz="500" kern="100" spc="-46" dirty="0">
-                <a:latin typeface="Verdana" panose="020B0604030504040204" pitchFamily="34" charset="0"/>
-                <a:ea typeface="Verdana" panose="020B0604030504040204" pitchFamily="34" charset="0"/>
-                <a:cs typeface="Courier New" panose="02070309020205020404" pitchFamily="49" charset="0"/>
-              </a:rPr>
-              <a:t>2. Define an </a:t>
-            </a:r>
-            <a:r>
-              <a:rPr lang="en-GB" sz="500" b="1" kern="100" spc="-46" dirty="0">
-                <a:latin typeface="Verdana" panose="020B0604030504040204" pitchFamily="34" charset="0"/>
-                <a:ea typeface="Verdana" panose="020B0604030504040204" pitchFamily="34" charset="0"/>
-                <a:cs typeface="Courier New" panose="02070309020205020404" pitchFamily="49" charset="0"/>
-              </a:rPr>
-              <a:t>amortized cost function </a:t>
-            </a:r>
-            <a:r>
-              <a:rPr lang="en-GB" sz="500" kern="100" spc="-46" dirty="0" err="1">
-                <a:latin typeface="Verdana" panose="020B0604030504040204" pitchFamily="34" charset="0"/>
-                <a:ea typeface="Verdana" panose="020B0604030504040204" pitchFamily="34" charset="0"/>
-                <a:cs typeface="Courier New" panose="02070309020205020404" pitchFamily="49" charset="0"/>
-              </a:rPr>
-              <a:t>A</a:t>
-            </a:r>
-            <a:r>
-              <a:rPr lang="en-GB" sz="500" kern="100" spc="-46" baseline="-25000" dirty="0" err="1">
-                <a:latin typeface="Verdana" panose="020B0604030504040204" pitchFamily="34" charset="0"/>
-                <a:ea typeface="Verdana" panose="020B0604030504040204" pitchFamily="34" charset="0"/>
-                <a:cs typeface="Courier New" panose="02070309020205020404" pitchFamily="49" charset="0"/>
-              </a:rPr>
-              <a:t>opi</a:t>
-            </a:r>
-            <a:r>
-              <a:rPr lang="en-GB" sz="500" kern="100" spc="-46" dirty="0">
-                <a:latin typeface="Verdana" panose="020B0604030504040204" pitchFamily="34" charset="0"/>
-                <a:ea typeface="Verdana" panose="020B0604030504040204" pitchFamily="34" charset="0"/>
-                <a:cs typeface="Courier New" panose="02070309020205020404" pitchFamily="49" charset="0"/>
-              </a:rPr>
-              <a:t>(</a:t>
-            </a:r>
-            <a:r>
-              <a:rPr lang="en-GB" sz="500" kern="100" spc="-46" dirty="0" err="1">
-                <a:latin typeface="Verdana" panose="020B0604030504040204" pitchFamily="34" charset="0"/>
-                <a:ea typeface="Verdana" panose="020B0604030504040204" pitchFamily="34" charset="0"/>
-                <a:cs typeface="Courier New" panose="02070309020205020404" pitchFamily="49" charset="0"/>
-              </a:rPr>
-              <a:t>xs</a:t>
-            </a:r>
-            <a:r>
-              <a:rPr lang="en-GB" sz="500" kern="100" spc="-46" baseline="-25000" dirty="0" err="1">
-                <a:latin typeface="Verdana" panose="020B0604030504040204" pitchFamily="34" charset="0"/>
-                <a:ea typeface="Verdana" panose="020B0604030504040204" pitchFamily="34" charset="0"/>
-                <a:cs typeface="Courier New" panose="02070309020205020404" pitchFamily="49" charset="0"/>
-              </a:rPr>
-              <a:t>i</a:t>
-            </a:r>
-            <a:r>
-              <a:rPr lang="en-GB" sz="500" kern="100" spc="-46" dirty="0">
-                <a:latin typeface="Verdana" panose="020B0604030504040204" pitchFamily="34" charset="0"/>
-                <a:ea typeface="Verdana" panose="020B0604030504040204" pitchFamily="34" charset="0"/>
-                <a:cs typeface="Courier New" panose="02070309020205020404" pitchFamily="49" charset="0"/>
-              </a:rPr>
-              <a:t>) </a:t>
-            </a:r>
-            <a:r>
-              <a:rPr lang="en-GB" sz="500" b="1" kern="100" spc="-46" dirty="0">
-                <a:latin typeface="Verdana" panose="020B0604030504040204" pitchFamily="34" charset="0"/>
-                <a:ea typeface="Verdana" panose="020B0604030504040204" pitchFamily="34" charset="0"/>
-                <a:cs typeface="Courier New" panose="02070309020205020404" pitchFamily="49" charset="0"/>
-              </a:rPr>
-              <a:t>for each operation </a:t>
-            </a:r>
-            <a:r>
-              <a:rPr lang="en-GB" sz="500" b="1" kern="100" spc="-46" dirty="0" err="1">
-                <a:latin typeface="Verdana" panose="020B0604030504040204" pitchFamily="34" charset="0"/>
-                <a:ea typeface="Verdana" panose="020B0604030504040204" pitchFamily="34" charset="0"/>
-                <a:cs typeface="Courier New" panose="02070309020205020404" pitchFamily="49" charset="0"/>
-              </a:rPr>
-              <a:t>op</a:t>
-            </a:r>
-            <a:r>
-              <a:rPr lang="en-GB" sz="500" b="1" kern="100" spc="-46" baseline="-25000" dirty="0" err="1">
-                <a:latin typeface="Verdana" panose="020B0604030504040204" pitchFamily="34" charset="0"/>
-                <a:ea typeface="Verdana" panose="020B0604030504040204" pitchFamily="34" charset="0"/>
-                <a:cs typeface="Courier New" panose="02070309020205020404" pitchFamily="49" charset="0"/>
-              </a:rPr>
-              <a:t>i</a:t>
-            </a:r>
-            <a:r>
-              <a:rPr lang="en-GB" sz="500" b="1" kern="100" spc="-46" dirty="0">
-                <a:latin typeface="Verdana" panose="020B0604030504040204" pitchFamily="34" charset="0"/>
-                <a:ea typeface="Verdana" panose="020B0604030504040204" pitchFamily="34" charset="0"/>
-                <a:cs typeface="Courier New" panose="02070309020205020404" pitchFamily="49" charset="0"/>
-              </a:rPr>
-              <a:t> on data </a:t>
-            </a:r>
-            <a:r>
-              <a:rPr lang="en-GB" sz="500" b="1" kern="100" spc="-46" dirty="0" err="1">
-                <a:latin typeface="Verdana" panose="020B0604030504040204" pitchFamily="34" charset="0"/>
-                <a:ea typeface="Verdana" panose="020B0604030504040204" pitchFamily="34" charset="0"/>
-                <a:cs typeface="Courier New" panose="02070309020205020404" pitchFamily="49" charset="0"/>
-              </a:rPr>
-              <a:t>xs</a:t>
-            </a:r>
-            <a:r>
-              <a:rPr lang="en-GB" sz="500" b="1" kern="100" spc="-46" baseline="-25000" dirty="0" err="1">
-                <a:latin typeface="Verdana" panose="020B0604030504040204" pitchFamily="34" charset="0"/>
-                <a:ea typeface="Verdana" panose="020B0604030504040204" pitchFamily="34" charset="0"/>
-                <a:cs typeface="Courier New" panose="02070309020205020404" pitchFamily="49" charset="0"/>
-              </a:rPr>
-              <a:t>i</a:t>
-            </a:r>
-            <a:endParaRPr lang="en-GB" sz="500" b="1" kern="100" spc="-46" baseline="-25000" dirty="0">
-              <a:latin typeface="Verdana" panose="020B0604030504040204" pitchFamily="34" charset="0"/>
-              <a:ea typeface="Verdana" panose="020B0604030504040204" pitchFamily="34" charset="0"/>
-              <a:cs typeface="Courier New" panose="02070309020205020404" pitchFamily="49" charset="0"/>
-            </a:endParaRPr>
-          </a:p>
-          <a:p>
-            <a:r>
-              <a:rPr lang="en-GB" sz="500" kern="100" spc="-46" dirty="0">
-                <a:latin typeface="Verdana" panose="020B0604030504040204" pitchFamily="34" charset="0"/>
-                <a:ea typeface="Verdana" panose="020B0604030504040204" pitchFamily="34" charset="0"/>
-                <a:cs typeface="Courier New" panose="02070309020205020404" pitchFamily="49" charset="0"/>
-              </a:rPr>
-              <a:t>3. A size function S(</a:t>
-            </a:r>
-            <a:r>
-              <a:rPr lang="en-GB" sz="500" kern="100" spc="-46" dirty="0" err="1">
-                <a:latin typeface="Verdana" panose="020B0604030504040204" pitchFamily="34" charset="0"/>
-                <a:ea typeface="Verdana" panose="020B0604030504040204" pitchFamily="34" charset="0"/>
-                <a:cs typeface="Courier New" panose="02070309020205020404" pitchFamily="49" charset="0"/>
-              </a:rPr>
-              <a:t>xs</a:t>
-            </a:r>
-            <a:r>
-              <a:rPr lang="en-GB" sz="500" kern="100" spc="-46" dirty="0">
-                <a:latin typeface="Verdana" panose="020B0604030504040204" pitchFamily="34" charset="0"/>
-                <a:ea typeface="Verdana" panose="020B0604030504040204" pitchFamily="34" charset="0"/>
-                <a:cs typeface="Courier New" panose="02070309020205020404" pitchFamily="49" charset="0"/>
-              </a:rPr>
-              <a:t>) that calculates the size of data </a:t>
-            </a:r>
-            <a:r>
-              <a:rPr lang="en-GB" sz="500" kern="100" spc="-46" dirty="0" err="1">
-                <a:latin typeface="Verdana" panose="020B0604030504040204" pitchFamily="34" charset="0"/>
-                <a:ea typeface="Verdana" panose="020B0604030504040204" pitchFamily="34" charset="0"/>
-                <a:cs typeface="Courier New" panose="02070309020205020404" pitchFamily="49" charset="0"/>
-              </a:rPr>
-              <a:t>xs</a:t>
-            </a:r>
-            <a:r>
-              <a:rPr lang="en-GB" sz="500" kern="100" spc="-46" dirty="0">
-                <a:latin typeface="Verdana" panose="020B0604030504040204" pitchFamily="34" charset="0"/>
-                <a:ea typeface="Verdana" panose="020B0604030504040204" pitchFamily="34" charset="0"/>
-                <a:cs typeface="Courier New" panose="02070309020205020404" pitchFamily="49" charset="0"/>
-              </a:rPr>
-              <a:t>. </a:t>
-            </a:r>
-          </a:p>
-          <a:p>
-            <a:r>
-              <a:rPr lang="en-GB" sz="500" kern="100" spc="-46" dirty="0">
-                <a:latin typeface="Verdana" panose="020B0604030504040204" pitchFamily="34" charset="0"/>
-                <a:ea typeface="Verdana" panose="020B0604030504040204" pitchFamily="34" charset="0"/>
-                <a:cs typeface="Courier New" panose="02070309020205020404" pitchFamily="49" charset="0"/>
-              </a:rPr>
-              <a:t>The costs functions estimate how many steps it would take for each operation to execute. The goal is to define these functions so that they can do an accounting of how much work needs to be done to execute an operation on a </a:t>
-            </a:r>
-            <a:r>
-              <a:rPr lang="en-GB" sz="500" kern="100" spc="-46" dirty="0" err="1">
-                <a:latin typeface="Verdana" panose="020B0604030504040204" pitchFamily="34" charset="0"/>
-                <a:ea typeface="Verdana" panose="020B0604030504040204" pitchFamily="34" charset="0"/>
-                <a:cs typeface="Courier New" panose="02070309020205020404" pitchFamily="49" charset="0"/>
-              </a:rPr>
-              <a:t>datastructure</a:t>
-            </a:r>
-            <a:r>
-              <a:rPr lang="en-GB" sz="500" kern="100" spc="-46" dirty="0">
-                <a:latin typeface="Verdana" panose="020B0604030504040204" pitchFamily="34" charset="0"/>
-                <a:ea typeface="Verdana" panose="020B0604030504040204" pitchFamily="34" charset="0"/>
-                <a:cs typeface="Courier New" panose="02070309020205020404" pitchFamily="49" charset="0"/>
-              </a:rPr>
-              <a:t>. They should be defined so that the following holds: </a:t>
-            </a:r>
-            <a:r>
-              <a:rPr lang="en-GB" sz="500" kern="100" spc="-46" dirty="0" err="1">
-                <a:latin typeface="Verdana" panose="020B0604030504040204" pitchFamily="34" charset="0"/>
-                <a:ea typeface="Verdana" panose="020B0604030504040204" pitchFamily="34" charset="0"/>
-                <a:cs typeface="Courier New" panose="02070309020205020404" pitchFamily="49" charset="0"/>
-              </a:rPr>
-              <a:t>C</a:t>
-            </a:r>
-            <a:r>
-              <a:rPr lang="en-GB" sz="400" kern="100" spc="-46" dirty="0" err="1">
-                <a:latin typeface="Verdana" panose="020B0604030504040204" pitchFamily="34" charset="0"/>
-                <a:ea typeface="Verdana" panose="020B0604030504040204" pitchFamily="34" charset="0"/>
-                <a:cs typeface="Courier New" panose="02070309020205020404" pitchFamily="49" charset="0"/>
-              </a:rPr>
-              <a:t>op</a:t>
-            </a:r>
-            <a:r>
-              <a:rPr lang="en-GB" sz="500" kern="100" spc="-46" baseline="-25000" dirty="0" err="1">
-                <a:latin typeface="Verdana" panose="020B0604030504040204" pitchFamily="34" charset="0"/>
-                <a:ea typeface="Verdana" panose="020B0604030504040204" pitchFamily="34" charset="0"/>
-                <a:cs typeface="Courier New" panose="02070309020205020404" pitchFamily="49" charset="0"/>
-              </a:rPr>
-              <a:t>i</a:t>
-            </a:r>
-            <a:r>
-              <a:rPr lang="en-GB" sz="500" kern="100" spc="-46" dirty="0">
-                <a:latin typeface="Verdana" panose="020B0604030504040204" pitchFamily="34" charset="0"/>
-                <a:ea typeface="Verdana" panose="020B0604030504040204" pitchFamily="34" charset="0"/>
-                <a:cs typeface="Courier New" panose="02070309020205020404" pitchFamily="49" charset="0"/>
-              </a:rPr>
-              <a:t> (</a:t>
-            </a:r>
-            <a:r>
-              <a:rPr lang="en-GB" sz="500" kern="100" spc="-46" dirty="0" err="1">
-                <a:latin typeface="Verdana" panose="020B0604030504040204" pitchFamily="34" charset="0"/>
-                <a:ea typeface="Verdana" panose="020B0604030504040204" pitchFamily="34" charset="0"/>
-                <a:cs typeface="Courier New" panose="02070309020205020404" pitchFamily="49" charset="0"/>
-              </a:rPr>
-              <a:t>xs</a:t>
-            </a:r>
-            <a:r>
-              <a:rPr lang="en-GB" sz="500" kern="100" spc="-46" baseline="-25000" dirty="0" err="1">
-                <a:latin typeface="Verdana" panose="020B0604030504040204" pitchFamily="34" charset="0"/>
-                <a:ea typeface="Verdana" panose="020B0604030504040204" pitchFamily="34" charset="0"/>
-                <a:cs typeface="Courier New" panose="02070309020205020404" pitchFamily="49" charset="0"/>
-              </a:rPr>
-              <a:t>i</a:t>
-            </a:r>
-            <a:r>
-              <a:rPr lang="en-GB" sz="500" kern="100" spc="-46" dirty="0">
-                <a:latin typeface="Verdana" panose="020B0604030504040204" pitchFamily="34" charset="0"/>
-                <a:ea typeface="Verdana" panose="020B0604030504040204" pitchFamily="34" charset="0"/>
-                <a:cs typeface="Courier New" panose="02070309020205020404" pitchFamily="49" charset="0"/>
-              </a:rPr>
-              <a:t>) ⩽ </a:t>
-            </a:r>
-            <a:r>
-              <a:rPr lang="en-GB" sz="500" kern="100" spc="-46" dirty="0" err="1">
-                <a:latin typeface="Verdana" panose="020B0604030504040204" pitchFamily="34" charset="0"/>
-                <a:ea typeface="Verdana" panose="020B0604030504040204" pitchFamily="34" charset="0"/>
-                <a:cs typeface="Courier New" panose="02070309020205020404" pitchFamily="49" charset="0"/>
-              </a:rPr>
-              <a:t>A</a:t>
-            </a:r>
-            <a:r>
-              <a:rPr lang="en-GB" sz="400" kern="100" spc="-46" dirty="0" err="1">
-                <a:latin typeface="Verdana" panose="020B0604030504040204" pitchFamily="34" charset="0"/>
-                <a:ea typeface="Verdana" panose="020B0604030504040204" pitchFamily="34" charset="0"/>
-                <a:cs typeface="Courier New" panose="02070309020205020404" pitchFamily="49" charset="0"/>
-              </a:rPr>
-              <a:t>op</a:t>
-            </a:r>
-            <a:r>
-              <a:rPr lang="en-GB" sz="500" kern="100" spc="-46" baseline="-25000" dirty="0" err="1">
-                <a:latin typeface="Verdana" panose="020B0604030504040204" pitchFamily="34" charset="0"/>
-                <a:ea typeface="Verdana" panose="020B0604030504040204" pitchFamily="34" charset="0"/>
-                <a:cs typeface="Courier New" panose="02070309020205020404" pitchFamily="49" charset="0"/>
-              </a:rPr>
-              <a:t>i</a:t>
-            </a:r>
-            <a:r>
-              <a:rPr lang="en-GB" sz="500" kern="100" spc="-46" dirty="0">
-                <a:latin typeface="Verdana" panose="020B0604030504040204" pitchFamily="34" charset="0"/>
-                <a:ea typeface="Verdana" panose="020B0604030504040204" pitchFamily="34" charset="0"/>
-                <a:cs typeface="Courier New" panose="02070309020205020404" pitchFamily="49" charset="0"/>
-              </a:rPr>
-              <a:t> (</a:t>
-            </a:r>
-            <a:r>
-              <a:rPr lang="en-GB" sz="500" kern="100" spc="-46" dirty="0" err="1">
-                <a:latin typeface="Verdana" panose="020B0604030504040204" pitchFamily="34" charset="0"/>
-                <a:ea typeface="Verdana" panose="020B0604030504040204" pitchFamily="34" charset="0"/>
-                <a:cs typeface="Courier New" panose="02070309020205020404" pitchFamily="49" charset="0"/>
-              </a:rPr>
-              <a:t>xs</a:t>
-            </a:r>
-            <a:r>
-              <a:rPr lang="en-GB" sz="500" kern="100" spc="-46" baseline="-25000" dirty="0" err="1">
-                <a:latin typeface="Verdana" panose="020B0604030504040204" pitchFamily="34" charset="0"/>
-                <a:ea typeface="Verdana" panose="020B0604030504040204" pitchFamily="34" charset="0"/>
-                <a:cs typeface="Courier New" panose="02070309020205020404" pitchFamily="49" charset="0"/>
-              </a:rPr>
-              <a:t>i</a:t>
-            </a:r>
-            <a:r>
-              <a:rPr lang="en-GB" sz="500" kern="100" spc="-46" dirty="0">
-                <a:latin typeface="Verdana" panose="020B0604030504040204" pitchFamily="34" charset="0"/>
-                <a:ea typeface="Verdana" panose="020B0604030504040204" pitchFamily="34" charset="0"/>
-                <a:cs typeface="Courier New" panose="02070309020205020404" pitchFamily="49" charset="0"/>
-              </a:rPr>
-              <a:t>) + S(</a:t>
-            </a:r>
-            <a:r>
-              <a:rPr lang="en-GB" sz="500" kern="100" spc="-46" dirty="0" err="1">
-                <a:latin typeface="Verdana" panose="020B0604030504040204" pitchFamily="34" charset="0"/>
-                <a:ea typeface="Verdana" panose="020B0604030504040204" pitchFamily="34" charset="0"/>
-                <a:cs typeface="Courier New" panose="02070309020205020404" pitchFamily="49" charset="0"/>
-              </a:rPr>
-              <a:t>xs</a:t>
-            </a:r>
-            <a:r>
-              <a:rPr lang="en-GB" sz="500" kern="100" spc="-46" baseline="-25000" dirty="0" err="1">
-                <a:latin typeface="Verdana" panose="020B0604030504040204" pitchFamily="34" charset="0"/>
-                <a:ea typeface="Verdana" panose="020B0604030504040204" pitchFamily="34" charset="0"/>
-                <a:cs typeface="Courier New" panose="02070309020205020404" pitchFamily="49" charset="0"/>
-              </a:rPr>
-              <a:t>i</a:t>
-            </a:r>
-            <a:r>
-              <a:rPr lang="en-GB" sz="500" kern="100" spc="-46" dirty="0">
-                <a:latin typeface="Verdana" panose="020B0604030504040204" pitchFamily="34" charset="0"/>
-                <a:ea typeface="Verdana" panose="020B0604030504040204" pitchFamily="34" charset="0"/>
-                <a:cs typeface="Courier New" panose="02070309020205020404" pitchFamily="49" charset="0"/>
-              </a:rPr>
-              <a:t>) − S(xs</a:t>
-            </a:r>
-            <a:r>
-              <a:rPr lang="en-GB" sz="500" kern="100" spc="-46" baseline="-25000" dirty="0">
-                <a:latin typeface="Verdana" panose="020B0604030504040204" pitchFamily="34" charset="0"/>
-                <a:ea typeface="Verdana" panose="020B0604030504040204" pitchFamily="34" charset="0"/>
-                <a:cs typeface="Courier New" panose="02070309020205020404" pitchFamily="49" charset="0"/>
-              </a:rPr>
-              <a:t>i+1</a:t>
-            </a:r>
-            <a:r>
-              <a:rPr lang="en-GB" sz="500" kern="100" spc="-46" dirty="0">
-                <a:latin typeface="Verdana" panose="020B0604030504040204" pitchFamily="34" charset="0"/>
-                <a:ea typeface="Verdana" panose="020B0604030504040204" pitchFamily="34" charset="0"/>
-                <a:cs typeface="Courier New" panose="02070309020205020404" pitchFamily="49" charset="0"/>
-              </a:rPr>
-              <a:t>) </a:t>
-            </a:r>
-            <a:r>
-              <a:rPr lang="en-GB" sz="500" b="1" kern="100" spc="-46" dirty="0">
-                <a:latin typeface="Verdana" panose="020B0604030504040204" pitchFamily="34" charset="0"/>
-                <a:ea typeface="Verdana" panose="020B0604030504040204" pitchFamily="34" charset="0"/>
-                <a:cs typeface="Courier New" panose="02070309020205020404" pitchFamily="49" charset="0"/>
-              </a:rPr>
-              <a:t>(*)</a:t>
-            </a:r>
-            <a:endParaRPr lang="en-GB" sz="500" kern="100" spc="-46" dirty="0">
-              <a:latin typeface="Verdana" panose="020B0604030504040204" pitchFamily="34" charset="0"/>
-              <a:ea typeface="Verdana" panose="020B0604030504040204" pitchFamily="34" charset="0"/>
-              <a:cs typeface="Courier New" panose="02070309020205020404" pitchFamily="49" charset="0"/>
-            </a:endParaRPr>
-          </a:p>
-          <a:p>
-            <a:r>
-              <a:rPr lang="en-GB" sz="500" kern="100" spc="-46" dirty="0">
-                <a:latin typeface="Verdana" panose="020B0604030504040204" pitchFamily="34" charset="0"/>
-                <a:ea typeface="Verdana" panose="020B0604030504040204" pitchFamily="34" charset="0"/>
-                <a:cs typeface="Courier New" panose="02070309020205020404" pitchFamily="49" charset="0"/>
-              </a:rPr>
-              <a:t>This says for any given data </a:t>
-            </a:r>
-            <a:r>
-              <a:rPr lang="en-GB" sz="500" kern="100" spc="-46" dirty="0" err="1">
-                <a:latin typeface="Verdana" panose="020B0604030504040204" pitchFamily="34" charset="0"/>
-                <a:ea typeface="Verdana" panose="020B0604030504040204" pitchFamily="34" charset="0"/>
-                <a:cs typeface="Courier New" panose="02070309020205020404" pitchFamily="49" charset="0"/>
-              </a:rPr>
-              <a:t>xsi</a:t>
-            </a:r>
-            <a:r>
-              <a:rPr lang="en-GB" sz="500" kern="100" spc="-46" dirty="0">
-                <a:latin typeface="Verdana" panose="020B0604030504040204" pitchFamily="34" charset="0"/>
-                <a:ea typeface="Verdana" panose="020B0604030504040204" pitchFamily="34" charset="0"/>
-                <a:cs typeface="Courier New" panose="02070309020205020404" pitchFamily="49" charset="0"/>
-              </a:rPr>
-              <a:t>, the cost of executing the operation </a:t>
-            </a:r>
-            <a:r>
-              <a:rPr lang="en-GB" sz="500" kern="100" spc="-46" dirty="0" err="1">
-                <a:latin typeface="Verdana" panose="020B0604030504040204" pitchFamily="34" charset="0"/>
-                <a:ea typeface="Verdana" panose="020B0604030504040204" pitchFamily="34" charset="0"/>
-                <a:cs typeface="Courier New" panose="02070309020205020404" pitchFamily="49" charset="0"/>
-              </a:rPr>
-              <a:t>opi</a:t>
-            </a:r>
-            <a:r>
-              <a:rPr lang="en-GB" sz="500" kern="100" spc="-46" dirty="0">
-                <a:latin typeface="Verdana" panose="020B0604030504040204" pitchFamily="34" charset="0"/>
-                <a:ea typeface="Verdana" panose="020B0604030504040204" pitchFamily="34" charset="0"/>
-                <a:cs typeface="Courier New" panose="02070309020205020404" pitchFamily="49" charset="0"/>
-              </a:rPr>
-              <a:t> is less than the amortized cost, plus the difference between the </a:t>
-            </a:r>
-            <a:r>
-              <a:rPr lang="en-GB" sz="500" kern="100" spc="-46" dirty="0" err="1">
-                <a:latin typeface="Verdana" panose="020B0604030504040204" pitchFamily="34" charset="0"/>
-                <a:ea typeface="Verdana" panose="020B0604030504040204" pitchFamily="34" charset="0"/>
-                <a:cs typeface="Courier New" panose="02070309020205020404" pitchFamily="49" charset="0"/>
-              </a:rPr>
-              <a:t>datastructure</a:t>
-            </a:r>
-            <a:r>
-              <a:rPr lang="en-GB" sz="500" kern="100" spc="-46" dirty="0">
-                <a:latin typeface="Verdana" panose="020B0604030504040204" pitchFamily="34" charset="0"/>
-                <a:ea typeface="Verdana" panose="020B0604030504040204" pitchFamily="34" charset="0"/>
-                <a:cs typeface="Courier New" panose="02070309020205020404" pitchFamily="49" charset="0"/>
-              </a:rPr>
-              <a:t> before and after the operation. If this inequality can be shown to be true, then the summation over a series of operations is given by:</a:t>
-            </a:r>
           </a:p>
         </p:txBody>
       </p:sp>
@@ -16089,6 +13598,944 @@
           </a:prstGeom>
         </p:spPr>
       </p:pic>
+      <p:sp>
+        <p:nvSpPr>
+          <p:cNvPr id="9" name="TextBox 8">
+            <a:extLst>
+              <a:ext uri="{FF2B5EF4-FFF2-40B4-BE49-F238E27FC236}">
+                <a16:creationId xmlns:a16="http://schemas.microsoft.com/office/drawing/2014/main" id="{7F8DD87F-E543-DEBA-C32D-BDD12B4BCB12}"/>
+              </a:ext>
+            </a:extLst>
+          </p:cNvPr>
+          <p:cNvSpPr txBox="1"/>
+          <p:nvPr/>
+        </p:nvSpPr>
+        <p:spPr>
+          <a:xfrm>
+            <a:off x="4746948" y="2474313"/>
+            <a:ext cx="1541990" cy="1169551"/>
+          </a:xfrm>
+          <a:prstGeom prst="rect">
+            <a:avLst/>
+          </a:prstGeom>
+          <a:noFill/>
+        </p:spPr>
+        <p:txBody>
+          <a:bodyPr wrap="square">
+            <a:spAutoFit/>
+          </a:bodyPr>
+          <a:lstStyle/>
+          <a:p>
+            <a:r>
+              <a:rPr lang="en-GB" sz="500" kern="800" spc="-20" dirty="0" err="1">
+                <a:solidFill>
+                  <a:srgbClr val="00B050"/>
+                </a:solidFill>
+                <a:latin typeface="Verdana" panose="020B0604030504040204" pitchFamily="34" charset="0"/>
+                <a:ea typeface="Verdana" panose="020B0604030504040204" pitchFamily="34" charset="0"/>
+              </a:rPr>
+              <a:t>Memoized</a:t>
+            </a:r>
+            <a:r>
+              <a:rPr lang="en-GB" sz="500" kern="800" spc="-20" dirty="0">
+                <a:solidFill>
+                  <a:srgbClr val="00B050"/>
+                </a:solidFill>
+                <a:latin typeface="Verdana" panose="020B0604030504040204" pitchFamily="34" charset="0"/>
+                <a:ea typeface="Verdana" panose="020B0604030504040204" pitchFamily="34" charset="0"/>
+              </a:rPr>
+              <a:t> </a:t>
+            </a:r>
+            <a:r>
+              <a:rPr lang="en-GB" sz="500" kern="800" spc="-20" dirty="0" err="1">
+                <a:solidFill>
+                  <a:srgbClr val="00B050"/>
+                </a:solidFill>
+                <a:latin typeface="Verdana" panose="020B0604030504040204" pitchFamily="34" charset="0"/>
+                <a:ea typeface="Verdana" panose="020B0604030504040204" pitchFamily="34" charset="0"/>
+              </a:rPr>
+              <a:t>Bitonic</a:t>
+            </a:r>
+            <a:endParaRPr lang="en-GB" sz="500" kern="800" spc="-20" dirty="0">
+              <a:solidFill>
+                <a:srgbClr val="00B050"/>
+              </a:solidFill>
+              <a:latin typeface="Verdana" panose="020B0604030504040204" pitchFamily="34" charset="0"/>
+              <a:ea typeface="Verdana" panose="020B0604030504040204" pitchFamily="34" charset="0"/>
+            </a:endParaRPr>
+          </a:p>
+          <a:p>
+            <a:r>
+              <a:rPr lang="en-GB" sz="500" kern="800" spc="-20" dirty="0" err="1">
+                <a:solidFill>
+                  <a:srgbClr val="00B050"/>
+                </a:solidFill>
+                <a:latin typeface="Verdana" panose="020B0604030504040204" pitchFamily="34" charset="0"/>
+                <a:ea typeface="Verdana" panose="020B0604030504040204" pitchFamily="34" charset="0"/>
+              </a:rPr>
+              <a:t>bitonic</a:t>
+            </a:r>
+            <a:r>
+              <a:rPr lang="en-GB" sz="500" kern="800" spc="-20" dirty="0">
+                <a:solidFill>
+                  <a:srgbClr val="00B050"/>
+                </a:solidFill>
+                <a:latin typeface="Verdana" panose="020B0604030504040204" pitchFamily="34" charset="0"/>
+                <a:ea typeface="Verdana" panose="020B0604030504040204" pitchFamily="34" charset="0"/>
+              </a:rPr>
+              <a:t>′′ :: (Int → Int → Double)→Int → Path </a:t>
+            </a:r>
+            <a:r>
+              <a:rPr lang="en-GB" sz="500" kern="800" spc="-20" dirty="0" err="1">
+                <a:solidFill>
+                  <a:srgbClr val="00B050"/>
+                </a:solidFill>
+                <a:latin typeface="Verdana" panose="020B0604030504040204" pitchFamily="34" charset="0"/>
+                <a:ea typeface="Verdana" panose="020B0604030504040204" pitchFamily="34" charset="0"/>
+              </a:rPr>
+              <a:t>bitonic</a:t>
+            </a:r>
+            <a:r>
+              <a:rPr lang="en-GB" sz="500" kern="800" spc="-20" dirty="0">
+                <a:solidFill>
+                  <a:srgbClr val="00B050"/>
+                </a:solidFill>
+                <a:latin typeface="Verdana" panose="020B0604030504040204" pitchFamily="34" charset="0"/>
+                <a:ea typeface="Verdana" panose="020B0604030504040204" pitchFamily="34" charset="0"/>
+              </a:rPr>
+              <a:t>′′ </a:t>
+            </a:r>
+            <a:r>
+              <a:rPr lang="el-GR" sz="500" kern="800" spc="-20" dirty="0">
+                <a:solidFill>
+                  <a:srgbClr val="00B050"/>
+                </a:solidFill>
+                <a:latin typeface="Verdana" panose="020B0604030504040204" pitchFamily="34" charset="0"/>
+                <a:ea typeface="Verdana" panose="020B0604030504040204" pitchFamily="34" charset="0"/>
+              </a:rPr>
+              <a:t>δ </a:t>
+            </a:r>
+            <a:r>
+              <a:rPr lang="en-GB" sz="500" kern="800" spc="-20" dirty="0">
+                <a:solidFill>
+                  <a:srgbClr val="00B050"/>
+                </a:solidFill>
+                <a:latin typeface="Verdana" panose="020B0604030504040204" pitchFamily="34" charset="0"/>
+                <a:ea typeface="Verdana" panose="020B0604030504040204" pitchFamily="34" charset="0"/>
+              </a:rPr>
+              <a:t>n = table ! n where </a:t>
+            </a:r>
+          </a:p>
+          <a:p>
+            <a:r>
+              <a:rPr lang="en-GB" sz="500" kern="800" spc="-20" dirty="0">
+                <a:solidFill>
+                  <a:srgbClr val="00B050"/>
+                </a:solidFill>
+                <a:latin typeface="Verdana" panose="020B0604030504040204" pitchFamily="34" charset="0"/>
+                <a:ea typeface="Verdana" panose="020B0604030504040204" pitchFamily="34" charset="0"/>
+              </a:rPr>
+              <a:t>   table = tabulate (0, n) </a:t>
+            </a:r>
+          </a:p>
+          <a:p>
+            <a:r>
+              <a:rPr lang="en-GB" sz="500" kern="800" spc="-20" dirty="0">
+                <a:solidFill>
+                  <a:srgbClr val="00B050"/>
+                </a:solidFill>
+                <a:latin typeface="Verdana" panose="020B0604030504040204" pitchFamily="34" charset="0"/>
+                <a:ea typeface="Verdana" panose="020B0604030504040204" pitchFamily="34" charset="0"/>
+              </a:rPr>
+              <a:t>   </a:t>
+            </a:r>
+            <a:r>
+              <a:rPr lang="en-GB" sz="500" kern="800" spc="-20" dirty="0" err="1">
+                <a:solidFill>
+                  <a:srgbClr val="00B050"/>
+                </a:solidFill>
+                <a:latin typeface="Verdana" panose="020B0604030504040204" pitchFamily="34" charset="0"/>
+                <a:ea typeface="Verdana" panose="020B0604030504040204" pitchFamily="34" charset="0"/>
+              </a:rPr>
+              <a:t>mbitonic</a:t>
+            </a:r>
+            <a:r>
+              <a:rPr lang="en-GB" sz="500" kern="800" spc="-20" dirty="0">
+                <a:solidFill>
+                  <a:srgbClr val="00B050"/>
+                </a:solidFill>
+                <a:latin typeface="Verdana" panose="020B0604030504040204" pitchFamily="34" charset="0"/>
+                <a:ea typeface="Verdana" panose="020B0604030504040204" pitchFamily="34" charset="0"/>
+              </a:rPr>
+              <a:t> </a:t>
+            </a:r>
+            <a:r>
+              <a:rPr lang="en-GB" sz="500" kern="800" spc="-20" dirty="0" err="1">
+                <a:solidFill>
+                  <a:srgbClr val="00B050"/>
+                </a:solidFill>
+                <a:latin typeface="Verdana" panose="020B0604030504040204" pitchFamily="34" charset="0"/>
+                <a:ea typeface="Verdana" panose="020B0604030504040204" pitchFamily="34" charset="0"/>
+              </a:rPr>
+              <a:t>mbitonic</a:t>
+            </a:r>
+            <a:r>
+              <a:rPr lang="en-GB" sz="500" kern="800" spc="-20" dirty="0">
+                <a:solidFill>
+                  <a:srgbClr val="00B050"/>
+                </a:solidFill>
+                <a:latin typeface="Verdana" panose="020B0604030504040204" pitchFamily="34" charset="0"/>
+                <a:ea typeface="Verdana" panose="020B0604030504040204" pitchFamily="34" charset="0"/>
+              </a:rPr>
+              <a:t> :: Int → Path </a:t>
+            </a:r>
+          </a:p>
+          <a:p>
+            <a:r>
+              <a:rPr lang="en-GB" sz="500" kern="800" spc="-20" dirty="0">
+                <a:solidFill>
+                  <a:srgbClr val="00B050"/>
+                </a:solidFill>
+                <a:latin typeface="Verdana" panose="020B0604030504040204" pitchFamily="34" charset="0"/>
+                <a:ea typeface="Verdana" panose="020B0604030504040204" pitchFamily="34" charset="0"/>
+              </a:rPr>
+              <a:t>   </a:t>
+            </a:r>
+            <a:r>
+              <a:rPr lang="en-GB" sz="500" kern="800" spc="-20" dirty="0" err="1">
+                <a:solidFill>
+                  <a:srgbClr val="00B050"/>
+                </a:solidFill>
+                <a:latin typeface="Verdana" panose="020B0604030504040204" pitchFamily="34" charset="0"/>
+                <a:ea typeface="Verdana" panose="020B0604030504040204" pitchFamily="34" charset="0"/>
+              </a:rPr>
+              <a:t>mbitonic</a:t>
+            </a:r>
+            <a:r>
+              <a:rPr lang="en-GB" sz="500" kern="800" spc="-20" dirty="0">
+                <a:solidFill>
+                  <a:srgbClr val="00B050"/>
+                </a:solidFill>
+                <a:latin typeface="Verdana" panose="020B0604030504040204" pitchFamily="34" charset="0"/>
+                <a:ea typeface="Verdana" panose="020B0604030504040204" pitchFamily="34" charset="0"/>
+              </a:rPr>
+              <a:t> 0 = Path 0 [ (0, 0)] </a:t>
+            </a:r>
+          </a:p>
+          <a:p>
+            <a:r>
+              <a:rPr lang="en-GB" sz="500" kern="800" spc="-20" dirty="0">
+                <a:solidFill>
+                  <a:srgbClr val="00B050"/>
+                </a:solidFill>
+                <a:latin typeface="Verdana" panose="020B0604030504040204" pitchFamily="34" charset="0"/>
+                <a:ea typeface="Verdana" panose="020B0604030504040204" pitchFamily="34" charset="0"/>
+              </a:rPr>
+              <a:t>   </a:t>
+            </a:r>
+            <a:r>
+              <a:rPr lang="en-GB" sz="500" kern="800" spc="-20" dirty="0" err="1">
+                <a:solidFill>
+                  <a:srgbClr val="00B050"/>
+                </a:solidFill>
+                <a:latin typeface="Verdana" panose="020B0604030504040204" pitchFamily="34" charset="0"/>
+                <a:ea typeface="Verdana" panose="020B0604030504040204" pitchFamily="34" charset="0"/>
+              </a:rPr>
+              <a:t>mbitonic</a:t>
+            </a:r>
+            <a:r>
+              <a:rPr lang="en-GB" sz="500" kern="800" spc="-20" dirty="0">
+                <a:solidFill>
+                  <a:srgbClr val="00B050"/>
+                </a:solidFill>
+                <a:latin typeface="Verdana" panose="020B0604030504040204" pitchFamily="34" charset="0"/>
+                <a:ea typeface="Verdana" panose="020B0604030504040204" pitchFamily="34" charset="0"/>
+              </a:rPr>
+              <a:t> 1 = Path (2 × </a:t>
+            </a:r>
+            <a:r>
+              <a:rPr lang="el-GR" sz="500" kern="800" spc="-20" dirty="0">
+                <a:solidFill>
+                  <a:srgbClr val="00B050"/>
+                </a:solidFill>
+                <a:latin typeface="Verdana" panose="020B0604030504040204" pitchFamily="34" charset="0"/>
+                <a:ea typeface="Verdana" panose="020B0604030504040204" pitchFamily="34" charset="0"/>
+              </a:rPr>
+              <a:t>δ 0 1) [(0,1),(0,1)]</a:t>
+            </a:r>
+            <a:endParaRPr lang="en-GB" sz="500" kern="800" spc="-20" dirty="0">
+              <a:solidFill>
+                <a:srgbClr val="00B050"/>
+              </a:solidFill>
+              <a:latin typeface="Verdana" panose="020B0604030504040204" pitchFamily="34" charset="0"/>
+              <a:ea typeface="Verdana" panose="020B0604030504040204" pitchFamily="34" charset="0"/>
+            </a:endParaRPr>
+          </a:p>
+          <a:p>
+            <a:r>
+              <a:rPr lang="en-GB" sz="500" kern="800" spc="-20" dirty="0">
+                <a:solidFill>
+                  <a:srgbClr val="00B050"/>
+                </a:solidFill>
+                <a:latin typeface="Verdana" panose="020B0604030504040204" pitchFamily="34" charset="0"/>
+                <a:ea typeface="Verdana" panose="020B0604030504040204" pitchFamily="34" charset="0"/>
+              </a:rPr>
+              <a:t>  </a:t>
+            </a:r>
+            <a:r>
+              <a:rPr lang="el-GR" sz="500" kern="800" spc="-20" dirty="0">
+                <a:solidFill>
+                  <a:srgbClr val="00B050"/>
+                </a:solidFill>
+                <a:latin typeface="Verdana" panose="020B0604030504040204" pitchFamily="34" charset="0"/>
+                <a:ea typeface="Verdana" panose="020B0604030504040204" pitchFamily="34" charset="0"/>
+              </a:rPr>
+              <a:t> </a:t>
+            </a:r>
+            <a:r>
+              <a:rPr lang="en-GB" sz="500" kern="800" spc="-20" dirty="0" err="1">
+                <a:solidFill>
+                  <a:srgbClr val="00B050"/>
+                </a:solidFill>
+                <a:latin typeface="Verdana" panose="020B0604030504040204" pitchFamily="34" charset="0"/>
+                <a:ea typeface="Verdana" panose="020B0604030504040204" pitchFamily="34" charset="0"/>
+              </a:rPr>
+              <a:t>mbitonic</a:t>
+            </a:r>
+            <a:r>
+              <a:rPr lang="en-GB" sz="500" kern="800" spc="-20" dirty="0">
+                <a:solidFill>
+                  <a:srgbClr val="00B050"/>
+                </a:solidFill>
+                <a:latin typeface="Verdana" panose="020B0604030504040204" pitchFamily="34" charset="0"/>
+                <a:ea typeface="Verdana" panose="020B0604030504040204" pitchFamily="34" charset="0"/>
+              </a:rPr>
+              <a:t> n = minimum [table ! k-</a:t>
+            </a:r>
+            <a:r>
+              <a:rPr lang="el-GR" sz="500" kern="800" spc="-20" dirty="0">
+                <a:solidFill>
+                  <a:srgbClr val="00B050"/>
+                </a:solidFill>
+                <a:latin typeface="Verdana" panose="020B0604030504040204" pitchFamily="34" charset="0"/>
+                <a:ea typeface="Verdana" panose="020B0604030504040204" pitchFamily="34" charset="0"/>
+              </a:rPr>
+              <a:t>δ′ (</a:t>
+            </a:r>
+            <a:r>
+              <a:rPr lang="en-GB" sz="500" kern="800" spc="-20" dirty="0">
+                <a:solidFill>
+                  <a:srgbClr val="00B050"/>
+                </a:solidFill>
+                <a:latin typeface="Verdana" panose="020B0604030504040204" pitchFamily="34" charset="0"/>
+                <a:ea typeface="Verdana" panose="020B0604030504040204" pitchFamily="34" charset="0"/>
+              </a:rPr>
+              <a:t>k-1) k </a:t>
+            </a:r>
+          </a:p>
+          <a:p>
+            <a:r>
+              <a:rPr lang="en-GB" sz="500" kern="800" spc="-20" dirty="0">
+                <a:solidFill>
+                  <a:srgbClr val="00B050"/>
+                </a:solidFill>
+                <a:latin typeface="Verdana" panose="020B0604030504040204" pitchFamily="34" charset="0"/>
+                <a:ea typeface="Verdana" panose="020B0604030504040204" pitchFamily="34" charset="0"/>
+              </a:rPr>
+              <a:t>                     + </a:t>
+            </a:r>
+            <a:r>
+              <a:rPr lang="el-GR" sz="500" kern="800" spc="-20" dirty="0">
+                <a:solidFill>
+                  <a:srgbClr val="00B050"/>
+                </a:solidFill>
+                <a:latin typeface="Verdana" panose="020B0604030504040204" pitchFamily="34" charset="0"/>
+                <a:ea typeface="Verdana" panose="020B0604030504040204" pitchFamily="34" charset="0"/>
+              </a:rPr>
+              <a:t>δ ′ (</a:t>
+            </a:r>
+            <a:r>
+              <a:rPr lang="en-GB" sz="500" kern="800" spc="-20" dirty="0">
+                <a:solidFill>
+                  <a:srgbClr val="00B050"/>
+                </a:solidFill>
+                <a:latin typeface="Verdana" panose="020B0604030504040204" pitchFamily="34" charset="0"/>
+                <a:ea typeface="Verdana" panose="020B0604030504040204" pitchFamily="34" charset="0"/>
+              </a:rPr>
+              <a:t>k − 1) n </a:t>
+            </a:r>
+          </a:p>
+          <a:p>
+            <a:r>
+              <a:rPr lang="en-GB" sz="500" kern="800" spc="-20" dirty="0">
+                <a:solidFill>
+                  <a:srgbClr val="00B050"/>
+                </a:solidFill>
+                <a:latin typeface="Verdana" panose="020B0604030504040204" pitchFamily="34" charset="0"/>
+                <a:ea typeface="Verdana" panose="020B0604030504040204" pitchFamily="34" charset="0"/>
+              </a:rPr>
+              <a:t>                     + sum [</a:t>
+            </a:r>
+            <a:r>
+              <a:rPr lang="el-GR" sz="500" kern="800" spc="-20" dirty="0">
+                <a:solidFill>
+                  <a:srgbClr val="00B050"/>
+                </a:solidFill>
+                <a:latin typeface="Verdana" panose="020B0604030504040204" pitchFamily="34" charset="0"/>
+                <a:ea typeface="Verdana" panose="020B0604030504040204" pitchFamily="34" charset="0"/>
+              </a:rPr>
+              <a:t>δ′ </a:t>
+            </a:r>
+            <a:r>
+              <a:rPr lang="en-GB" sz="500" kern="800" spc="-20" dirty="0" err="1">
+                <a:solidFill>
+                  <a:srgbClr val="00B050"/>
+                </a:solidFill>
+                <a:latin typeface="Verdana" panose="020B0604030504040204" pitchFamily="34" charset="0"/>
+                <a:ea typeface="Verdana" panose="020B0604030504040204" pitchFamily="34" charset="0"/>
+              </a:rPr>
+              <a:t>i</a:t>
+            </a:r>
+            <a:r>
+              <a:rPr lang="en-GB" sz="500" kern="800" spc="-20" dirty="0">
+                <a:solidFill>
+                  <a:srgbClr val="00B050"/>
+                </a:solidFill>
+                <a:latin typeface="Verdana" panose="020B0604030504040204" pitchFamily="34" charset="0"/>
+                <a:ea typeface="Verdana" panose="020B0604030504040204" pitchFamily="34" charset="0"/>
+              </a:rPr>
+              <a:t> (i+1) | </a:t>
+            </a:r>
+            <a:r>
+              <a:rPr lang="en-GB" sz="500" kern="800" spc="-20" dirty="0" err="1">
+                <a:solidFill>
+                  <a:srgbClr val="00B050"/>
+                </a:solidFill>
+                <a:latin typeface="Verdana" panose="020B0604030504040204" pitchFamily="34" charset="0"/>
+                <a:ea typeface="Verdana" panose="020B0604030504040204" pitchFamily="34" charset="0"/>
+              </a:rPr>
+              <a:t>i</a:t>
+            </a:r>
+            <a:r>
+              <a:rPr lang="en-GB" sz="500" kern="800" spc="-20" dirty="0">
+                <a:solidFill>
+                  <a:srgbClr val="00B050"/>
+                </a:solidFill>
+                <a:latin typeface="Verdana" panose="020B0604030504040204" pitchFamily="34" charset="0"/>
+                <a:ea typeface="Verdana" panose="020B0604030504040204" pitchFamily="34" charset="0"/>
+              </a:rPr>
+              <a:t> ← [k..n-1]] </a:t>
+            </a:r>
+          </a:p>
+          <a:p>
+            <a:r>
+              <a:rPr lang="en-GB" sz="500" kern="800" spc="-20" dirty="0">
+                <a:solidFill>
+                  <a:srgbClr val="00B050"/>
+                </a:solidFill>
+                <a:latin typeface="Verdana" panose="020B0604030504040204" pitchFamily="34" charset="0"/>
+                <a:ea typeface="Verdana" panose="020B0604030504040204" pitchFamily="34" charset="0"/>
+              </a:rPr>
+              <a:t>                       | k ← [1 . . n − 1]] </a:t>
+            </a:r>
+          </a:p>
+          <a:p>
+            <a:r>
+              <a:rPr lang="en-GB" sz="500" kern="800" spc="-20" dirty="0">
+                <a:solidFill>
+                  <a:srgbClr val="00B050"/>
+                </a:solidFill>
+                <a:latin typeface="Verdana" panose="020B0604030504040204" pitchFamily="34" charset="0"/>
+                <a:ea typeface="Verdana" panose="020B0604030504040204" pitchFamily="34" charset="0"/>
+              </a:rPr>
+              <a:t>where </a:t>
+            </a:r>
+          </a:p>
+          <a:p>
+            <a:r>
+              <a:rPr lang="en-GB" sz="500" kern="800" spc="-20" dirty="0">
+                <a:solidFill>
+                  <a:srgbClr val="00B050"/>
+                </a:solidFill>
+                <a:latin typeface="Verdana" panose="020B0604030504040204" pitchFamily="34" charset="0"/>
+                <a:ea typeface="Verdana" panose="020B0604030504040204" pitchFamily="34" charset="0"/>
+              </a:rPr>
+              <a:t>    </a:t>
+            </a:r>
+            <a:r>
+              <a:rPr lang="el-GR" sz="500" kern="800" spc="-20" dirty="0">
+                <a:solidFill>
+                  <a:srgbClr val="00B050"/>
+                </a:solidFill>
+                <a:latin typeface="Verdana" panose="020B0604030504040204" pitchFamily="34" charset="0"/>
+                <a:ea typeface="Verdana" panose="020B0604030504040204" pitchFamily="34" charset="0"/>
+              </a:rPr>
+              <a:t>δ′ :: </a:t>
+            </a:r>
+            <a:r>
+              <a:rPr lang="en-GB" sz="500" kern="800" spc="-20" dirty="0">
+                <a:solidFill>
+                  <a:srgbClr val="00B050"/>
+                </a:solidFill>
+                <a:latin typeface="Verdana" panose="020B0604030504040204" pitchFamily="34" charset="0"/>
+                <a:ea typeface="Verdana" panose="020B0604030504040204" pitchFamily="34" charset="0"/>
+              </a:rPr>
+              <a:t>Int → Int → Path </a:t>
+            </a:r>
+          </a:p>
+          <a:p>
+            <a:r>
+              <a:rPr lang="en-GB" sz="500" kern="800" spc="-20" dirty="0">
+                <a:solidFill>
+                  <a:srgbClr val="00B050"/>
+                </a:solidFill>
+                <a:latin typeface="Verdana" panose="020B0604030504040204" pitchFamily="34" charset="0"/>
+                <a:ea typeface="Verdana" panose="020B0604030504040204" pitchFamily="34" charset="0"/>
+              </a:rPr>
+              <a:t>    </a:t>
+            </a:r>
+            <a:r>
+              <a:rPr lang="el-GR" sz="500" kern="800" spc="-20" dirty="0">
+                <a:solidFill>
+                  <a:srgbClr val="00B050"/>
+                </a:solidFill>
+                <a:latin typeface="Verdana" panose="020B0604030504040204" pitchFamily="34" charset="0"/>
+                <a:ea typeface="Verdana" panose="020B0604030504040204" pitchFamily="34" charset="0"/>
+              </a:rPr>
+              <a:t>δ′ </a:t>
+            </a:r>
+            <a:r>
+              <a:rPr lang="en-GB" sz="500" kern="800" spc="-20" dirty="0" err="1">
+                <a:solidFill>
+                  <a:srgbClr val="00B050"/>
+                </a:solidFill>
+                <a:latin typeface="Verdana" panose="020B0604030504040204" pitchFamily="34" charset="0"/>
+                <a:ea typeface="Verdana" panose="020B0604030504040204" pitchFamily="34" charset="0"/>
+              </a:rPr>
+              <a:t>i</a:t>
+            </a:r>
+            <a:r>
+              <a:rPr lang="en-GB" sz="500" kern="800" spc="-20" dirty="0">
+                <a:solidFill>
+                  <a:srgbClr val="00B050"/>
+                </a:solidFill>
+                <a:latin typeface="Verdana" panose="020B0604030504040204" pitchFamily="34" charset="0"/>
+                <a:ea typeface="Verdana" panose="020B0604030504040204" pitchFamily="34" charset="0"/>
+              </a:rPr>
+              <a:t> j = Path (</a:t>
+            </a:r>
+            <a:r>
+              <a:rPr lang="el-GR" sz="500" kern="800" spc="-20" dirty="0">
+                <a:solidFill>
+                  <a:srgbClr val="00B050"/>
+                </a:solidFill>
+                <a:latin typeface="Verdana" panose="020B0604030504040204" pitchFamily="34" charset="0"/>
+                <a:ea typeface="Verdana" panose="020B0604030504040204" pitchFamily="34" charset="0"/>
+              </a:rPr>
+              <a:t>δ </a:t>
+            </a:r>
+            <a:r>
+              <a:rPr lang="en-GB" sz="500" kern="800" spc="-20" dirty="0" err="1">
+                <a:solidFill>
+                  <a:srgbClr val="00B050"/>
+                </a:solidFill>
+                <a:latin typeface="Verdana" panose="020B0604030504040204" pitchFamily="34" charset="0"/>
+                <a:ea typeface="Verdana" panose="020B0604030504040204" pitchFamily="34" charset="0"/>
+              </a:rPr>
+              <a:t>i</a:t>
+            </a:r>
+            <a:r>
+              <a:rPr lang="en-GB" sz="500" kern="800" spc="-20" dirty="0">
+                <a:solidFill>
+                  <a:srgbClr val="00B050"/>
+                </a:solidFill>
+                <a:latin typeface="Verdana" panose="020B0604030504040204" pitchFamily="34" charset="0"/>
+                <a:ea typeface="Verdana" panose="020B0604030504040204" pitchFamily="34" charset="0"/>
+              </a:rPr>
+              <a:t> j) [(min </a:t>
+            </a:r>
+            <a:r>
+              <a:rPr lang="en-GB" sz="500" kern="800" spc="-20" dirty="0" err="1">
+                <a:solidFill>
+                  <a:srgbClr val="00B050"/>
+                </a:solidFill>
+                <a:latin typeface="Verdana" panose="020B0604030504040204" pitchFamily="34" charset="0"/>
+                <a:ea typeface="Verdana" panose="020B0604030504040204" pitchFamily="34" charset="0"/>
+              </a:rPr>
+              <a:t>i</a:t>
+            </a:r>
+            <a:r>
+              <a:rPr lang="en-GB" sz="500" kern="800" spc="-20" dirty="0">
+                <a:solidFill>
+                  <a:srgbClr val="00B050"/>
+                </a:solidFill>
+                <a:latin typeface="Verdana" panose="020B0604030504040204" pitchFamily="34" charset="0"/>
+                <a:ea typeface="Verdana" panose="020B0604030504040204" pitchFamily="34" charset="0"/>
+              </a:rPr>
+              <a:t> j, max </a:t>
+            </a:r>
+            <a:r>
+              <a:rPr lang="en-GB" sz="500" kern="800" spc="-20" dirty="0" err="1">
+                <a:solidFill>
+                  <a:srgbClr val="00B050"/>
+                </a:solidFill>
+                <a:latin typeface="Verdana" panose="020B0604030504040204" pitchFamily="34" charset="0"/>
+                <a:ea typeface="Verdana" panose="020B0604030504040204" pitchFamily="34" charset="0"/>
+              </a:rPr>
+              <a:t>i</a:t>
+            </a:r>
+            <a:r>
+              <a:rPr lang="en-GB" sz="500" kern="800" spc="-20" dirty="0">
+                <a:solidFill>
+                  <a:srgbClr val="00B050"/>
+                </a:solidFill>
+                <a:latin typeface="Verdana" panose="020B0604030504040204" pitchFamily="34" charset="0"/>
+                <a:ea typeface="Verdana" panose="020B0604030504040204" pitchFamily="34" charset="0"/>
+              </a:rPr>
+              <a:t> j)]</a:t>
+            </a:r>
+          </a:p>
+        </p:txBody>
+      </p:sp>
+      <p:sp>
+        <p:nvSpPr>
+          <p:cNvPr id="11" name="TextBox 10">
+            <a:extLst>
+              <a:ext uri="{FF2B5EF4-FFF2-40B4-BE49-F238E27FC236}">
+                <a16:creationId xmlns:a16="http://schemas.microsoft.com/office/drawing/2014/main" id="{6D1A6628-915A-7173-B24B-F637008A5FB6}"/>
+              </a:ext>
+            </a:extLst>
+          </p:cNvPr>
+          <p:cNvSpPr txBox="1"/>
+          <p:nvPr/>
+        </p:nvSpPr>
+        <p:spPr>
+          <a:xfrm>
+            <a:off x="4746948" y="1611047"/>
+            <a:ext cx="1357002" cy="784830"/>
+          </a:xfrm>
+          <a:prstGeom prst="rect">
+            <a:avLst/>
+          </a:prstGeom>
+          <a:noFill/>
+        </p:spPr>
+        <p:txBody>
+          <a:bodyPr wrap="square">
+            <a:spAutoFit/>
+          </a:bodyPr>
+          <a:lstStyle/>
+          <a:p>
+            <a:r>
+              <a:rPr lang="en-GB" sz="500" spc="-30" dirty="0">
+                <a:solidFill>
+                  <a:srgbClr val="FF0000"/>
+                </a:solidFill>
+                <a:latin typeface="Verdana" panose="020B0604030504040204" pitchFamily="34" charset="0"/>
+                <a:ea typeface="Verdana" panose="020B0604030504040204" pitchFamily="34" charset="0"/>
+                <a:cs typeface="Courier New" panose="02070309020205020404" pitchFamily="49" charset="0"/>
+              </a:rPr>
+              <a:t>Recursive </a:t>
+            </a:r>
+            <a:r>
+              <a:rPr lang="en-GB" sz="500" spc="-30" dirty="0" err="1">
+                <a:solidFill>
+                  <a:srgbClr val="FF0000"/>
+                </a:solidFill>
+                <a:latin typeface="Verdana" panose="020B0604030504040204" pitchFamily="34" charset="0"/>
+                <a:ea typeface="Verdana" panose="020B0604030504040204" pitchFamily="34" charset="0"/>
+                <a:cs typeface="Courier New" panose="02070309020205020404" pitchFamily="49" charset="0"/>
+              </a:rPr>
+              <a:t>Bitonic</a:t>
+            </a:r>
+            <a:endParaRPr lang="en-GB" sz="500" spc="-30" dirty="0">
+              <a:solidFill>
+                <a:srgbClr val="FF0000"/>
+              </a:solidFill>
+              <a:latin typeface="Verdana" panose="020B0604030504040204" pitchFamily="34" charset="0"/>
+              <a:ea typeface="Verdana" panose="020B0604030504040204" pitchFamily="34" charset="0"/>
+              <a:cs typeface="Courier New" panose="02070309020205020404" pitchFamily="49" charset="0"/>
+            </a:endParaRPr>
+          </a:p>
+          <a:p>
+            <a:r>
+              <a:rPr lang="en-GB" sz="500" spc="-30" dirty="0" err="1">
+                <a:solidFill>
+                  <a:srgbClr val="FF0000"/>
+                </a:solidFill>
+                <a:latin typeface="Verdana" panose="020B0604030504040204" pitchFamily="34" charset="0"/>
+                <a:ea typeface="Verdana" panose="020B0604030504040204" pitchFamily="34" charset="0"/>
+                <a:cs typeface="Courier New" panose="02070309020205020404" pitchFamily="49" charset="0"/>
+              </a:rPr>
+              <a:t>bitonic</a:t>
+            </a:r>
+            <a:r>
+              <a:rPr lang="en-GB" sz="500" spc="-30" dirty="0">
+                <a:solidFill>
+                  <a:srgbClr val="FF0000"/>
+                </a:solidFill>
+                <a:latin typeface="Verdana" panose="020B0604030504040204" pitchFamily="34" charset="0"/>
+                <a:ea typeface="Verdana" panose="020B0604030504040204" pitchFamily="34" charset="0"/>
+                <a:cs typeface="Courier New" panose="02070309020205020404" pitchFamily="49" charset="0"/>
+              </a:rPr>
+              <a:t>::(</a:t>
+            </a:r>
+            <a:r>
+              <a:rPr lang="en-GB" sz="500" spc="-30" dirty="0" err="1">
+                <a:solidFill>
+                  <a:srgbClr val="FF0000"/>
+                </a:solidFill>
+                <a:latin typeface="Verdana" panose="020B0604030504040204" pitchFamily="34" charset="0"/>
+                <a:ea typeface="Verdana" panose="020B0604030504040204" pitchFamily="34" charset="0"/>
+                <a:cs typeface="Courier New" panose="02070309020205020404" pitchFamily="49" charset="0"/>
+              </a:rPr>
+              <a:t>Int→Int→Double</a:t>
+            </a:r>
+            <a:r>
+              <a:rPr lang="en-GB" sz="500" spc="-30" dirty="0">
+                <a:solidFill>
+                  <a:srgbClr val="FF0000"/>
+                </a:solidFill>
+                <a:latin typeface="Verdana" panose="020B0604030504040204" pitchFamily="34" charset="0"/>
+                <a:ea typeface="Verdana" panose="020B0604030504040204" pitchFamily="34" charset="0"/>
+                <a:cs typeface="Courier New" panose="02070309020205020404" pitchFamily="49" charset="0"/>
+              </a:rPr>
+              <a:t>)→</a:t>
+            </a:r>
+            <a:r>
+              <a:rPr lang="en-GB" sz="500" spc="-30" dirty="0" err="1">
+                <a:solidFill>
+                  <a:srgbClr val="FF0000"/>
+                </a:solidFill>
+                <a:latin typeface="Verdana" panose="020B0604030504040204" pitchFamily="34" charset="0"/>
+                <a:ea typeface="Verdana" panose="020B0604030504040204" pitchFamily="34" charset="0"/>
+                <a:cs typeface="Courier New" panose="02070309020205020404" pitchFamily="49" charset="0"/>
+              </a:rPr>
+              <a:t>Int→Double</a:t>
+            </a:r>
+            <a:r>
+              <a:rPr lang="en-GB" sz="500" spc="-30" dirty="0">
+                <a:solidFill>
+                  <a:srgbClr val="FF0000"/>
+                </a:solidFill>
+                <a:latin typeface="Verdana" panose="020B0604030504040204" pitchFamily="34" charset="0"/>
+                <a:ea typeface="Verdana" panose="020B0604030504040204" pitchFamily="34" charset="0"/>
+                <a:cs typeface="Courier New" panose="02070309020205020404" pitchFamily="49" charset="0"/>
+              </a:rPr>
+              <a:t> </a:t>
+            </a:r>
+            <a:r>
+              <a:rPr lang="en-GB" sz="500" spc="-30" dirty="0" err="1">
+                <a:solidFill>
+                  <a:srgbClr val="FF0000"/>
+                </a:solidFill>
+                <a:latin typeface="Verdana" panose="020B0604030504040204" pitchFamily="34" charset="0"/>
+                <a:ea typeface="Verdana" panose="020B0604030504040204" pitchFamily="34" charset="0"/>
+                <a:cs typeface="Courier New" panose="02070309020205020404" pitchFamily="49" charset="0"/>
+              </a:rPr>
+              <a:t>bitonic</a:t>
+            </a:r>
+            <a:r>
+              <a:rPr lang="en-GB" sz="500" spc="-30" dirty="0">
+                <a:solidFill>
+                  <a:srgbClr val="FF0000"/>
+                </a:solidFill>
+                <a:latin typeface="Verdana" panose="020B0604030504040204" pitchFamily="34" charset="0"/>
+                <a:ea typeface="Verdana" panose="020B0604030504040204" pitchFamily="34" charset="0"/>
+                <a:cs typeface="Courier New" panose="02070309020205020404" pitchFamily="49" charset="0"/>
+              </a:rPr>
+              <a:t> δ 0 = 0 </a:t>
+            </a:r>
+          </a:p>
+          <a:p>
+            <a:r>
+              <a:rPr lang="en-GB" sz="500" spc="-30" dirty="0" err="1">
+                <a:solidFill>
+                  <a:srgbClr val="FF0000"/>
+                </a:solidFill>
+                <a:latin typeface="Verdana" panose="020B0604030504040204" pitchFamily="34" charset="0"/>
+                <a:ea typeface="Verdana" panose="020B0604030504040204" pitchFamily="34" charset="0"/>
+                <a:cs typeface="Courier New" panose="02070309020205020404" pitchFamily="49" charset="0"/>
+              </a:rPr>
+              <a:t>bitonic</a:t>
+            </a:r>
+            <a:r>
+              <a:rPr lang="en-GB" sz="500" spc="-30" dirty="0">
+                <a:solidFill>
+                  <a:srgbClr val="FF0000"/>
+                </a:solidFill>
+                <a:latin typeface="Verdana" panose="020B0604030504040204" pitchFamily="34" charset="0"/>
+                <a:ea typeface="Verdana" panose="020B0604030504040204" pitchFamily="34" charset="0"/>
+                <a:cs typeface="Courier New" panose="02070309020205020404" pitchFamily="49" charset="0"/>
+              </a:rPr>
+              <a:t> δ 1 = 2 × δ 0 1 </a:t>
+            </a:r>
+          </a:p>
+          <a:p>
+            <a:r>
+              <a:rPr lang="en-GB" sz="500" spc="-30" dirty="0" err="1">
+                <a:solidFill>
+                  <a:srgbClr val="FF0000"/>
+                </a:solidFill>
+                <a:latin typeface="Verdana" panose="020B0604030504040204" pitchFamily="34" charset="0"/>
+                <a:ea typeface="Verdana" panose="020B0604030504040204" pitchFamily="34" charset="0"/>
+                <a:cs typeface="Courier New" panose="02070309020205020404" pitchFamily="49" charset="0"/>
+              </a:rPr>
+              <a:t>bitonic</a:t>
+            </a:r>
+            <a:r>
+              <a:rPr lang="en-GB" sz="500" spc="-30" dirty="0">
+                <a:solidFill>
+                  <a:srgbClr val="FF0000"/>
+                </a:solidFill>
+                <a:latin typeface="Verdana" panose="020B0604030504040204" pitchFamily="34" charset="0"/>
+                <a:ea typeface="Verdana" panose="020B0604030504040204" pitchFamily="34" charset="0"/>
+                <a:cs typeface="Courier New" panose="02070309020205020404" pitchFamily="49" charset="0"/>
+              </a:rPr>
+              <a:t> δ n =  </a:t>
+            </a:r>
+          </a:p>
+          <a:p>
+            <a:r>
+              <a:rPr lang="en-GB" sz="500" spc="-30" dirty="0">
+                <a:solidFill>
+                  <a:srgbClr val="FF0000"/>
+                </a:solidFill>
+                <a:latin typeface="Verdana" panose="020B0604030504040204" pitchFamily="34" charset="0"/>
+                <a:ea typeface="Verdana" panose="020B0604030504040204" pitchFamily="34" charset="0"/>
+                <a:cs typeface="Courier New" panose="02070309020205020404" pitchFamily="49" charset="0"/>
+              </a:rPr>
+              <a:t>     minimum [ </a:t>
+            </a:r>
+            <a:r>
+              <a:rPr lang="en-GB" sz="500" spc="-30" dirty="0" err="1">
+                <a:solidFill>
+                  <a:srgbClr val="FF0000"/>
+                </a:solidFill>
+                <a:latin typeface="Verdana" panose="020B0604030504040204" pitchFamily="34" charset="0"/>
+                <a:ea typeface="Verdana" panose="020B0604030504040204" pitchFamily="34" charset="0"/>
+                <a:cs typeface="Courier New" panose="02070309020205020404" pitchFamily="49" charset="0"/>
+              </a:rPr>
+              <a:t>bitonic</a:t>
+            </a:r>
+            <a:r>
+              <a:rPr lang="en-GB" sz="500" spc="-30" dirty="0">
+                <a:solidFill>
+                  <a:srgbClr val="FF0000"/>
+                </a:solidFill>
+                <a:latin typeface="Verdana" panose="020B0604030504040204" pitchFamily="34" charset="0"/>
+                <a:ea typeface="Verdana" panose="020B0604030504040204" pitchFamily="34" charset="0"/>
+                <a:cs typeface="Courier New" panose="02070309020205020404" pitchFamily="49" charset="0"/>
+              </a:rPr>
+              <a:t> δ k − δ (k − 1) k    </a:t>
+            </a:r>
+          </a:p>
+          <a:p>
+            <a:r>
+              <a:rPr lang="en-GB" sz="500" spc="-30" dirty="0">
+                <a:solidFill>
+                  <a:srgbClr val="FF0000"/>
+                </a:solidFill>
+                <a:latin typeface="Verdana" panose="020B0604030504040204" pitchFamily="34" charset="0"/>
+                <a:ea typeface="Verdana" panose="020B0604030504040204" pitchFamily="34" charset="0"/>
+                <a:cs typeface="Courier New" panose="02070309020205020404" pitchFamily="49" charset="0"/>
+              </a:rPr>
+              <a:t>       + δ (k − 1) n </a:t>
+            </a:r>
+          </a:p>
+          <a:p>
+            <a:r>
+              <a:rPr lang="en-GB" sz="500" spc="-30" dirty="0">
+                <a:solidFill>
+                  <a:srgbClr val="FF0000"/>
+                </a:solidFill>
+                <a:latin typeface="Verdana" panose="020B0604030504040204" pitchFamily="34" charset="0"/>
+                <a:ea typeface="Verdana" panose="020B0604030504040204" pitchFamily="34" charset="0"/>
+                <a:cs typeface="Courier New" panose="02070309020205020404" pitchFamily="49" charset="0"/>
+              </a:rPr>
+              <a:t>       + sum [δ </a:t>
+            </a:r>
+            <a:r>
+              <a:rPr lang="en-GB" sz="500" spc="-30" dirty="0" err="1">
+                <a:solidFill>
+                  <a:srgbClr val="FF0000"/>
+                </a:solidFill>
+                <a:latin typeface="Verdana" panose="020B0604030504040204" pitchFamily="34" charset="0"/>
+                <a:ea typeface="Verdana" panose="020B0604030504040204" pitchFamily="34" charset="0"/>
+                <a:cs typeface="Courier New" panose="02070309020205020404" pitchFamily="49" charset="0"/>
+              </a:rPr>
+              <a:t>i</a:t>
+            </a:r>
+            <a:r>
+              <a:rPr lang="en-GB" sz="500" spc="-30" dirty="0">
+                <a:solidFill>
+                  <a:srgbClr val="FF0000"/>
+                </a:solidFill>
+                <a:latin typeface="Verdana" panose="020B0604030504040204" pitchFamily="34" charset="0"/>
+                <a:ea typeface="Verdana" panose="020B0604030504040204" pitchFamily="34" charset="0"/>
+                <a:cs typeface="Courier New" panose="02070309020205020404" pitchFamily="49" charset="0"/>
+              </a:rPr>
+              <a:t> (</a:t>
+            </a:r>
+            <a:r>
+              <a:rPr lang="en-GB" sz="500" spc="-30" dirty="0" err="1">
+                <a:solidFill>
+                  <a:srgbClr val="FF0000"/>
+                </a:solidFill>
+                <a:latin typeface="Verdana" panose="020B0604030504040204" pitchFamily="34" charset="0"/>
+                <a:ea typeface="Verdana" panose="020B0604030504040204" pitchFamily="34" charset="0"/>
+                <a:cs typeface="Courier New" panose="02070309020205020404" pitchFamily="49" charset="0"/>
+              </a:rPr>
+              <a:t>i</a:t>
+            </a:r>
+            <a:r>
+              <a:rPr lang="en-GB" sz="500" spc="-30" dirty="0">
+                <a:solidFill>
+                  <a:srgbClr val="FF0000"/>
+                </a:solidFill>
+                <a:latin typeface="Verdana" panose="020B0604030504040204" pitchFamily="34" charset="0"/>
+                <a:ea typeface="Verdana" panose="020B0604030504040204" pitchFamily="34" charset="0"/>
+                <a:cs typeface="Courier New" panose="02070309020205020404" pitchFamily="49" charset="0"/>
+              </a:rPr>
+              <a:t> + 1) | </a:t>
+            </a:r>
+            <a:r>
+              <a:rPr lang="en-GB" sz="500" spc="-30" dirty="0" err="1">
+                <a:solidFill>
+                  <a:srgbClr val="FF0000"/>
+                </a:solidFill>
+                <a:latin typeface="Verdana" panose="020B0604030504040204" pitchFamily="34" charset="0"/>
+                <a:ea typeface="Verdana" panose="020B0604030504040204" pitchFamily="34" charset="0"/>
+                <a:cs typeface="Courier New" panose="02070309020205020404" pitchFamily="49" charset="0"/>
+              </a:rPr>
+              <a:t>i</a:t>
+            </a:r>
+            <a:r>
+              <a:rPr lang="en-GB" sz="500" spc="-30" dirty="0">
+                <a:solidFill>
+                  <a:srgbClr val="FF0000"/>
+                </a:solidFill>
+                <a:latin typeface="Verdana" panose="020B0604030504040204" pitchFamily="34" charset="0"/>
+                <a:ea typeface="Verdana" panose="020B0604030504040204" pitchFamily="34" charset="0"/>
+                <a:cs typeface="Courier New" panose="02070309020205020404" pitchFamily="49" charset="0"/>
+              </a:rPr>
+              <a:t> ← [k . . n − 1]] </a:t>
+            </a:r>
+          </a:p>
+          <a:p>
+            <a:r>
+              <a:rPr lang="en-GB" sz="500" spc="-30" dirty="0">
+                <a:solidFill>
+                  <a:srgbClr val="FF0000"/>
+                </a:solidFill>
+                <a:latin typeface="Verdana" panose="020B0604030504040204" pitchFamily="34" charset="0"/>
+                <a:ea typeface="Verdana" panose="020B0604030504040204" pitchFamily="34" charset="0"/>
+                <a:cs typeface="Courier New" panose="02070309020205020404" pitchFamily="49" charset="0"/>
+              </a:rPr>
+              <a:t>     | k ← [1 . . n − 1]]</a:t>
+            </a:r>
+          </a:p>
+        </p:txBody>
+      </p:sp>
     </p:spTree>
     <p:extLst>
       <p:ext uri="{BB962C8B-B14F-4D97-AF65-F5344CB8AC3E}">
